--- a/eda_intoduction.pptx
+++ b/eda_intoduction.pptx
@@ -10,13 +10,15 @@
     <p:sldId id="257" r:id="rId4"/>
     <p:sldId id="259" r:id="rId5"/>
     <p:sldId id="261" r:id="rId6"/>
-    <p:sldId id="262" r:id="rId7"/>
-    <p:sldId id="263" r:id="rId8"/>
+    <p:sldId id="263" r:id="rId7"/>
+    <p:sldId id="262" r:id="rId8"/>
     <p:sldId id="264" r:id="rId9"/>
     <p:sldId id="266" r:id="rId10"/>
     <p:sldId id="265" r:id="rId11"/>
     <p:sldId id="267" r:id="rId12"/>
     <p:sldId id="260" r:id="rId13"/>
+    <p:sldId id="268" r:id="rId14"/>
+    <p:sldId id="269" r:id="rId15"/>
   </p:sldIdLst>
   <p:sldSz cx="12192000" cy="6858000"/>
   <p:notesSz cx="6858000" cy="9144000"/>
@@ -115,6 +117,11 @@
       </a:defRPr>
     </a:lvl9pPr>
   </p:defaultTextStyle>
+  <p:extLst>
+    <p:ext uri="{EFAFB233-063F-42B5-8137-9DF3F51BA10A}">
+      <p15:sldGuideLst xmlns:p15="http://schemas.microsoft.com/office/powerpoint/2012/main"/>
+    </p:ext>
+  </p:extLst>
 </p:presentation>
 </file>
 
@@ -521,7 +528,7 @@
           <a:p>
             <a:fld id="{83284890-85D2-4D7B-8EF5-15A9C1DB8F42}" type="datetimeFigureOut">
               <a:rPr lang="en-US" dirty="0"/>
-              <a:t>8/15/2021</a:t>
+              <a:t>8/16/2021</a:t>
             </a:fld>
             <a:endParaRPr lang="en-US" dirty="0"/>
           </a:p>
@@ -696,7 +703,7 @@
           <a:p>
             <a:fld id="{87157CC2-0FC8-4686-B024-99790E0F5162}" type="datetimeFigureOut">
               <a:rPr lang="en-US" dirty="0"/>
-              <a:t>8/15/2021</a:t>
+              <a:t>8/16/2021</a:t>
             </a:fld>
             <a:endParaRPr lang="en-US" dirty="0"/>
           </a:p>
@@ -871,7 +878,7 @@
           <a:p>
             <a:fld id="{F6764DA5-CD3D-4590-A511-FCD3BC7A793E}" type="datetimeFigureOut">
               <a:rPr lang="en-US" dirty="0"/>
-              <a:t>8/15/2021</a:t>
+              <a:t>8/16/2021</a:t>
             </a:fld>
             <a:endParaRPr lang="en-US" dirty="0"/>
           </a:p>
@@ -1036,7 +1043,7 @@
           <a:p>
             <a:fld id="{82F5661D-6934-4B32-B92C-470368BF1EC6}" type="datetimeFigureOut">
               <a:rPr lang="en-US" dirty="0"/>
-              <a:t>8/15/2021</a:t>
+              <a:t>8/16/2021</a:t>
             </a:fld>
             <a:endParaRPr lang="en-US" dirty="0"/>
           </a:p>
@@ -1344,7 +1351,7 @@
           <a:p>
             <a:fld id="{C6F822A4-8DA6-4447-9B1F-C5DB58435268}" type="datetimeFigureOut">
               <a:rPr lang="en-US" dirty="0"/>
-              <a:t>8/15/2021</a:t>
+              <a:t>8/16/2021</a:t>
             </a:fld>
             <a:endParaRPr lang="en-US" dirty="0"/>
           </a:p>
@@ -1726,7 +1733,7 @@
           <a:p>
             <a:fld id="{E548D31E-DCDA-41A7-9C67-C4B11B94D21D}" type="datetimeFigureOut">
               <a:rPr lang="en-US" dirty="0"/>
-              <a:t>8/15/2021</a:t>
+              <a:t>8/16/2021</a:t>
             </a:fld>
             <a:endParaRPr lang="en-US" dirty="0"/>
           </a:p>
@@ -2155,7 +2162,7 @@
           <a:p>
             <a:fld id="{9B3762C0-B258-48F1-ADE6-176B4174CCDD}" type="datetimeFigureOut">
               <a:rPr lang="en-US" dirty="0"/>
-              <a:t>8/15/2021</a:t>
+              <a:t>8/16/2021</a:t>
             </a:fld>
             <a:endParaRPr lang="en-US" dirty="0"/>
           </a:p>
@@ -2268,7 +2275,7 @@
           <a:p>
             <a:fld id="{677919A6-33EB-49BD-A62F-1FA56B9F9712}" type="datetimeFigureOut">
               <a:rPr lang="en-US" dirty="0"/>
-              <a:t>8/15/2021</a:t>
+              <a:t>8/16/2021</a:t>
             </a:fld>
             <a:endParaRPr lang="en-US" dirty="0"/>
           </a:p>
@@ -2358,7 +2365,7 @@
           <a:p>
             <a:fld id="{CA4E7D1B-D673-4CF6-8672-009D42ABD2A0}" type="datetimeFigureOut">
               <a:rPr lang="en-US" dirty="0"/>
-              <a:t>8/15/2021</a:t>
+              <a:t>8/16/2021</a:t>
             </a:fld>
             <a:endParaRPr lang="en-US" dirty="0"/>
           </a:p>
@@ -2703,7 +2710,7 @@
           <a:p>
             <a:fld id="{DA16AA21-1863-4931-97CB-99D0A168701B}" type="datetimeFigureOut">
               <a:rPr lang="en-US" dirty="0"/>
-              <a:t>8/15/2021</a:t>
+              <a:t>8/16/2021</a:t>
             </a:fld>
             <a:endParaRPr lang="en-US" dirty="0"/>
           </a:p>
@@ -3123,7 +3130,7 @@
           <a:p>
             <a:fld id="{3772C379-9A7C-4C87-A116-CBE9F58B04C5}" type="datetimeFigureOut">
               <a:rPr lang="en-US" dirty="0"/>
-              <a:t>8/15/2021</a:t>
+              <a:t>8/16/2021</a:t>
             </a:fld>
             <a:endParaRPr lang="en-US" dirty="0"/>
           </a:p>
@@ -3399,7 +3406,7 @@
           <a:p>
             <a:fld id="{8664C608-40B1-4030-A28D-5B74BC98ADCE}" type="datetimeFigureOut">
               <a:rPr lang="en-US" dirty="0"/>
-              <a:t>8/15/2021</a:t>
+              <a:t>8/16/2021</a:t>
             </a:fld>
             <a:endParaRPr lang="en-US" dirty="0"/>
           </a:p>
@@ -4338,15 +4345,22 @@
             <p:ph type="title"/>
           </p:nvPr>
         </p:nvSpPr>
-        <p:spPr/>
-        <p:txBody>
-          <a:bodyPr/>
+        <p:spPr>
+          <a:xfrm>
+            <a:off x="2450236" y="208058"/>
+            <a:ext cx="8837809" cy="621792"/>
+          </a:xfrm>
+        </p:spPr>
+        <p:txBody>
+          <a:bodyPr>
+            <a:normAutofit fontScale="90000"/>
+          </a:bodyPr>
           <a:lstStyle/>
           <a:p>
             <a:pPr algn="r"/>
             <a:r>
               <a:rPr lang="he-IL" dirty="0"/>
-              <a:t>השלמת ערכים חסרים</a:t>
+              <a:t>היכרות עם הנתונים</a:t>
             </a:r>
           </a:p>
         </p:txBody>
@@ -4367,22 +4381,315 @@
             <p:ph idx="1"/>
           </p:nvPr>
         </p:nvSpPr>
-        <p:spPr/>
+        <p:spPr>
+          <a:xfrm>
+            <a:off x="2072934" y="935548"/>
+            <a:ext cx="9592411" cy="621792"/>
+          </a:xfrm>
+        </p:spPr>
         <p:txBody>
           <a:bodyPr/>
           <a:lstStyle/>
           <a:p>
-            <a:pPr marL="0" indent="0">
-              <a:buNone/>
-            </a:pPr>
-            <a:endParaRPr lang="he-IL" dirty="0"/>
-          </a:p>
-        </p:txBody>
-      </p:sp>
+            <a:r>
+              <a:rPr lang="he-IL" dirty="0"/>
+              <a:t>צפיפות תדירות הפעמים שקשישים פונים כפונקציה של סוג הדיור</a:t>
+            </a:r>
+          </a:p>
+        </p:txBody>
+      </p:sp>
+      <p:pic>
+        <p:nvPicPr>
+          <p:cNvPr id="7" name="תמונה 6">
+            <a:extLst>
+              <a:ext uri="{FF2B5EF4-FFF2-40B4-BE49-F238E27FC236}">
+                <a16:creationId xmlns:a16="http://schemas.microsoft.com/office/drawing/2014/main" id="{FD747EB7-3D73-45E6-A89D-D029AE24111A}"/>
+              </a:ext>
+            </a:extLst>
+          </p:cNvPr>
+          <p:cNvPicPr>
+            <a:picLocks noChangeAspect="1"/>
+          </p:cNvPicPr>
+          <p:nvPr/>
+        </p:nvPicPr>
+        <p:blipFill>
+          <a:blip r:embed="rId2"/>
+          <a:stretch>
+            <a:fillRect/>
+          </a:stretch>
+        </p:blipFill>
+        <p:spPr>
+          <a:xfrm>
+            <a:off x="2725445" y="1349282"/>
+            <a:ext cx="5442011" cy="5300660"/>
+          </a:xfrm>
+          <a:prstGeom prst="rect">
+            <a:avLst/>
+          </a:prstGeom>
+        </p:spPr>
+      </p:pic>
     </p:spTree>
     <p:extLst>
       <p:ext uri="{BB962C8B-B14F-4D97-AF65-F5344CB8AC3E}">
         <p14:creationId xmlns:p14="http://schemas.microsoft.com/office/powerpoint/2010/main" val="3549496148"/>
+      </p:ext>
+    </p:extLst>
+  </p:cSld>
+  <p:clrMapOvr>
+    <a:masterClrMapping/>
+  </p:clrMapOvr>
+</p:sld>
+</file>
+
+<file path=ppt/slides/slide13.xml><?xml version="1.0" encoding="utf-8"?>
+<p:sld xmlns:a="http://schemas.openxmlformats.org/drawingml/2006/main" xmlns:r="http://schemas.openxmlformats.org/officeDocument/2006/relationships" xmlns:p="http://schemas.openxmlformats.org/presentationml/2006/main">
+  <p:cSld>
+    <p:spTree>
+      <p:nvGrpSpPr>
+        <p:cNvPr id="1" name=""/>
+        <p:cNvGrpSpPr/>
+        <p:nvPr/>
+      </p:nvGrpSpPr>
+      <p:grpSpPr>
+        <a:xfrm>
+          <a:off x="0" y="0"/>
+          <a:ext cx="0" cy="0"/>
+          <a:chOff x="0" y="0"/>
+          <a:chExt cx="0" cy="0"/>
+        </a:xfrm>
+      </p:grpSpPr>
+      <p:sp>
+        <p:nvSpPr>
+          <p:cNvPr id="2" name="כותרת 1">
+            <a:extLst>
+              <a:ext uri="{FF2B5EF4-FFF2-40B4-BE49-F238E27FC236}">
+                <a16:creationId xmlns:a16="http://schemas.microsoft.com/office/drawing/2014/main" id="{8B6FA5E4-5DE8-4151-B116-721BDBBDD21A}"/>
+              </a:ext>
+            </a:extLst>
+          </p:cNvPr>
+          <p:cNvSpPr>
+            <a:spLocks noGrp="1"/>
+          </p:cNvSpPr>
+          <p:nvPr>
+            <p:ph type="title"/>
+          </p:nvPr>
+        </p:nvSpPr>
+        <p:spPr>
+          <a:xfrm>
+            <a:off x="2450236" y="208058"/>
+            <a:ext cx="8837809" cy="621792"/>
+          </a:xfrm>
+        </p:spPr>
+        <p:txBody>
+          <a:bodyPr>
+            <a:normAutofit fontScale="90000"/>
+          </a:bodyPr>
+          <a:lstStyle/>
+          <a:p>
+            <a:pPr algn="r"/>
+            <a:r>
+              <a:rPr lang="he-IL" dirty="0"/>
+              <a:t>היכרות עם הנתונים</a:t>
+            </a:r>
+          </a:p>
+        </p:txBody>
+      </p:sp>
+      <p:sp>
+        <p:nvSpPr>
+          <p:cNvPr id="3" name="מציין מיקום תוכן 2">
+            <a:extLst>
+              <a:ext uri="{FF2B5EF4-FFF2-40B4-BE49-F238E27FC236}">
+                <a16:creationId xmlns:a16="http://schemas.microsoft.com/office/drawing/2014/main" id="{F503CA34-A7B7-401C-BF52-FF4FF88F04B5}"/>
+              </a:ext>
+            </a:extLst>
+          </p:cNvPr>
+          <p:cNvSpPr>
+            <a:spLocks noGrp="1"/>
+          </p:cNvSpPr>
+          <p:nvPr>
+            <p:ph idx="1"/>
+          </p:nvPr>
+        </p:nvSpPr>
+        <p:spPr>
+          <a:xfrm>
+            <a:off x="2072934" y="935548"/>
+            <a:ext cx="9592411" cy="621792"/>
+          </a:xfrm>
+        </p:spPr>
+        <p:txBody>
+          <a:bodyPr/>
+          <a:lstStyle/>
+          <a:p>
+            <a:r>
+              <a:rPr lang="he-IL" dirty="0"/>
+              <a:t>צפיפות תדירות הפעמים שקשישים פונים כפונקציה של המגדר</a:t>
+            </a:r>
+          </a:p>
+        </p:txBody>
+      </p:sp>
+      <p:pic>
+        <p:nvPicPr>
+          <p:cNvPr id="8" name="תמונה 7">
+            <a:extLst>
+              <a:ext uri="{FF2B5EF4-FFF2-40B4-BE49-F238E27FC236}">
+                <a16:creationId xmlns:a16="http://schemas.microsoft.com/office/drawing/2014/main" id="{1E7A19A2-50EF-448F-A35D-815D8C7993E7}"/>
+              </a:ext>
+            </a:extLst>
+          </p:cNvPr>
+          <p:cNvPicPr>
+            <a:picLocks noChangeAspect="1"/>
+          </p:cNvPicPr>
+          <p:nvPr/>
+        </p:nvPicPr>
+        <p:blipFill>
+          <a:blip r:embed="rId2"/>
+          <a:stretch>
+            <a:fillRect/>
+          </a:stretch>
+        </p:blipFill>
+        <p:spPr>
+          <a:xfrm>
+            <a:off x="3238500" y="1378721"/>
+            <a:ext cx="4911201" cy="4903016"/>
+          </a:xfrm>
+          <a:prstGeom prst="rect">
+            <a:avLst/>
+          </a:prstGeom>
+        </p:spPr>
+      </p:pic>
+    </p:spTree>
+    <p:extLst>
+      <p:ext uri="{BB962C8B-B14F-4D97-AF65-F5344CB8AC3E}">
+        <p14:creationId xmlns:p14="http://schemas.microsoft.com/office/powerpoint/2010/main" val="3922642333"/>
+      </p:ext>
+    </p:extLst>
+  </p:cSld>
+  <p:clrMapOvr>
+    <a:masterClrMapping/>
+  </p:clrMapOvr>
+</p:sld>
+</file>
+
+<file path=ppt/slides/slide14.xml><?xml version="1.0" encoding="utf-8"?>
+<p:sld xmlns:a="http://schemas.openxmlformats.org/drawingml/2006/main" xmlns:r="http://schemas.openxmlformats.org/officeDocument/2006/relationships" xmlns:p="http://schemas.openxmlformats.org/presentationml/2006/main">
+  <p:cSld>
+    <p:spTree>
+      <p:nvGrpSpPr>
+        <p:cNvPr id="1" name=""/>
+        <p:cNvGrpSpPr/>
+        <p:nvPr/>
+      </p:nvGrpSpPr>
+      <p:grpSpPr>
+        <a:xfrm>
+          <a:off x="0" y="0"/>
+          <a:ext cx="0" cy="0"/>
+          <a:chOff x="0" y="0"/>
+          <a:chExt cx="0" cy="0"/>
+        </a:xfrm>
+      </p:grpSpPr>
+      <p:sp>
+        <p:nvSpPr>
+          <p:cNvPr id="2" name="כותרת 1">
+            <a:extLst>
+              <a:ext uri="{FF2B5EF4-FFF2-40B4-BE49-F238E27FC236}">
+                <a16:creationId xmlns:a16="http://schemas.microsoft.com/office/drawing/2014/main" id="{8B6FA5E4-5DE8-4151-B116-721BDBBDD21A}"/>
+              </a:ext>
+            </a:extLst>
+          </p:cNvPr>
+          <p:cNvSpPr>
+            <a:spLocks noGrp="1"/>
+          </p:cNvSpPr>
+          <p:nvPr>
+            <p:ph type="title"/>
+          </p:nvPr>
+        </p:nvSpPr>
+        <p:spPr>
+          <a:xfrm>
+            <a:off x="3354191" y="0"/>
+            <a:ext cx="8837809" cy="621792"/>
+          </a:xfrm>
+        </p:spPr>
+        <p:txBody>
+          <a:bodyPr>
+            <a:normAutofit fontScale="90000"/>
+          </a:bodyPr>
+          <a:lstStyle/>
+          <a:p>
+            <a:pPr algn="r"/>
+            <a:r>
+              <a:rPr lang="he-IL" dirty="0"/>
+              <a:t>היכרות עם הנתונים</a:t>
+            </a:r>
+          </a:p>
+        </p:txBody>
+      </p:sp>
+      <p:sp>
+        <p:nvSpPr>
+          <p:cNvPr id="3" name="מציין מיקום תוכן 2">
+            <a:extLst>
+              <a:ext uri="{FF2B5EF4-FFF2-40B4-BE49-F238E27FC236}">
+                <a16:creationId xmlns:a16="http://schemas.microsoft.com/office/drawing/2014/main" id="{F503CA34-A7B7-401C-BF52-FF4FF88F04B5}"/>
+              </a:ext>
+            </a:extLst>
+          </p:cNvPr>
+          <p:cNvSpPr>
+            <a:spLocks noGrp="1"/>
+          </p:cNvSpPr>
+          <p:nvPr>
+            <p:ph idx="1"/>
+          </p:nvPr>
+        </p:nvSpPr>
+        <p:spPr>
+          <a:xfrm>
+            <a:off x="-2214981" y="127982"/>
+            <a:ext cx="9592411" cy="621792"/>
+          </a:xfrm>
+        </p:spPr>
+        <p:txBody>
+          <a:bodyPr/>
+          <a:lstStyle/>
+          <a:p>
+            <a:r>
+              <a:rPr lang="he-IL" dirty="0"/>
+              <a:t>צפיפות כמות פנויות לפי סוג קטגוריה</a:t>
+            </a:r>
+          </a:p>
+        </p:txBody>
+      </p:sp>
+      <p:pic>
+        <p:nvPicPr>
+          <p:cNvPr id="5" name="תמונה 4">
+            <a:extLst>
+              <a:ext uri="{FF2B5EF4-FFF2-40B4-BE49-F238E27FC236}">
+                <a16:creationId xmlns:a16="http://schemas.microsoft.com/office/drawing/2014/main" id="{1DDEA10F-051D-4D12-AC88-8B4AFB462D2C}"/>
+              </a:ext>
+            </a:extLst>
+          </p:cNvPr>
+          <p:cNvPicPr>
+            <a:picLocks noChangeAspect="1"/>
+          </p:cNvPicPr>
+          <p:nvPr/>
+        </p:nvPicPr>
+        <p:blipFill>
+          <a:blip r:embed="rId2"/>
+          <a:stretch>
+            <a:fillRect/>
+          </a:stretch>
+        </p:blipFill>
+        <p:spPr>
+          <a:xfrm>
+            <a:off x="157482" y="574595"/>
+            <a:ext cx="10930728" cy="6283406"/>
+          </a:xfrm>
+          <a:prstGeom prst="rect">
+            <a:avLst/>
+          </a:prstGeom>
+        </p:spPr>
+      </p:pic>
+    </p:spTree>
+    <p:extLst>
+      <p:ext uri="{BB962C8B-B14F-4D97-AF65-F5344CB8AC3E}">
+        <p14:creationId xmlns:p14="http://schemas.microsoft.com/office/powerpoint/2010/main" val="1159169402"/>
       </p:ext>
     </p:extLst>
   </p:cSld>
@@ -4758,7 +5065,15 @@
             </a:pPr>
             <a:r>
               <a:rPr lang="he-IL" dirty="0"/>
-              <a:t>הורדת סוגי אירוע שהם טכניים – הורדת סוגי האירוע הבאים :</a:t>
+              <a:t>הורדת סוגי אירוע שהם טכניים – לא סווגו בקטגוריה </a:t>
+            </a:r>
+            <a:r>
+              <a:rPr lang="he-IL" dirty="0" err="1"/>
+              <a:t>מסויימת</a:t>
+            </a:r>
+            <a:r>
+              <a:rPr lang="he-IL" dirty="0"/>
+              <a:t>  כפעולה ע"י המוקד –סוגי האירוע הבאים:</a:t>
             </a:r>
           </a:p>
           <a:p>
@@ -4956,7 +5271,7 @@
             </a:pPr>
             <a:r>
               <a:rPr lang="he-IL" dirty="0"/>
-              <a:t>תיאור פעולה</a:t>
+              <a:t>תיאור פעולה  - קיימות 761 רשומות ללא תיאור פעולה.</a:t>
             </a:r>
           </a:p>
           <a:p>
@@ -4975,8 +5290,13 @@
             </a:pPr>
             <a:r>
               <a:rPr lang="he-IL" dirty="0"/>
-              <a:t>מחיקת עמודות</a:t>
-            </a:r>
+              <a:t>מחיקת </a:t>
+            </a:r>
+            <a:r>
+              <a:rPr lang="he-IL" dirty="0" err="1"/>
+              <a:t>עמ</a:t>
+            </a:r>
+            <a:endParaRPr lang="he-IL" dirty="0"/>
           </a:p>
           <a:p>
             <a:endParaRPr lang="he-IL" dirty="0"/>
@@ -5029,6 +5349,184 @@
             <p:ph type="title"/>
           </p:nvPr>
         </p:nvSpPr>
+        <p:spPr/>
+        <p:txBody>
+          <a:bodyPr/>
+          <a:lstStyle/>
+          <a:p>
+            <a:pPr algn="r"/>
+            <a:r>
+              <a:rPr lang="he-IL" dirty="0"/>
+              <a:t>היכרות עם הנתונים</a:t>
+            </a:r>
+          </a:p>
+        </p:txBody>
+      </p:sp>
+      <p:sp>
+        <p:nvSpPr>
+          <p:cNvPr id="3" name="מציין מיקום תוכן 2">
+            <a:extLst>
+              <a:ext uri="{FF2B5EF4-FFF2-40B4-BE49-F238E27FC236}">
+                <a16:creationId xmlns:a16="http://schemas.microsoft.com/office/drawing/2014/main" id="{F503CA34-A7B7-401C-BF52-FF4FF88F04B5}"/>
+              </a:ext>
+            </a:extLst>
+          </p:cNvPr>
+          <p:cNvSpPr>
+            <a:spLocks noGrp="1"/>
+          </p:cNvSpPr>
+          <p:nvPr>
+            <p:ph idx="1"/>
+          </p:nvPr>
+        </p:nvSpPr>
+        <p:spPr>
+          <a:xfrm>
+            <a:off x="1282912" y="1677525"/>
+            <a:ext cx="10058400" cy="4050792"/>
+          </a:xfrm>
+        </p:spPr>
+        <p:txBody>
+          <a:bodyPr>
+            <a:normAutofit/>
+          </a:bodyPr>
+          <a:lstStyle/>
+          <a:p>
+            <a:pPr>
+              <a:lnSpc>
+                <a:spcPct val="110000"/>
+              </a:lnSpc>
+            </a:pPr>
+            <a:r>
+              <a:rPr lang="he-IL" dirty="0"/>
+              <a:t>פרופורציית הרשומות לפי מגדר בסט:</a:t>
+            </a:r>
+          </a:p>
+          <a:p>
+            <a:pPr>
+              <a:lnSpc>
+                <a:spcPct val="110000"/>
+              </a:lnSpc>
+            </a:pPr>
+            <a:endParaRPr lang="he-IL" dirty="0"/>
+          </a:p>
+          <a:p>
+            <a:pPr lvl="1">
+              <a:lnSpc>
+                <a:spcPct val="110000"/>
+              </a:lnSpc>
+            </a:pPr>
+            <a:endParaRPr lang="he-IL" dirty="0"/>
+          </a:p>
+          <a:p>
+            <a:endParaRPr lang="he-IL" dirty="0"/>
+          </a:p>
+        </p:txBody>
+      </p:sp>
+      <p:pic>
+        <p:nvPicPr>
+          <p:cNvPr id="4" name="מציין מיקום תוכן 4">
+            <a:extLst>
+              <a:ext uri="{FF2B5EF4-FFF2-40B4-BE49-F238E27FC236}">
+                <a16:creationId xmlns:a16="http://schemas.microsoft.com/office/drawing/2014/main" id="{EACEFD4E-D4DA-4AE7-AE2D-242B0EBC8888}"/>
+              </a:ext>
+            </a:extLst>
+          </p:cNvPr>
+          <p:cNvPicPr>
+            <a:picLocks noChangeAspect="1"/>
+          </p:cNvPicPr>
+          <p:nvPr/>
+        </p:nvPicPr>
+        <p:blipFill>
+          <a:blip r:embed="rId2"/>
+          <a:stretch>
+            <a:fillRect/>
+          </a:stretch>
+        </p:blipFill>
+        <p:spPr>
+          <a:xfrm>
+            <a:off x="688678" y="2512380"/>
+            <a:ext cx="5015904" cy="3402860"/>
+          </a:xfrm>
+          <a:prstGeom prst="rect">
+            <a:avLst/>
+          </a:prstGeom>
+        </p:spPr>
+      </p:pic>
+      <p:pic>
+        <p:nvPicPr>
+          <p:cNvPr id="5" name="תמונה 4">
+            <a:extLst>
+              <a:ext uri="{FF2B5EF4-FFF2-40B4-BE49-F238E27FC236}">
+                <a16:creationId xmlns:a16="http://schemas.microsoft.com/office/drawing/2014/main" id="{AD303918-C4F1-40DE-A176-4EFD72EB46FF}"/>
+              </a:ext>
+            </a:extLst>
+          </p:cNvPr>
+          <p:cNvPicPr>
+            <a:picLocks noChangeAspect="1"/>
+          </p:cNvPicPr>
+          <p:nvPr/>
+        </p:nvPicPr>
+        <p:blipFill>
+          <a:blip r:embed="rId3"/>
+          <a:stretch>
+            <a:fillRect/>
+          </a:stretch>
+        </p:blipFill>
+        <p:spPr>
+          <a:xfrm>
+            <a:off x="6201458" y="2392470"/>
+            <a:ext cx="4926790" cy="3642680"/>
+          </a:xfrm>
+          <a:prstGeom prst="rect">
+            <a:avLst/>
+          </a:prstGeom>
+        </p:spPr>
+      </p:pic>
+    </p:spTree>
+    <p:extLst>
+      <p:ext uri="{BB962C8B-B14F-4D97-AF65-F5344CB8AC3E}">
+        <p14:creationId xmlns:p14="http://schemas.microsoft.com/office/powerpoint/2010/main" val="2300717755"/>
+      </p:ext>
+    </p:extLst>
+  </p:cSld>
+  <p:clrMapOvr>
+    <a:masterClrMapping/>
+  </p:clrMapOvr>
+</p:sld>
+</file>
+
+<file path=ppt/slides/slide7.xml><?xml version="1.0" encoding="utf-8"?>
+<p:sld xmlns:a="http://schemas.openxmlformats.org/drawingml/2006/main" xmlns:r="http://schemas.openxmlformats.org/officeDocument/2006/relationships" xmlns:p="http://schemas.openxmlformats.org/presentationml/2006/main">
+  <p:cSld>
+    <p:spTree>
+      <p:nvGrpSpPr>
+        <p:cNvPr id="1" name=""/>
+        <p:cNvGrpSpPr/>
+        <p:nvPr/>
+      </p:nvGrpSpPr>
+      <p:grpSpPr>
+        <a:xfrm>
+          <a:off x="0" y="0"/>
+          <a:ext cx="0" cy="0"/>
+          <a:chOff x="0" y="0"/>
+          <a:chExt cx="0" cy="0"/>
+        </a:xfrm>
+      </p:grpSpPr>
+      <p:sp>
+        <p:nvSpPr>
+          <p:cNvPr id="2" name="כותרת 1">
+            <a:extLst>
+              <a:ext uri="{FF2B5EF4-FFF2-40B4-BE49-F238E27FC236}">
+                <a16:creationId xmlns:a16="http://schemas.microsoft.com/office/drawing/2014/main" id="{8B6FA5E4-5DE8-4151-B116-721BDBBDD21A}"/>
+              </a:ext>
+            </a:extLst>
+          </p:cNvPr>
+          <p:cNvSpPr>
+            <a:spLocks noGrp="1"/>
+          </p:cNvSpPr>
+          <p:nvPr>
+            <p:ph type="title"/>
+          </p:nvPr>
+        </p:nvSpPr>
         <p:spPr>
           <a:xfrm>
             <a:off x="1655774" y="-269969"/>
@@ -5231,154 +5729,6 @@
     <p:extLst>
       <p:ext uri="{BB962C8B-B14F-4D97-AF65-F5344CB8AC3E}">
         <p14:creationId xmlns:p14="http://schemas.microsoft.com/office/powerpoint/2010/main" val="1198579764"/>
-      </p:ext>
-    </p:extLst>
-  </p:cSld>
-  <p:clrMapOvr>
-    <a:masterClrMapping/>
-  </p:clrMapOvr>
-</p:sld>
-</file>
-
-<file path=ppt/slides/slide7.xml><?xml version="1.0" encoding="utf-8"?>
-<p:sld xmlns:a="http://schemas.openxmlformats.org/drawingml/2006/main" xmlns:r="http://schemas.openxmlformats.org/officeDocument/2006/relationships" xmlns:p="http://schemas.openxmlformats.org/presentationml/2006/main">
-  <p:cSld>
-    <p:spTree>
-      <p:nvGrpSpPr>
-        <p:cNvPr id="1" name=""/>
-        <p:cNvGrpSpPr/>
-        <p:nvPr/>
-      </p:nvGrpSpPr>
-      <p:grpSpPr>
-        <a:xfrm>
-          <a:off x="0" y="0"/>
-          <a:ext cx="0" cy="0"/>
-          <a:chOff x="0" y="0"/>
-          <a:chExt cx="0" cy="0"/>
-        </a:xfrm>
-      </p:grpSpPr>
-      <p:sp>
-        <p:nvSpPr>
-          <p:cNvPr id="2" name="כותרת 1">
-            <a:extLst>
-              <a:ext uri="{FF2B5EF4-FFF2-40B4-BE49-F238E27FC236}">
-                <a16:creationId xmlns:a16="http://schemas.microsoft.com/office/drawing/2014/main" id="{8B6FA5E4-5DE8-4151-B116-721BDBBDD21A}"/>
-              </a:ext>
-            </a:extLst>
-          </p:cNvPr>
-          <p:cNvSpPr>
-            <a:spLocks noGrp="1"/>
-          </p:cNvSpPr>
-          <p:nvPr>
-            <p:ph type="title"/>
-          </p:nvPr>
-        </p:nvSpPr>
-        <p:spPr/>
-        <p:txBody>
-          <a:bodyPr/>
-          <a:lstStyle/>
-          <a:p>
-            <a:pPr algn="r"/>
-            <a:r>
-              <a:rPr lang="he-IL" dirty="0"/>
-              <a:t>היכרות עם הנתונים</a:t>
-            </a:r>
-          </a:p>
-        </p:txBody>
-      </p:sp>
-      <p:sp>
-        <p:nvSpPr>
-          <p:cNvPr id="3" name="מציין מיקום תוכן 2">
-            <a:extLst>
-              <a:ext uri="{FF2B5EF4-FFF2-40B4-BE49-F238E27FC236}">
-                <a16:creationId xmlns:a16="http://schemas.microsoft.com/office/drawing/2014/main" id="{F503CA34-A7B7-401C-BF52-FF4FF88F04B5}"/>
-              </a:ext>
-            </a:extLst>
-          </p:cNvPr>
-          <p:cNvSpPr>
-            <a:spLocks noGrp="1"/>
-          </p:cNvSpPr>
-          <p:nvPr>
-            <p:ph idx="1"/>
-          </p:nvPr>
-        </p:nvSpPr>
-        <p:spPr>
-          <a:xfrm>
-            <a:off x="1282912" y="1677525"/>
-            <a:ext cx="10058400" cy="4050792"/>
-          </a:xfrm>
-        </p:spPr>
-        <p:txBody>
-          <a:bodyPr>
-            <a:normAutofit/>
-          </a:bodyPr>
-          <a:lstStyle/>
-          <a:p>
-            <a:pPr>
-              <a:lnSpc>
-                <a:spcPct val="110000"/>
-              </a:lnSpc>
-            </a:pPr>
-            <a:r>
-              <a:rPr lang="he-IL" dirty="0"/>
-              <a:t>פרופורציית הרשומות לפי מגדר בסט:</a:t>
-            </a:r>
-          </a:p>
-          <a:p>
-            <a:pPr>
-              <a:lnSpc>
-                <a:spcPct val="110000"/>
-              </a:lnSpc>
-            </a:pPr>
-            <a:endParaRPr lang="he-IL" dirty="0"/>
-          </a:p>
-          <a:p>
-            <a:pPr lvl="1">
-              <a:lnSpc>
-                <a:spcPct val="110000"/>
-              </a:lnSpc>
-            </a:pPr>
-            <a:endParaRPr lang="he-IL" dirty="0"/>
-          </a:p>
-          <a:p>
-            <a:endParaRPr lang="he-IL" dirty="0"/>
-          </a:p>
-        </p:txBody>
-      </p:sp>
-      <p:pic>
-        <p:nvPicPr>
-          <p:cNvPr id="4" name="מציין מיקום תוכן 4">
-            <a:extLst>
-              <a:ext uri="{FF2B5EF4-FFF2-40B4-BE49-F238E27FC236}">
-                <a16:creationId xmlns:a16="http://schemas.microsoft.com/office/drawing/2014/main" id="{EACEFD4E-D4DA-4AE7-AE2D-242B0EBC8888}"/>
-              </a:ext>
-            </a:extLst>
-          </p:cNvPr>
-          <p:cNvPicPr>
-            <a:picLocks noChangeAspect="1"/>
-          </p:cNvPicPr>
-          <p:nvPr/>
-        </p:nvPicPr>
-        <p:blipFill>
-          <a:blip r:embed="rId2"/>
-          <a:stretch>
-            <a:fillRect/>
-          </a:stretch>
-        </p:blipFill>
-        <p:spPr>
-          <a:xfrm>
-            <a:off x="3245446" y="2210540"/>
-            <a:ext cx="5015904" cy="3402860"/>
-          </a:xfrm>
-          <a:prstGeom prst="rect">
-            <a:avLst/>
-          </a:prstGeom>
-        </p:spPr>
-      </p:pic>
-    </p:spTree>
-    <p:extLst>
-      <p:ext uri="{BB962C8B-B14F-4D97-AF65-F5344CB8AC3E}">
-        <p14:creationId xmlns:p14="http://schemas.microsoft.com/office/powerpoint/2010/main" val="2300717755"/>
       </p:ext>
     </p:extLst>
   </p:cSld>

--- a/eda_intoduction.pptx
+++ b/eda_intoduction.pptx
@@ -10,10 +10,10 @@
     <p:sldId id="257" r:id="rId4"/>
     <p:sldId id="259" r:id="rId5"/>
     <p:sldId id="261" r:id="rId6"/>
-    <p:sldId id="263" r:id="rId7"/>
-    <p:sldId id="262" r:id="rId8"/>
-    <p:sldId id="264" r:id="rId9"/>
-    <p:sldId id="266" r:id="rId10"/>
+    <p:sldId id="271" r:id="rId7"/>
+    <p:sldId id="263" r:id="rId8"/>
+    <p:sldId id="270" r:id="rId9"/>
+    <p:sldId id="264" r:id="rId10"/>
     <p:sldId id="265" r:id="rId11"/>
     <p:sldId id="267" r:id="rId12"/>
     <p:sldId id="260" r:id="rId13"/>
@@ -4002,38 +4002,9 @@
           <a:p>
             <a:pPr algn="ctr"/>
             <a:r>
-              <a:rPr lang="he-IL" dirty="0" err="1"/>
-              <a:t>פרוייקט</a:t>
-            </a:r>
-            <a:r>
               <a:rPr lang="he-IL" dirty="0"/>
-              <a:t> גמר</a:t>
-            </a:r>
-          </a:p>
-        </p:txBody>
-      </p:sp>
-      <p:sp>
-        <p:nvSpPr>
-          <p:cNvPr id="3" name="כותרת משנה 2">
-            <a:extLst>
-              <a:ext uri="{FF2B5EF4-FFF2-40B4-BE49-F238E27FC236}">
-                <a16:creationId xmlns:a16="http://schemas.microsoft.com/office/drawing/2014/main" id="{2BDB95EB-5145-4903-B78F-06B499A70596}"/>
-              </a:ext>
-            </a:extLst>
-          </p:cNvPr>
-          <p:cNvSpPr>
-            <a:spLocks noGrp="1"/>
-          </p:cNvSpPr>
-          <p:nvPr>
-            <p:ph type="subTitle" idx="1"/>
-          </p:nvPr>
-        </p:nvSpPr>
-        <p:spPr/>
-        <p:txBody>
-          <a:bodyPr/>
-          <a:lstStyle/>
-          <a:p>
-            <a:endParaRPr lang="he-IL"/>
+              <a:t>פרויקט גמר</a:t>
+            </a:r>
           </a:p>
         </p:txBody>
       </p:sp>
@@ -4140,10 +4111,10 @@
       </p:sp>
       <p:pic>
         <p:nvPicPr>
-          <p:cNvPr id="4" name="תמונה 3">
+          <p:cNvPr id="5" name="תמונה 4">
             <a:extLst>
               <a:ext uri="{FF2B5EF4-FFF2-40B4-BE49-F238E27FC236}">
-                <a16:creationId xmlns:a16="http://schemas.microsoft.com/office/drawing/2014/main" id="{67300ACD-D383-43B1-8C36-4BAFA5FD2628}"/>
+                <a16:creationId xmlns:a16="http://schemas.microsoft.com/office/drawing/2014/main" id="{694088B8-73DF-4E52-8CA8-A5F27670528B}"/>
               </a:ext>
             </a:extLst>
           </p:cNvPr>
@@ -4160,8 +4131,8 @@
         </p:blipFill>
         <p:spPr>
           <a:xfrm>
-            <a:off x="1069848" y="2123694"/>
-            <a:ext cx="8089657" cy="4249674"/>
+            <a:off x="914400" y="2093976"/>
+            <a:ext cx="8659368" cy="4573146"/>
           </a:xfrm>
           <a:prstGeom prst="rect">
             <a:avLst/>
@@ -4271,10 +4242,10 @@
       </p:sp>
       <p:pic>
         <p:nvPicPr>
-          <p:cNvPr id="5" name="תמונה 4">
+          <p:cNvPr id="4" name="תמונה 3">
             <a:extLst>
               <a:ext uri="{FF2B5EF4-FFF2-40B4-BE49-F238E27FC236}">
-                <a16:creationId xmlns:a16="http://schemas.microsoft.com/office/drawing/2014/main" id="{3395FB0C-E2C3-4487-8A11-FCF9D38EF127}"/>
+                <a16:creationId xmlns:a16="http://schemas.microsoft.com/office/drawing/2014/main" id="{4ED1B666-F68F-4282-8C56-397EC9A2F376}"/>
               </a:ext>
             </a:extLst>
           </p:cNvPr>
@@ -4291,8 +4262,8 @@
         </p:blipFill>
         <p:spPr>
           <a:xfrm>
-            <a:off x="709013" y="2126956"/>
-            <a:ext cx="8079882" cy="4246412"/>
+            <a:off x="1171852" y="2093976"/>
+            <a:ext cx="8824404" cy="4653599"/>
           </a:xfrm>
           <a:prstGeom prst="rect">
             <a:avLst/>
@@ -4400,10 +4371,10 @@
       </p:sp>
       <p:pic>
         <p:nvPicPr>
-          <p:cNvPr id="7" name="תמונה 6">
+          <p:cNvPr id="11" name="תמונה 10">
             <a:extLst>
               <a:ext uri="{FF2B5EF4-FFF2-40B4-BE49-F238E27FC236}">
-                <a16:creationId xmlns:a16="http://schemas.microsoft.com/office/drawing/2014/main" id="{FD747EB7-3D73-45E6-A89D-D029AE24111A}"/>
+                <a16:creationId xmlns:a16="http://schemas.microsoft.com/office/drawing/2014/main" id="{D65F941A-E5C7-4424-8DD8-B4DF0AA5A1A3}"/>
               </a:ext>
             </a:extLst>
           </p:cNvPr>
@@ -4420,8 +4391,8 @@
         </p:blipFill>
         <p:spPr>
           <a:xfrm>
-            <a:off x="2725445" y="1349282"/>
-            <a:ext cx="5442011" cy="5300660"/>
+            <a:off x="2645545" y="1557340"/>
+            <a:ext cx="5093193" cy="4867545"/>
           </a:xfrm>
           <a:prstGeom prst="rect">
             <a:avLst/>
@@ -4529,10 +4500,10 @@
       </p:sp>
       <p:pic>
         <p:nvPicPr>
-          <p:cNvPr id="8" name="תמונה 7">
+          <p:cNvPr id="10" name="תמונה 9">
             <a:extLst>
               <a:ext uri="{FF2B5EF4-FFF2-40B4-BE49-F238E27FC236}">
-                <a16:creationId xmlns:a16="http://schemas.microsoft.com/office/drawing/2014/main" id="{1E7A19A2-50EF-448F-A35D-815D8C7993E7}"/>
+                <a16:creationId xmlns:a16="http://schemas.microsoft.com/office/drawing/2014/main" id="{77295C1E-28D3-436A-BEBF-FEDF87382DD1}"/>
               </a:ext>
             </a:extLst>
           </p:cNvPr>
@@ -4549,8 +4520,8 @@
         </p:blipFill>
         <p:spPr>
           <a:xfrm>
-            <a:off x="3238500" y="1378721"/>
-            <a:ext cx="4911201" cy="4903016"/>
+            <a:off x="2583957" y="1557340"/>
+            <a:ext cx="5192882" cy="5050497"/>
           </a:xfrm>
           <a:prstGeom prst="rect">
             <a:avLst/>
@@ -4658,10 +4629,10 @@
       </p:sp>
       <p:pic>
         <p:nvPicPr>
-          <p:cNvPr id="5" name="תמונה 4">
+          <p:cNvPr id="7" name="תמונה 6">
             <a:extLst>
               <a:ext uri="{FF2B5EF4-FFF2-40B4-BE49-F238E27FC236}">
-                <a16:creationId xmlns:a16="http://schemas.microsoft.com/office/drawing/2014/main" id="{1DDEA10F-051D-4D12-AC88-8B4AFB462D2C}"/>
+                <a16:creationId xmlns:a16="http://schemas.microsoft.com/office/drawing/2014/main" id="{D143D6FD-C5AE-47C0-9036-3035BDA9A055}"/>
               </a:ext>
             </a:extLst>
           </p:cNvPr>
@@ -4678,8 +4649,8 @@
         </p:blipFill>
         <p:spPr>
           <a:xfrm>
-            <a:off x="157482" y="574595"/>
-            <a:ext cx="10930728" cy="6283406"/>
+            <a:off x="137160" y="508615"/>
+            <a:ext cx="12192000" cy="6221403"/>
           </a:xfrm>
           <a:prstGeom prst="rect">
             <a:avLst/>
@@ -4902,7 +4873,18 @@
             </a:pPr>
             <a:r>
               <a:rPr lang="he-IL" dirty="0"/>
-              <a:t>כל יצירת קשר בין הקשיש למוקד (וגם הפוך) מתועדת ומקוטלגת במידה והפניה היא בעלת תוכן ולא עוסקת בפעולה טכנית</a:t>
+              <a:t>כל יצירת קשר בין הקשיש למוקד (וגם הפוך) מתועדת ומקוטלגת</a:t>
+            </a:r>
+          </a:p>
+          <a:p>
+            <a:pPr>
+              <a:lnSpc>
+                <a:spcPct val="200000"/>
+              </a:lnSpc>
+            </a:pPr>
+            <a:r>
+              <a:rPr lang="he-IL" dirty="0"/>
+              <a:t>קיימים סוגי אירועים שהם טכניים לחלוטין ומשמשים כתיעוד </a:t>
             </a:r>
           </a:p>
           <a:p>
@@ -5283,22 +5265,9 @@
             <a:endParaRPr lang="he-IL" dirty="0"/>
           </a:p>
           <a:p>
-            <a:pPr>
-              <a:lnSpc>
-                <a:spcPct val="110000"/>
-              </a:lnSpc>
+            <a:pPr marL="0" indent="0">
+              <a:buNone/>
             </a:pPr>
-            <a:r>
-              <a:rPr lang="he-IL" dirty="0"/>
-              <a:t>מחיקת </a:t>
-            </a:r>
-            <a:r>
-              <a:rPr lang="he-IL" dirty="0" err="1"/>
-              <a:t>עמ</a:t>
-            </a:r>
-            <a:endParaRPr lang="he-IL" dirty="0"/>
-          </a:p>
-          <a:p>
             <a:endParaRPr lang="he-IL" dirty="0"/>
           </a:p>
         </p:txBody>
@@ -5357,7 +5326,7 @@
             <a:pPr algn="r"/>
             <a:r>
               <a:rPr lang="he-IL" dirty="0"/>
-              <a:t>היכרות עם הנתונים</a:t>
+              <a:t>הסרת ערכים חריגים</a:t>
             </a:r>
           </a:p>
         </p:txBody>
@@ -5397,7 +5366,56 @@
             </a:pPr>
             <a:r>
               <a:rPr lang="he-IL" dirty="0"/>
-              <a:t>פרופורציית הרשומות לפי מגדר בסט:</a:t>
+              <a:t>יצירת עמודה שהיא כמות הפניות למוקד של הקשיש (כל הנתונים הם קטגוריאליים –יצירת מאפיין נומרי) </a:t>
+            </a:r>
+          </a:p>
+          <a:p>
+            <a:pPr lvl="1">
+              <a:lnSpc>
+                <a:spcPct val="110000"/>
+              </a:lnSpc>
+            </a:pPr>
+            <a:r>
+              <a:rPr lang="he-IL" dirty="0"/>
+              <a:t>שתי שיטות להסרת חריגים:</a:t>
+            </a:r>
+          </a:p>
+          <a:p>
+            <a:pPr lvl="2">
+              <a:lnSpc>
+                <a:spcPct val="110000"/>
+              </a:lnSpc>
+            </a:pPr>
+            <a:r>
+              <a:rPr lang="he-IL" dirty="0"/>
+              <a:t>סטיית תקן – בודקים מי נמצא מחוץ לתחום +- 3 סטיות תקן של כמות הפניות של הקשיש</a:t>
+            </a:r>
+          </a:p>
+          <a:p>
+            <a:pPr lvl="2">
+              <a:lnSpc>
+                <a:spcPct val="110000"/>
+              </a:lnSpc>
+            </a:pPr>
+            <a:r>
+              <a:rPr lang="he-IL" dirty="0"/>
+              <a:t>אחוזונים- הפרש בין אחוזון 75 לאחוזון 25 כפול בקבוע </a:t>
+            </a:r>
+            <a:r>
+              <a:rPr lang="en-US" dirty="0"/>
+              <a:t>k</a:t>
+            </a:r>
+            <a:r>
+              <a:rPr lang="he-IL" dirty="0"/>
+              <a:t> מחסירים את הערך </a:t>
+            </a:r>
+            <a:r>
+              <a:rPr lang="he-IL" dirty="0" err="1"/>
+              <a:t>הנל</a:t>
+            </a:r>
+            <a:r>
+              <a:rPr lang="he-IL" dirty="0"/>
+              <a:t> מהאחוזון 25 ומוסיפים את הערך לאחוזון 75 ובודקים מי מחוץ לתחום הנ"ל</a:t>
             </a:r>
           </a:p>
           <a:p>
@@ -5406,85 +5424,17 @@
                 <a:spcPct val="110000"/>
               </a:lnSpc>
             </a:pPr>
-            <a:endParaRPr lang="he-IL" dirty="0"/>
-          </a:p>
-          <a:p>
-            <a:pPr lvl="1">
-              <a:lnSpc>
-                <a:spcPct val="110000"/>
-              </a:lnSpc>
-            </a:pPr>
-            <a:endParaRPr lang="he-IL" dirty="0"/>
-          </a:p>
-          <a:p>
-            <a:endParaRPr lang="he-IL" dirty="0"/>
-          </a:p>
-        </p:txBody>
-      </p:sp>
-      <p:pic>
-        <p:nvPicPr>
-          <p:cNvPr id="4" name="מציין מיקום תוכן 4">
-            <a:extLst>
-              <a:ext uri="{FF2B5EF4-FFF2-40B4-BE49-F238E27FC236}">
-                <a16:creationId xmlns:a16="http://schemas.microsoft.com/office/drawing/2014/main" id="{EACEFD4E-D4DA-4AE7-AE2D-242B0EBC8888}"/>
-              </a:ext>
-            </a:extLst>
-          </p:cNvPr>
-          <p:cNvPicPr>
-            <a:picLocks noChangeAspect="1"/>
-          </p:cNvPicPr>
-          <p:nvPr/>
-        </p:nvPicPr>
-        <p:blipFill>
-          <a:blip r:embed="rId2"/>
-          <a:stretch>
-            <a:fillRect/>
-          </a:stretch>
-        </p:blipFill>
-        <p:spPr>
-          <a:xfrm>
-            <a:off x="688678" y="2512380"/>
-            <a:ext cx="5015904" cy="3402860"/>
-          </a:xfrm>
-          <a:prstGeom prst="rect">
-            <a:avLst/>
-          </a:prstGeom>
-        </p:spPr>
-      </p:pic>
-      <p:pic>
-        <p:nvPicPr>
-          <p:cNvPr id="5" name="תמונה 4">
-            <a:extLst>
-              <a:ext uri="{FF2B5EF4-FFF2-40B4-BE49-F238E27FC236}">
-                <a16:creationId xmlns:a16="http://schemas.microsoft.com/office/drawing/2014/main" id="{AD303918-C4F1-40DE-A176-4EFD72EB46FF}"/>
-              </a:ext>
-            </a:extLst>
-          </p:cNvPr>
-          <p:cNvPicPr>
-            <a:picLocks noChangeAspect="1"/>
-          </p:cNvPicPr>
-          <p:nvPr/>
-        </p:nvPicPr>
-        <p:blipFill>
-          <a:blip r:embed="rId3"/>
-          <a:stretch>
-            <a:fillRect/>
-          </a:stretch>
-        </p:blipFill>
-        <p:spPr>
-          <a:xfrm>
-            <a:off x="6201458" y="2392470"/>
-            <a:ext cx="4926790" cy="3642680"/>
-          </a:xfrm>
-          <a:prstGeom prst="rect">
-            <a:avLst/>
-          </a:prstGeom>
-        </p:spPr>
-      </p:pic>
+            <a:r>
+              <a:rPr lang="he-IL" dirty="0"/>
+              <a:t>לאחר הסרת החריגים נשארו 29650 רשומות – ירדו הקשישים בעלי כמות הפניות הגבוהה ביותר ומעט קשישים הורידו את רוב הרשומות.</a:t>
+            </a:r>
+          </a:p>
+        </p:txBody>
+      </p:sp>
     </p:spTree>
     <p:extLst>
       <p:ext uri="{BB962C8B-B14F-4D97-AF65-F5344CB8AC3E}">
-        <p14:creationId xmlns:p14="http://schemas.microsoft.com/office/powerpoint/2010/main" val="2300717755"/>
+        <p14:creationId xmlns:p14="http://schemas.microsoft.com/office/powerpoint/2010/main" val="3502584498"/>
       </p:ext>
     </p:extLst>
   </p:cSld>
@@ -5527,30 +5477,84 @@
             <p:ph type="title"/>
           </p:nvPr>
         </p:nvSpPr>
+        <p:spPr/>
+        <p:txBody>
+          <a:bodyPr/>
+          <a:lstStyle/>
+          <a:p>
+            <a:pPr algn="r"/>
+            <a:r>
+              <a:rPr lang="he-IL" dirty="0"/>
+              <a:t>היכרות עם הנתונים</a:t>
+            </a:r>
+          </a:p>
+        </p:txBody>
+      </p:sp>
+      <p:sp>
+        <p:nvSpPr>
+          <p:cNvPr id="3" name="מציין מיקום תוכן 2">
+            <a:extLst>
+              <a:ext uri="{FF2B5EF4-FFF2-40B4-BE49-F238E27FC236}">
+                <a16:creationId xmlns:a16="http://schemas.microsoft.com/office/drawing/2014/main" id="{F503CA34-A7B7-401C-BF52-FF4FF88F04B5}"/>
+              </a:ext>
+            </a:extLst>
+          </p:cNvPr>
+          <p:cNvSpPr>
+            <a:spLocks noGrp="1"/>
+          </p:cNvSpPr>
+          <p:nvPr>
+            <p:ph idx="1"/>
+          </p:nvPr>
+        </p:nvSpPr>
         <p:spPr>
           <a:xfrm>
-            <a:off x="1655774" y="-269969"/>
-            <a:ext cx="10058400" cy="1609344"/>
+            <a:off x="1282912" y="1677525"/>
+            <a:ext cx="10058400" cy="4050792"/>
           </a:xfrm>
         </p:spPr>
         <p:txBody>
-          <a:bodyPr/>
-          <a:lstStyle/>
-          <a:p>
-            <a:pPr algn="r"/>
+          <a:bodyPr>
+            <a:normAutofit/>
+          </a:bodyPr>
+          <a:lstStyle/>
+          <a:p>
+            <a:pPr>
+              <a:lnSpc>
+                <a:spcPct val="110000"/>
+              </a:lnSpc>
+            </a:pPr>
             <a:r>
               <a:rPr lang="he-IL" dirty="0"/>
-              <a:t>היכרות  עם הנתונים	</a:t>
-            </a:r>
+              <a:t>פרופורציית הרשומות לפי מגדר בסט:</a:t>
+            </a:r>
+          </a:p>
+          <a:p>
+            <a:pPr>
+              <a:lnSpc>
+                <a:spcPct val="110000"/>
+              </a:lnSpc>
+            </a:pPr>
+            <a:endParaRPr lang="he-IL" dirty="0"/>
+          </a:p>
+          <a:p>
+            <a:pPr lvl="1">
+              <a:lnSpc>
+                <a:spcPct val="110000"/>
+              </a:lnSpc>
+            </a:pPr>
+            <a:endParaRPr lang="he-IL" dirty="0"/>
+          </a:p>
+          <a:p>
+            <a:endParaRPr lang="he-IL" dirty="0"/>
           </a:p>
         </p:txBody>
       </p:sp>
       <p:pic>
         <p:nvPicPr>
-          <p:cNvPr id="9" name="תמונה 8">
+          <p:cNvPr id="7" name="תמונה 6">
             <a:extLst>
               <a:ext uri="{FF2B5EF4-FFF2-40B4-BE49-F238E27FC236}">
-                <a16:creationId xmlns:a16="http://schemas.microsoft.com/office/drawing/2014/main" id="{CF95E902-0350-4D10-931A-F781FC17DDDB}"/>
+                <a16:creationId xmlns:a16="http://schemas.microsoft.com/office/drawing/2014/main" id="{608F1199-AA28-47F8-A1DD-33BDE2866824}"/>
               </a:ext>
             </a:extLst>
           </p:cNvPr>
@@ -5567,8 +5571,8 @@
         </p:blipFill>
         <p:spPr>
           <a:xfrm>
-            <a:off x="1372341" y="858142"/>
-            <a:ext cx="2888377" cy="2709795"/>
+            <a:off x="850688" y="2165808"/>
+            <a:ext cx="4326477" cy="4143579"/>
           </a:xfrm>
           <a:prstGeom prst="rect">
             <a:avLst/>
@@ -5577,10 +5581,10 @@
       </p:pic>
       <p:pic>
         <p:nvPicPr>
-          <p:cNvPr id="13" name="תמונה 12">
+          <p:cNvPr id="8" name="תמונה 7">
             <a:extLst>
               <a:ext uri="{FF2B5EF4-FFF2-40B4-BE49-F238E27FC236}">
-                <a16:creationId xmlns:a16="http://schemas.microsoft.com/office/drawing/2014/main" id="{81A598BE-7437-405F-BB03-3401215CBCBD}"/>
+                <a16:creationId xmlns:a16="http://schemas.microsoft.com/office/drawing/2014/main" id="{CF0D55AA-1426-4410-8516-9B4D8B318E59}"/>
               </a:ext>
             </a:extLst>
           </p:cNvPr>
@@ -5597,128 +5601,8 @@
         </p:blipFill>
         <p:spPr>
           <a:xfrm>
-            <a:off x="4644073" y="824214"/>
-            <a:ext cx="3031588" cy="2287991"/>
-          </a:xfrm>
-          <a:prstGeom prst="rect">
-            <a:avLst/>
-          </a:prstGeom>
-        </p:spPr>
-      </p:pic>
-      <p:pic>
-        <p:nvPicPr>
-          <p:cNvPr id="15" name="תמונה 14">
-            <a:extLst>
-              <a:ext uri="{FF2B5EF4-FFF2-40B4-BE49-F238E27FC236}">
-                <a16:creationId xmlns:a16="http://schemas.microsoft.com/office/drawing/2014/main" id="{D9CE33A8-3649-4863-8562-92C512F010E8}"/>
-              </a:ext>
-            </a:extLst>
-          </p:cNvPr>
-          <p:cNvPicPr>
-            <a:picLocks noChangeAspect="1"/>
-          </p:cNvPicPr>
-          <p:nvPr/>
-        </p:nvPicPr>
-        <p:blipFill>
-          <a:blip r:embed="rId4"/>
-          <a:stretch>
-            <a:fillRect/>
-          </a:stretch>
-        </p:blipFill>
-        <p:spPr>
-          <a:xfrm>
-            <a:off x="8074062" y="884004"/>
-            <a:ext cx="3002797" cy="2220153"/>
-          </a:xfrm>
-          <a:prstGeom prst="rect">
-            <a:avLst/>
-          </a:prstGeom>
-        </p:spPr>
-      </p:pic>
-      <p:pic>
-        <p:nvPicPr>
-          <p:cNvPr id="17" name="תמונה 16">
-            <a:extLst>
-              <a:ext uri="{FF2B5EF4-FFF2-40B4-BE49-F238E27FC236}">
-                <a16:creationId xmlns:a16="http://schemas.microsoft.com/office/drawing/2014/main" id="{0BF826A2-0DA5-47DF-BF71-2CE2CA319846}"/>
-              </a:ext>
-            </a:extLst>
-          </p:cNvPr>
-          <p:cNvPicPr>
-            <a:picLocks noChangeAspect="1"/>
-          </p:cNvPicPr>
-          <p:nvPr/>
-        </p:nvPicPr>
-        <p:blipFill>
-          <a:blip r:embed="rId5"/>
-          <a:stretch>
-            <a:fillRect/>
-          </a:stretch>
-        </p:blipFill>
-        <p:spPr>
-          <a:xfrm>
-            <a:off x="8248620" y="3753844"/>
-            <a:ext cx="2828239" cy="2291327"/>
-          </a:xfrm>
-          <a:prstGeom prst="rect">
-            <a:avLst/>
-          </a:prstGeom>
-        </p:spPr>
-      </p:pic>
-      <p:pic>
-        <p:nvPicPr>
-          <p:cNvPr id="19" name="תמונה 18">
-            <a:extLst>
-              <a:ext uri="{FF2B5EF4-FFF2-40B4-BE49-F238E27FC236}">
-                <a16:creationId xmlns:a16="http://schemas.microsoft.com/office/drawing/2014/main" id="{A4CABE11-A267-42CE-A06A-18826AF8E9CD}"/>
-              </a:ext>
-            </a:extLst>
-          </p:cNvPr>
-          <p:cNvPicPr>
-            <a:picLocks noChangeAspect="1"/>
-          </p:cNvPicPr>
-          <p:nvPr/>
-        </p:nvPicPr>
-        <p:blipFill>
-          <a:blip r:embed="rId6"/>
-          <a:stretch>
-            <a:fillRect/>
-          </a:stretch>
-        </p:blipFill>
-        <p:spPr>
-          <a:xfrm>
-            <a:off x="4843273" y="3602661"/>
-            <a:ext cx="3031588" cy="2781869"/>
-          </a:xfrm>
-          <a:prstGeom prst="rect">
-            <a:avLst/>
-          </a:prstGeom>
-        </p:spPr>
-      </p:pic>
-      <p:pic>
-        <p:nvPicPr>
-          <p:cNvPr id="21" name="תמונה 20">
-            <a:extLst>
-              <a:ext uri="{FF2B5EF4-FFF2-40B4-BE49-F238E27FC236}">
-                <a16:creationId xmlns:a16="http://schemas.microsoft.com/office/drawing/2014/main" id="{5976C097-6F87-4B4F-B937-168EDF0BE47C}"/>
-              </a:ext>
-            </a:extLst>
-          </p:cNvPr>
-          <p:cNvPicPr>
-            <a:picLocks noChangeAspect="1"/>
-          </p:cNvPicPr>
-          <p:nvPr/>
-        </p:nvPicPr>
-        <p:blipFill>
-          <a:blip r:embed="rId7"/>
-          <a:stretch>
-            <a:fillRect/>
-          </a:stretch>
-        </p:blipFill>
-        <p:spPr>
-          <a:xfrm>
-            <a:off x="1269520" y="3753844"/>
-            <a:ext cx="3094018" cy="2781869"/>
+            <a:off x="6560598" y="2165808"/>
+            <a:ext cx="4002261" cy="4280019"/>
           </a:xfrm>
           <a:prstGeom prst="rect">
             <a:avLst/>
@@ -5728,7 +5612,7 @@
     </p:spTree>
     <p:extLst>
       <p:ext uri="{BB962C8B-B14F-4D97-AF65-F5344CB8AC3E}">
-        <p14:creationId xmlns:p14="http://schemas.microsoft.com/office/powerpoint/2010/main" val="1198579764"/>
+        <p14:creationId xmlns:p14="http://schemas.microsoft.com/office/powerpoint/2010/main" val="2300717755"/>
       </p:ext>
     </p:extLst>
   </p:cSld>
@@ -5771,7 +5655,12 @@
             <p:ph type="title"/>
           </p:nvPr>
         </p:nvSpPr>
-        <p:spPr/>
+        <p:spPr>
+          <a:xfrm>
+            <a:off x="1655774" y="-269969"/>
+            <a:ext cx="10058400" cy="1609344"/>
+          </a:xfrm>
+        </p:spPr>
         <p:txBody>
           <a:bodyPr/>
           <a:lstStyle/>
@@ -5780,48 +5669,6 @@
             <a:r>
               <a:rPr lang="he-IL" dirty="0"/>
               <a:t>היכרות  עם הנתונים	</a:t>
-            </a:r>
-          </a:p>
-        </p:txBody>
-      </p:sp>
-      <p:sp>
-        <p:nvSpPr>
-          <p:cNvPr id="7" name="תיבת טקסט 6">
-            <a:extLst>
-              <a:ext uri="{FF2B5EF4-FFF2-40B4-BE49-F238E27FC236}">
-                <a16:creationId xmlns:a16="http://schemas.microsoft.com/office/drawing/2014/main" id="{A12D4BDE-5E37-45B4-8A3B-83BE8B184E82}"/>
-              </a:ext>
-            </a:extLst>
-          </p:cNvPr>
-          <p:cNvSpPr txBox="1"/>
-          <p:nvPr/>
-        </p:nvSpPr>
-        <p:spPr>
-          <a:xfrm>
-            <a:off x="4327587" y="1703869"/>
-            <a:ext cx="6473578" cy="390107"/>
-          </a:xfrm>
-          <a:prstGeom prst="rect">
-            <a:avLst/>
-          </a:prstGeom>
-          <a:noFill/>
-        </p:spPr>
-        <p:txBody>
-          <a:bodyPr wrap="square">
-            <a:spAutoFit/>
-          </a:bodyPr>
-          <a:lstStyle/>
-          <a:p>
-            <a:pPr marL="285750" indent="-285750" algn="r" rtl="1">
-              <a:lnSpc>
-                <a:spcPct val="110000"/>
-              </a:lnSpc>
-              <a:buFont typeface="Arial" panose="020B0604020202020204" pitchFamily="34" charset="0"/>
-              <a:buChar char="•"/>
-            </a:pPr>
-            <a:r>
-              <a:rPr lang="he-IL" dirty="0"/>
-              <a:t>פרופורציית סוג הדיור לפי מגדר</a:t>
             </a:r>
           </a:p>
         </p:txBody>
@@ -5831,7 +5678,7 @@
           <p:cNvPr id="8" name="תמונה 7">
             <a:extLst>
               <a:ext uri="{FF2B5EF4-FFF2-40B4-BE49-F238E27FC236}">
-                <a16:creationId xmlns:a16="http://schemas.microsoft.com/office/drawing/2014/main" id="{9E3CFE52-86E7-46A1-A4FD-622D97C0C703}"/>
+                <a16:creationId xmlns:a16="http://schemas.microsoft.com/office/drawing/2014/main" id="{DA3B2592-2467-4ADE-8487-FAEA89AE9D28}"/>
               </a:ext>
             </a:extLst>
           </p:cNvPr>
@@ -5848,8 +5695,128 @@
         </p:blipFill>
         <p:spPr>
           <a:xfrm>
-            <a:off x="1908144" y="2388443"/>
-            <a:ext cx="7617596" cy="3893294"/>
+            <a:off x="1115140" y="3753844"/>
+            <a:ext cx="3000375" cy="2967701"/>
+          </a:xfrm>
+          <a:prstGeom prst="rect">
+            <a:avLst/>
+          </a:prstGeom>
+        </p:spPr>
+      </p:pic>
+      <p:pic>
+        <p:nvPicPr>
+          <p:cNvPr id="11" name="תמונה 10">
+            <a:extLst>
+              <a:ext uri="{FF2B5EF4-FFF2-40B4-BE49-F238E27FC236}">
+                <a16:creationId xmlns:a16="http://schemas.microsoft.com/office/drawing/2014/main" id="{B76A2A05-4F7A-4AA1-8341-52F63CA85135}"/>
+              </a:ext>
+            </a:extLst>
+          </p:cNvPr>
+          <p:cNvPicPr>
+            <a:picLocks noChangeAspect="1"/>
+          </p:cNvPicPr>
+          <p:nvPr/>
+        </p:nvPicPr>
+        <p:blipFill>
+          <a:blip r:embed="rId3"/>
+          <a:stretch>
+            <a:fillRect/>
+          </a:stretch>
+        </p:blipFill>
+        <p:spPr>
+          <a:xfrm>
+            <a:off x="968488" y="795330"/>
+            <a:ext cx="3098238" cy="2807331"/>
+          </a:xfrm>
+          <a:prstGeom prst="rect">
+            <a:avLst/>
+          </a:prstGeom>
+        </p:spPr>
+      </p:pic>
+      <p:pic>
+        <p:nvPicPr>
+          <p:cNvPr id="14" name="תמונה 13">
+            <a:extLst>
+              <a:ext uri="{FF2B5EF4-FFF2-40B4-BE49-F238E27FC236}">
+                <a16:creationId xmlns:a16="http://schemas.microsoft.com/office/drawing/2014/main" id="{707F9A45-2CD4-4660-A576-9BB56E19785D}"/>
+              </a:ext>
+            </a:extLst>
+          </p:cNvPr>
+          <p:cNvPicPr>
+            <a:picLocks noChangeAspect="1"/>
+          </p:cNvPicPr>
+          <p:nvPr/>
+        </p:nvPicPr>
+        <p:blipFill>
+          <a:blip r:embed="rId4"/>
+          <a:stretch>
+            <a:fillRect/>
+          </a:stretch>
+        </p:blipFill>
+        <p:spPr>
+          <a:xfrm>
+            <a:off x="4754012" y="795330"/>
+            <a:ext cx="2415850" cy="2692827"/>
+          </a:xfrm>
+          <a:prstGeom prst="rect">
+            <a:avLst/>
+          </a:prstGeom>
+        </p:spPr>
+      </p:pic>
+      <p:pic>
+        <p:nvPicPr>
+          <p:cNvPr id="22" name="תמונה 21">
+            <a:extLst>
+              <a:ext uri="{FF2B5EF4-FFF2-40B4-BE49-F238E27FC236}">
+                <a16:creationId xmlns:a16="http://schemas.microsoft.com/office/drawing/2014/main" id="{0440C70E-C93B-4AD0-8D5D-8F60EACD298C}"/>
+              </a:ext>
+            </a:extLst>
+          </p:cNvPr>
+          <p:cNvPicPr>
+            <a:picLocks noChangeAspect="1"/>
+          </p:cNvPicPr>
+          <p:nvPr/>
+        </p:nvPicPr>
+        <p:blipFill>
+          <a:blip r:embed="rId5"/>
+          <a:stretch>
+            <a:fillRect/>
+          </a:stretch>
+        </p:blipFill>
+        <p:spPr>
+          <a:xfrm>
+            <a:off x="8319672" y="941726"/>
+            <a:ext cx="3009900" cy="3571875"/>
+          </a:xfrm>
+          <a:prstGeom prst="rect">
+            <a:avLst/>
+          </a:prstGeom>
+        </p:spPr>
+      </p:pic>
+      <p:pic>
+        <p:nvPicPr>
+          <p:cNvPr id="24" name="תמונה 23">
+            <a:extLst>
+              <a:ext uri="{FF2B5EF4-FFF2-40B4-BE49-F238E27FC236}">
+                <a16:creationId xmlns:a16="http://schemas.microsoft.com/office/drawing/2014/main" id="{CD7DC736-910F-4E42-A415-5053F3B6CD9A}"/>
+              </a:ext>
+            </a:extLst>
+          </p:cNvPr>
+          <p:cNvPicPr>
+            <a:picLocks noChangeAspect="1"/>
+          </p:cNvPicPr>
+          <p:nvPr/>
+        </p:nvPicPr>
+        <p:blipFill>
+          <a:blip r:embed="rId6"/>
+          <a:stretch>
+            <a:fillRect/>
+          </a:stretch>
+        </p:blipFill>
+        <p:spPr>
+          <a:xfrm>
+            <a:off x="4882718" y="3480656"/>
+            <a:ext cx="2115844" cy="3332454"/>
           </a:xfrm>
           <a:prstGeom prst="rect">
             <a:avLst/>
@@ -5859,7 +5826,7 @@
     </p:spTree>
     <p:extLst>
       <p:ext uri="{BB962C8B-B14F-4D97-AF65-F5344CB8AC3E}">
-        <p14:creationId xmlns:p14="http://schemas.microsoft.com/office/powerpoint/2010/main" val="2492311013"/>
+        <p14:creationId xmlns:p14="http://schemas.microsoft.com/office/powerpoint/2010/main" val="757037119"/>
       </p:ext>
     </p:extLst>
   </p:cSld>
@@ -5952,17 +5919,17 @@
             </a:pPr>
             <a:r>
               <a:rPr lang="he-IL" dirty="0"/>
-              <a:t>פרופורציית סוג הדיור לפי מגדר</a:t>
+              <a:t>פרופורציית רשומות -  סוג הדיור לפי מגדר</a:t>
             </a:r>
           </a:p>
         </p:txBody>
       </p:sp>
       <p:pic>
         <p:nvPicPr>
-          <p:cNvPr id="8" name="תמונה 7">
+          <p:cNvPr id="4" name="תמונה 3">
             <a:extLst>
               <a:ext uri="{FF2B5EF4-FFF2-40B4-BE49-F238E27FC236}">
-                <a16:creationId xmlns:a16="http://schemas.microsoft.com/office/drawing/2014/main" id="{9E3CFE52-86E7-46A1-A4FD-622D97C0C703}"/>
+                <a16:creationId xmlns:a16="http://schemas.microsoft.com/office/drawing/2014/main" id="{CA1CA952-8715-4E28-89DE-0F3B615E4AB9}"/>
               </a:ext>
             </a:extLst>
           </p:cNvPr>
@@ -5979,8 +5946,8 @@
         </p:blipFill>
         <p:spPr>
           <a:xfrm>
-            <a:off x="1908144" y="2388443"/>
-            <a:ext cx="7617596" cy="3893294"/>
+            <a:off x="1207008" y="2118323"/>
+            <a:ext cx="8878824" cy="4581311"/>
           </a:xfrm>
           <a:prstGeom prst="rect">
             <a:avLst/>
@@ -5990,7 +5957,7 @@
     </p:spTree>
     <p:extLst>
       <p:ext uri="{BB962C8B-B14F-4D97-AF65-F5344CB8AC3E}">
-        <p14:creationId xmlns:p14="http://schemas.microsoft.com/office/powerpoint/2010/main" val="4159281711"/>
+        <p14:creationId xmlns:p14="http://schemas.microsoft.com/office/powerpoint/2010/main" val="2492311013"/>
       </p:ext>
     </p:extLst>
   </p:cSld>

--- a/eda_intoduction.pptx
+++ b/eda_intoduction.pptx
@@ -16,9 +16,11 @@
     <p:sldId id="264" r:id="rId10"/>
     <p:sldId id="265" r:id="rId11"/>
     <p:sldId id="267" r:id="rId12"/>
-    <p:sldId id="260" r:id="rId13"/>
-    <p:sldId id="268" r:id="rId14"/>
-    <p:sldId id="269" r:id="rId15"/>
+    <p:sldId id="272" r:id="rId13"/>
+    <p:sldId id="273" r:id="rId14"/>
+    <p:sldId id="260" r:id="rId15"/>
+    <p:sldId id="268" r:id="rId16"/>
+    <p:sldId id="269" r:id="rId17"/>
   </p:sldIdLst>
   <p:sldSz cx="12192000" cy="6858000"/>
   <p:notesSz cx="6858000" cy="9144000"/>
@@ -4316,65 +4318,25 @@
             <p:ph type="title"/>
           </p:nvPr>
         </p:nvSpPr>
-        <p:spPr>
-          <a:xfrm>
-            <a:off x="2450236" y="208058"/>
-            <a:ext cx="8837809" cy="621792"/>
-          </a:xfrm>
-        </p:spPr>
-        <p:txBody>
-          <a:bodyPr>
-            <a:normAutofit fontScale="90000"/>
-          </a:bodyPr>
+        <p:spPr/>
+        <p:txBody>
+          <a:bodyPr/>
           <a:lstStyle/>
           <a:p>
             <a:pPr algn="r"/>
             <a:r>
               <a:rPr lang="he-IL" dirty="0"/>
-              <a:t>היכרות עם הנתונים</a:t>
-            </a:r>
-          </a:p>
-        </p:txBody>
-      </p:sp>
-      <p:sp>
-        <p:nvSpPr>
-          <p:cNvPr id="3" name="מציין מיקום תוכן 2">
+              <a:t>היכרות  עם הנתונים	</a:t>
+            </a:r>
+          </a:p>
+        </p:txBody>
+      </p:sp>
+      <p:pic>
+        <p:nvPicPr>
+          <p:cNvPr id="5" name="תמונה 4">
             <a:extLst>
               <a:ext uri="{FF2B5EF4-FFF2-40B4-BE49-F238E27FC236}">
-                <a16:creationId xmlns:a16="http://schemas.microsoft.com/office/drawing/2014/main" id="{F503CA34-A7B7-401C-BF52-FF4FF88F04B5}"/>
-              </a:ext>
-            </a:extLst>
-          </p:cNvPr>
-          <p:cNvSpPr>
-            <a:spLocks noGrp="1"/>
-          </p:cNvSpPr>
-          <p:nvPr>
-            <p:ph idx="1"/>
-          </p:nvPr>
-        </p:nvSpPr>
-        <p:spPr>
-          <a:xfrm>
-            <a:off x="2072934" y="935548"/>
-            <a:ext cx="9592411" cy="621792"/>
-          </a:xfrm>
-        </p:spPr>
-        <p:txBody>
-          <a:bodyPr/>
-          <a:lstStyle/>
-          <a:p>
-            <a:r>
-              <a:rPr lang="he-IL" dirty="0"/>
-              <a:t>צפיפות תדירות הפעמים שקשישים פונים כפונקציה של סוג הדיור</a:t>
-            </a:r>
-          </a:p>
-        </p:txBody>
-      </p:sp>
-      <p:pic>
-        <p:nvPicPr>
-          <p:cNvPr id="11" name="תמונה 10">
-            <a:extLst>
-              <a:ext uri="{FF2B5EF4-FFF2-40B4-BE49-F238E27FC236}">
-                <a16:creationId xmlns:a16="http://schemas.microsoft.com/office/drawing/2014/main" id="{D65F941A-E5C7-4424-8DD8-B4DF0AA5A1A3}"/>
+                <a16:creationId xmlns:a16="http://schemas.microsoft.com/office/drawing/2014/main" id="{F9EC7DFD-44D4-40C0-9480-7DB9F911174C}"/>
               </a:ext>
             </a:extLst>
           </p:cNvPr>
@@ -4391,8 +4353,8 @@
         </p:blipFill>
         <p:spPr>
           <a:xfrm>
-            <a:off x="2645545" y="1557340"/>
-            <a:ext cx="5093193" cy="4867545"/>
+            <a:off x="2701147" y="1771234"/>
+            <a:ext cx="5682148" cy="4665077"/>
           </a:xfrm>
           <a:prstGeom prst="rect">
             <a:avLst/>
@@ -4402,7 +4364,7 @@
     </p:spTree>
     <p:extLst>
       <p:ext uri="{BB962C8B-B14F-4D97-AF65-F5344CB8AC3E}">
-        <p14:creationId xmlns:p14="http://schemas.microsoft.com/office/powerpoint/2010/main" val="3549496148"/>
+        <p14:creationId xmlns:p14="http://schemas.microsoft.com/office/powerpoint/2010/main" val="2397845800"/>
       </p:ext>
     </p:extLst>
   </p:cSld>
@@ -4445,6 +4407,284 @@
             <p:ph type="title"/>
           </p:nvPr>
         </p:nvSpPr>
+        <p:spPr/>
+        <p:txBody>
+          <a:bodyPr/>
+          <a:lstStyle/>
+          <a:p>
+            <a:pPr algn="r"/>
+            <a:r>
+              <a:rPr lang="he-IL" dirty="0"/>
+              <a:t>היכרות  עם הנתונים	</a:t>
+            </a:r>
+          </a:p>
+        </p:txBody>
+      </p:sp>
+      <p:pic>
+        <p:nvPicPr>
+          <p:cNvPr id="4" name="תמונה 3">
+            <a:extLst>
+              <a:ext uri="{FF2B5EF4-FFF2-40B4-BE49-F238E27FC236}">
+                <a16:creationId xmlns:a16="http://schemas.microsoft.com/office/drawing/2014/main" id="{E7504275-3E73-4623-A496-792DB33B5C19}"/>
+              </a:ext>
+            </a:extLst>
+          </p:cNvPr>
+          <p:cNvPicPr>
+            <a:picLocks noChangeAspect="1"/>
+          </p:cNvPicPr>
+          <p:nvPr/>
+        </p:nvPicPr>
+        <p:blipFill>
+          <a:blip r:embed="rId2"/>
+          <a:stretch>
+            <a:fillRect/>
+          </a:stretch>
+        </p:blipFill>
+        <p:spPr>
+          <a:xfrm>
+            <a:off x="238054" y="88650"/>
+            <a:ext cx="3731893" cy="3112699"/>
+          </a:xfrm>
+          <a:prstGeom prst="rect">
+            <a:avLst/>
+          </a:prstGeom>
+        </p:spPr>
+      </p:pic>
+      <p:pic>
+        <p:nvPicPr>
+          <p:cNvPr id="7" name="תמונה 6">
+            <a:extLst>
+              <a:ext uri="{FF2B5EF4-FFF2-40B4-BE49-F238E27FC236}">
+                <a16:creationId xmlns:a16="http://schemas.microsoft.com/office/drawing/2014/main" id="{A828F30B-B55D-46A1-A815-8405AF5691F5}"/>
+              </a:ext>
+            </a:extLst>
+          </p:cNvPr>
+          <p:cNvPicPr>
+            <a:picLocks noChangeAspect="1"/>
+          </p:cNvPicPr>
+          <p:nvPr/>
+        </p:nvPicPr>
+        <p:blipFill>
+          <a:blip r:embed="rId3"/>
+          <a:stretch>
+            <a:fillRect/>
+          </a:stretch>
+        </p:blipFill>
+        <p:spPr>
+          <a:xfrm>
+            <a:off x="3457688" y="3172048"/>
+            <a:ext cx="4248129" cy="3453561"/>
+          </a:xfrm>
+          <a:prstGeom prst="rect">
+            <a:avLst/>
+          </a:prstGeom>
+        </p:spPr>
+      </p:pic>
+      <p:pic>
+        <p:nvPicPr>
+          <p:cNvPr id="9" name="תמונה 8">
+            <a:extLst>
+              <a:ext uri="{FF2B5EF4-FFF2-40B4-BE49-F238E27FC236}">
+                <a16:creationId xmlns:a16="http://schemas.microsoft.com/office/drawing/2014/main" id="{33F41A98-31F7-4F76-8F32-6D8858536D9C}"/>
+              </a:ext>
+            </a:extLst>
+          </p:cNvPr>
+          <p:cNvPicPr>
+            <a:picLocks noChangeAspect="1"/>
+          </p:cNvPicPr>
+          <p:nvPr/>
+        </p:nvPicPr>
+        <p:blipFill>
+          <a:blip r:embed="rId4"/>
+          <a:stretch>
+            <a:fillRect/>
+          </a:stretch>
+        </p:blipFill>
+        <p:spPr>
+          <a:xfrm>
+            <a:off x="7705817" y="1562704"/>
+            <a:ext cx="4248129" cy="3421933"/>
+          </a:xfrm>
+          <a:prstGeom prst="rect">
+            <a:avLst/>
+          </a:prstGeom>
+        </p:spPr>
+      </p:pic>
+    </p:spTree>
+    <p:extLst>
+      <p:ext uri="{BB962C8B-B14F-4D97-AF65-F5344CB8AC3E}">
+        <p14:creationId xmlns:p14="http://schemas.microsoft.com/office/powerpoint/2010/main" val="4178321096"/>
+      </p:ext>
+    </p:extLst>
+  </p:cSld>
+  <p:clrMapOvr>
+    <a:masterClrMapping/>
+  </p:clrMapOvr>
+</p:sld>
+</file>
+
+<file path=ppt/slides/slide14.xml><?xml version="1.0" encoding="utf-8"?>
+<p:sld xmlns:a="http://schemas.openxmlformats.org/drawingml/2006/main" xmlns:r="http://schemas.openxmlformats.org/officeDocument/2006/relationships" xmlns:p="http://schemas.openxmlformats.org/presentationml/2006/main">
+  <p:cSld>
+    <p:spTree>
+      <p:nvGrpSpPr>
+        <p:cNvPr id="1" name=""/>
+        <p:cNvGrpSpPr/>
+        <p:nvPr/>
+      </p:nvGrpSpPr>
+      <p:grpSpPr>
+        <a:xfrm>
+          <a:off x="0" y="0"/>
+          <a:ext cx="0" cy="0"/>
+          <a:chOff x="0" y="0"/>
+          <a:chExt cx="0" cy="0"/>
+        </a:xfrm>
+      </p:grpSpPr>
+      <p:sp>
+        <p:nvSpPr>
+          <p:cNvPr id="2" name="כותרת 1">
+            <a:extLst>
+              <a:ext uri="{FF2B5EF4-FFF2-40B4-BE49-F238E27FC236}">
+                <a16:creationId xmlns:a16="http://schemas.microsoft.com/office/drawing/2014/main" id="{8B6FA5E4-5DE8-4151-B116-721BDBBDD21A}"/>
+              </a:ext>
+            </a:extLst>
+          </p:cNvPr>
+          <p:cNvSpPr>
+            <a:spLocks noGrp="1"/>
+          </p:cNvSpPr>
+          <p:nvPr>
+            <p:ph type="title"/>
+          </p:nvPr>
+        </p:nvSpPr>
+        <p:spPr>
+          <a:xfrm>
+            <a:off x="2450236" y="208058"/>
+            <a:ext cx="8837809" cy="621792"/>
+          </a:xfrm>
+        </p:spPr>
+        <p:txBody>
+          <a:bodyPr>
+            <a:normAutofit fontScale="90000"/>
+          </a:bodyPr>
+          <a:lstStyle/>
+          <a:p>
+            <a:pPr algn="r"/>
+            <a:r>
+              <a:rPr lang="he-IL" dirty="0"/>
+              <a:t>היכרות עם הנתונים</a:t>
+            </a:r>
+          </a:p>
+        </p:txBody>
+      </p:sp>
+      <p:sp>
+        <p:nvSpPr>
+          <p:cNvPr id="3" name="מציין מיקום תוכן 2">
+            <a:extLst>
+              <a:ext uri="{FF2B5EF4-FFF2-40B4-BE49-F238E27FC236}">
+                <a16:creationId xmlns:a16="http://schemas.microsoft.com/office/drawing/2014/main" id="{F503CA34-A7B7-401C-BF52-FF4FF88F04B5}"/>
+              </a:ext>
+            </a:extLst>
+          </p:cNvPr>
+          <p:cNvSpPr>
+            <a:spLocks noGrp="1"/>
+          </p:cNvSpPr>
+          <p:nvPr>
+            <p:ph idx="1"/>
+          </p:nvPr>
+        </p:nvSpPr>
+        <p:spPr>
+          <a:xfrm>
+            <a:off x="2072934" y="935548"/>
+            <a:ext cx="9592411" cy="621792"/>
+          </a:xfrm>
+        </p:spPr>
+        <p:txBody>
+          <a:bodyPr/>
+          <a:lstStyle/>
+          <a:p>
+            <a:r>
+              <a:rPr lang="he-IL" dirty="0"/>
+              <a:t>צפיפות תדירות הפעמים שקשישים פונים כפונקציה של סוג הדיור</a:t>
+            </a:r>
+          </a:p>
+        </p:txBody>
+      </p:sp>
+      <p:pic>
+        <p:nvPicPr>
+          <p:cNvPr id="11" name="תמונה 10">
+            <a:extLst>
+              <a:ext uri="{FF2B5EF4-FFF2-40B4-BE49-F238E27FC236}">
+                <a16:creationId xmlns:a16="http://schemas.microsoft.com/office/drawing/2014/main" id="{D65F941A-E5C7-4424-8DD8-B4DF0AA5A1A3}"/>
+              </a:ext>
+            </a:extLst>
+          </p:cNvPr>
+          <p:cNvPicPr>
+            <a:picLocks noChangeAspect="1"/>
+          </p:cNvPicPr>
+          <p:nvPr/>
+        </p:nvPicPr>
+        <p:blipFill>
+          <a:blip r:embed="rId2"/>
+          <a:stretch>
+            <a:fillRect/>
+          </a:stretch>
+        </p:blipFill>
+        <p:spPr>
+          <a:xfrm>
+            <a:off x="2645545" y="1557340"/>
+            <a:ext cx="5093193" cy="4867545"/>
+          </a:xfrm>
+          <a:prstGeom prst="rect">
+            <a:avLst/>
+          </a:prstGeom>
+        </p:spPr>
+      </p:pic>
+    </p:spTree>
+    <p:extLst>
+      <p:ext uri="{BB962C8B-B14F-4D97-AF65-F5344CB8AC3E}">
+        <p14:creationId xmlns:p14="http://schemas.microsoft.com/office/powerpoint/2010/main" val="3549496148"/>
+      </p:ext>
+    </p:extLst>
+  </p:cSld>
+  <p:clrMapOvr>
+    <a:masterClrMapping/>
+  </p:clrMapOvr>
+</p:sld>
+</file>
+
+<file path=ppt/slides/slide15.xml><?xml version="1.0" encoding="utf-8"?>
+<p:sld xmlns:a="http://schemas.openxmlformats.org/drawingml/2006/main" xmlns:r="http://schemas.openxmlformats.org/officeDocument/2006/relationships" xmlns:p="http://schemas.openxmlformats.org/presentationml/2006/main">
+  <p:cSld>
+    <p:spTree>
+      <p:nvGrpSpPr>
+        <p:cNvPr id="1" name=""/>
+        <p:cNvGrpSpPr/>
+        <p:nvPr/>
+      </p:nvGrpSpPr>
+      <p:grpSpPr>
+        <a:xfrm>
+          <a:off x="0" y="0"/>
+          <a:ext cx="0" cy="0"/>
+          <a:chOff x="0" y="0"/>
+          <a:chExt cx="0" cy="0"/>
+        </a:xfrm>
+      </p:grpSpPr>
+      <p:sp>
+        <p:nvSpPr>
+          <p:cNvPr id="2" name="כותרת 1">
+            <a:extLst>
+              <a:ext uri="{FF2B5EF4-FFF2-40B4-BE49-F238E27FC236}">
+                <a16:creationId xmlns:a16="http://schemas.microsoft.com/office/drawing/2014/main" id="{8B6FA5E4-5DE8-4151-B116-721BDBBDD21A}"/>
+              </a:ext>
+            </a:extLst>
+          </p:cNvPr>
+          <p:cNvSpPr>
+            <a:spLocks noGrp="1"/>
+          </p:cNvSpPr>
+          <p:nvPr>
+            <p:ph type="title"/>
+          </p:nvPr>
+        </p:nvSpPr>
         <p:spPr>
           <a:xfrm>
             <a:off x="2450236" y="208058"/>
@@ -4541,7 +4781,7 @@
 </p:sld>
 </file>
 
-<file path=ppt/slides/slide14.xml><?xml version="1.0" encoding="utf-8"?>
+<file path=ppt/slides/slide16.xml><?xml version="1.0" encoding="utf-8"?>
 <p:sld xmlns:a="http://schemas.openxmlformats.org/drawingml/2006/main" xmlns:r="http://schemas.openxmlformats.org/officeDocument/2006/relationships" xmlns:p="http://schemas.openxmlformats.org/presentationml/2006/main">
   <p:cSld>
     <p:spTree>
@@ -5785,8 +6025,8 @@
         </p:blipFill>
         <p:spPr>
           <a:xfrm>
-            <a:off x="8319672" y="941726"/>
-            <a:ext cx="3009900" cy="3571875"/>
+            <a:off x="8319672" y="941727"/>
+            <a:ext cx="2564351" cy="3043138"/>
           </a:xfrm>
           <a:prstGeom prst="rect">
             <a:avLst/>
@@ -5815,8 +6055,38 @@
         </p:blipFill>
         <p:spPr>
           <a:xfrm>
-            <a:off x="4882718" y="3480656"/>
-            <a:ext cx="2115844" cy="3332454"/>
+            <a:off x="4553666" y="3640774"/>
+            <a:ext cx="2734901" cy="3080771"/>
+          </a:xfrm>
+          <a:prstGeom prst="rect">
+            <a:avLst/>
+          </a:prstGeom>
+        </p:spPr>
+      </p:pic>
+      <p:pic>
+        <p:nvPicPr>
+          <p:cNvPr id="26" name="תמונה 25">
+            <a:extLst>
+              <a:ext uri="{FF2B5EF4-FFF2-40B4-BE49-F238E27FC236}">
+                <a16:creationId xmlns:a16="http://schemas.microsoft.com/office/drawing/2014/main" id="{B19E4983-C9EC-41BE-936E-AA4B6A3B3913}"/>
+              </a:ext>
+            </a:extLst>
+          </p:cNvPr>
+          <p:cNvPicPr>
+            <a:picLocks noChangeAspect="1"/>
+          </p:cNvPicPr>
+          <p:nvPr/>
+        </p:nvPicPr>
+        <p:blipFill>
+          <a:blip r:embed="rId7"/>
+          <a:stretch>
+            <a:fillRect/>
+          </a:stretch>
+        </p:blipFill>
+        <p:spPr>
+          <a:xfrm>
+            <a:off x="7638335" y="3984865"/>
+            <a:ext cx="3438525" cy="2657475"/>
           </a:xfrm>
           <a:prstGeom prst="rect">
             <a:avLst/>

--- a/eda_intoduction.pptx
+++ b/eda_intoduction.pptx
@@ -9,18 +9,18 @@
     <p:sldId id="258" r:id="rId3"/>
     <p:sldId id="257" r:id="rId4"/>
     <p:sldId id="259" r:id="rId5"/>
-    <p:sldId id="261" r:id="rId6"/>
-    <p:sldId id="271" r:id="rId7"/>
-    <p:sldId id="263" r:id="rId8"/>
-    <p:sldId id="270" r:id="rId9"/>
-    <p:sldId id="264" r:id="rId10"/>
-    <p:sldId id="265" r:id="rId11"/>
-    <p:sldId id="267" r:id="rId12"/>
-    <p:sldId id="272" r:id="rId13"/>
-    <p:sldId id="273" r:id="rId14"/>
-    <p:sldId id="260" r:id="rId15"/>
-    <p:sldId id="268" r:id="rId16"/>
-    <p:sldId id="269" r:id="rId17"/>
+    <p:sldId id="274" r:id="rId6"/>
+    <p:sldId id="261" r:id="rId7"/>
+    <p:sldId id="271" r:id="rId8"/>
+    <p:sldId id="263" r:id="rId9"/>
+    <p:sldId id="270" r:id="rId10"/>
+    <p:sldId id="264" r:id="rId11"/>
+    <p:sldId id="265" r:id="rId12"/>
+    <p:sldId id="267" r:id="rId13"/>
+    <p:sldId id="272" r:id="rId14"/>
+    <p:sldId id="273" r:id="rId15"/>
+    <p:sldId id="260" r:id="rId16"/>
+    <p:sldId id="268" r:id="rId17"/>
   </p:sldIdLst>
   <p:sldSz cx="12192000" cy="6858000"/>
   <p:notesSz cx="6858000" cy="9144000"/>
@@ -530,7 +530,7 @@
           <a:p>
             <a:fld id="{83284890-85D2-4D7B-8EF5-15A9C1DB8F42}" type="datetimeFigureOut">
               <a:rPr lang="en-US" dirty="0"/>
-              <a:t>8/16/2021</a:t>
+              <a:t>8/30/2021</a:t>
             </a:fld>
             <a:endParaRPr lang="en-US" dirty="0"/>
           </a:p>
@@ -705,7 +705,7 @@
           <a:p>
             <a:fld id="{87157CC2-0FC8-4686-B024-99790E0F5162}" type="datetimeFigureOut">
               <a:rPr lang="en-US" dirty="0"/>
-              <a:t>8/16/2021</a:t>
+              <a:t>8/30/2021</a:t>
             </a:fld>
             <a:endParaRPr lang="en-US" dirty="0"/>
           </a:p>
@@ -880,7 +880,7 @@
           <a:p>
             <a:fld id="{F6764DA5-CD3D-4590-A511-FCD3BC7A793E}" type="datetimeFigureOut">
               <a:rPr lang="en-US" dirty="0"/>
-              <a:t>8/16/2021</a:t>
+              <a:t>8/30/2021</a:t>
             </a:fld>
             <a:endParaRPr lang="en-US" dirty="0"/>
           </a:p>
@@ -1045,7 +1045,7 @@
           <a:p>
             <a:fld id="{82F5661D-6934-4B32-B92C-470368BF1EC6}" type="datetimeFigureOut">
               <a:rPr lang="en-US" dirty="0"/>
-              <a:t>8/16/2021</a:t>
+              <a:t>8/30/2021</a:t>
             </a:fld>
             <a:endParaRPr lang="en-US" dirty="0"/>
           </a:p>
@@ -1353,7 +1353,7 @@
           <a:p>
             <a:fld id="{C6F822A4-8DA6-4447-9B1F-C5DB58435268}" type="datetimeFigureOut">
               <a:rPr lang="en-US" dirty="0"/>
-              <a:t>8/16/2021</a:t>
+              <a:t>8/30/2021</a:t>
             </a:fld>
             <a:endParaRPr lang="en-US" dirty="0"/>
           </a:p>
@@ -1735,7 +1735,7 @@
           <a:p>
             <a:fld id="{E548D31E-DCDA-41A7-9C67-C4B11B94D21D}" type="datetimeFigureOut">
               <a:rPr lang="en-US" dirty="0"/>
-              <a:t>8/16/2021</a:t>
+              <a:t>8/30/2021</a:t>
             </a:fld>
             <a:endParaRPr lang="en-US" dirty="0"/>
           </a:p>
@@ -2164,7 +2164,7 @@
           <a:p>
             <a:fld id="{9B3762C0-B258-48F1-ADE6-176B4174CCDD}" type="datetimeFigureOut">
               <a:rPr lang="en-US" dirty="0"/>
-              <a:t>8/16/2021</a:t>
+              <a:t>8/30/2021</a:t>
             </a:fld>
             <a:endParaRPr lang="en-US" dirty="0"/>
           </a:p>
@@ -2277,7 +2277,7 @@
           <a:p>
             <a:fld id="{677919A6-33EB-49BD-A62F-1FA56B9F9712}" type="datetimeFigureOut">
               <a:rPr lang="en-US" dirty="0"/>
-              <a:t>8/16/2021</a:t>
+              <a:t>8/30/2021</a:t>
             </a:fld>
             <a:endParaRPr lang="en-US" dirty="0"/>
           </a:p>
@@ -2367,7 +2367,7 @@
           <a:p>
             <a:fld id="{CA4E7D1B-D673-4CF6-8672-009D42ABD2A0}" type="datetimeFigureOut">
               <a:rPr lang="en-US" dirty="0"/>
-              <a:t>8/16/2021</a:t>
+              <a:t>8/30/2021</a:t>
             </a:fld>
             <a:endParaRPr lang="en-US" dirty="0"/>
           </a:p>
@@ -2712,7 +2712,7 @@
           <a:p>
             <a:fld id="{DA16AA21-1863-4931-97CB-99D0A168701B}" type="datetimeFigureOut">
               <a:rPr lang="en-US" dirty="0"/>
-              <a:t>8/16/2021</a:t>
+              <a:t>8/30/2021</a:t>
             </a:fld>
             <a:endParaRPr lang="en-US" dirty="0"/>
           </a:p>
@@ -3132,7 +3132,7 @@
           <a:p>
             <a:fld id="{3772C379-9A7C-4C87-A116-CBE9F58B04C5}" type="datetimeFigureOut">
               <a:rPr lang="en-US" dirty="0"/>
-              <a:t>8/16/2021</a:t>
+              <a:t>8/30/2021</a:t>
             </a:fld>
             <a:endParaRPr lang="en-US" dirty="0"/>
           </a:p>
@@ -3408,7 +3408,7 @@
           <a:p>
             <a:fld id="{8664C608-40B1-4030-A28D-5B74BC98ADCE}" type="datetimeFigureOut">
               <a:rPr lang="en-US" dirty="0"/>
-              <a:t>8/16/2021</a:t>
+              <a:t>8/30/2021</a:t>
             </a:fld>
             <a:endParaRPr lang="en-US" dirty="0"/>
           </a:p>
@@ -4106,7 +4106,7 @@
             </a:pPr>
             <a:r>
               <a:rPr lang="he-IL" dirty="0"/>
-              <a:t>התפלגות סוגי האירוע לפי סוג הדיור</a:t>
+              <a:t>פרופורציית רשומות -  סוג הדיור לפי מגדר</a:t>
             </a:r>
           </a:p>
         </p:txBody>
@@ -4116,7 +4116,7 @@
           <p:cNvPr id="5" name="תמונה 4">
             <a:extLst>
               <a:ext uri="{FF2B5EF4-FFF2-40B4-BE49-F238E27FC236}">
-                <a16:creationId xmlns:a16="http://schemas.microsoft.com/office/drawing/2014/main" id="{694088B8-73DF-4E52-8CA8-A5F27670528B}"/>
+                <a16:creationId xmlns:a16="http://schemas.microsoft.com/office/drawing/2014/main" id="{28246FE8-F43D-4F3C-906E-CCD314DFB0E5}"/>
               </a:ext>
             </a:extLst>
           </p:cNvPr>
@@ -4133,8 +4133,8 @@
         </p:blipFill>
         <p:spPr>
           <a:xfrm>
-            <a:off x="914400" y="2093976"/>
-            <a:ext cx="8659368" cy="4573146"/>
+            <a:off x="1217767" y="2093976"/>
+            <a:ext cx="8512160" cy="4508263"/>
           </a:xfrm>
           <a:prstGeom prst="rect">
             <a:avLst/>
@@ -4144,7 +4144,7 @@
     </p:spTree>
     <p:extLst>
       <p:ext uri="{BB962C8B-B14F-4D97-AF65-F5344CB8AC3E}">
-        <p14:creationId xmlns:p14="http://schemas.microsoft.com/office/powerpoint/2010/main" val="3110573605"/>
+        <p14:creationId xmlns:p14="http://schemas.microsoft.com/office/powerpoint/2010/main" val="2492311013"/>
       </p:ext>
     </p:extLst>
   </p:cSld>
@@ -4237,7 +4237,7 @@
             </a:pPr>
             <a:r>
               <a:rPr lang="he-IL" dirty="0"/>
-              <a:t>התפלגות הרכב משפחתי (רמת בדידות) לפי סוג דיור </a:t>
+              <a:t>התפלגות סוגי האירוע לפי סוג הדיור</a:t>
             </a:r>
           </a:p>
         </p:txBody>
@@ -4247,7 +4247,7 @@
           <p:cNvPr id="4" name="תמונה 3">
             <a:extLst>
               <a:ext uri="{FF2B5EF4-FFF2-40B4-BE49-F238E27FC236}">
-                <a16:creationId xmlns:a16="http://schemas.microsoft.com/office/drawing/2014/main" id="{4ED1B666-F68F-4282-8C56-397EC9A2F376}"/>
+                <a16:creationId xmlns:a16="http://schemas.microsoft.com/office/drawing/2014/main" id="{E257E7E5-BC5E-449B-9275-47E3AA8217FF}"/>
               </a:ext>
             </a:extLst>
           </p:cNvPr>
@@ -4264,8 +4264,8 @@
         </p:blipFill>
         <p:spPr>
           <a:xfrm>
-            <a:off x="1171852" y="2093976"/>
-            <a:ext cx="8824404" cy="4653599"/>
+            <a:off x="1284304" y="2004065"/>
+            <a:ext cx="8685320" cy="4714203"/>
           </a:xfrm>
           <a:prstGeom prst="rect">
             <a:avLst/>
@@ -4275,7 +4275,7 @@
     </p:spTree>
     <p:extLst>
       <p:ext uri="{BB962C8B-B14F-4D97-AF65-F5344CB8AC3E}">
-        <p14:creationId xmlns:p14="http://schemas.microsoft.com/office/powerpoint/2010/main" val="212187985"/>
+        <p14:creationId xmlns:p14="http://schemas.microsoft.com/office/powerpoint/2010/main" val="3110573605"/>
       </p:ext>
     </p:extLst>
   </p:cSld>
@@ -4331,12 +4331,54 @@
           </a:p>
         </p:txBody>
       </p:sp>
+      <p:sp>
+        <p:nvSpPr>
+          <p:cNvPr id="7" name="תיבת טקסט 6">
+            <a:extLst>
+              <a:ext uri="{FF2B5EF4-FFF2-40B4-BE49-F238E27FC236}">
+                <a16:creationId xmlns:a16="http://schemas.microsoft.com/office/drawing/2014/main" id="{A12D4BDE-5E37-45B4-8A3B-83BE8B184E82}"/>
+              </a:ext>
+            </a:extLst>
+          </p:cNvPr>
+          <p:cNvSpPr txBox="1"/>
+          <p:nvPr/>
+        </p:nvSpPr>
+        <p:spPr>
+          <a:xfrm>
+            <a:off x="4327587" y="1703869"/>
+            <a:ext cx="6473578" cy="390107"/>
+          </a:xfrm>
+          <a:prstGeom prst="rect">
+            <a:avLst/>
+          </a:prstGeom>
+          <a:noFill/>
+        </p:spPr>
+        <p:txBody>
+          <a:bodyPr wrap="square">
+            <a:spAutoFit/>
+          </a:bodyPr>
+          <a:lstStyle/>
+          <a:p>
+            <a:pPr marL="285750" indent="-285750" algn="r" rtl="1">
+              <a:lnSpc>
+                <a:spcPct val="110000"/>
+              </a:lnSpc>
+              <a:buFont typeface="Arial" panose="020B0604020202020204" pitchFamily="34" charset="0"/>
+              <a:buChar char="•"/>
+            </a:pPr>
+            <a:r>
+              <a:rPr lang="he-IL" dirty="0"/>
+              <a:t>התפלגות הרכב משפחתי (רמת בדידות) לפי סוג דיור </a:t>
+            </a:r>
+          </a:p>
+        </p:txBody>
+      </p:sp>
       <p:pic>
         <p:nvPicPr>
           <p:cNvPr id="5" name="תמונה 4">
             <a:extLst>
               <a:ext uri="{FF2B5EF4-FFF2-40B4-BE49-F238E27FC236}">
-                <a16:creationId xmlns:a16="http://schemas.microsoft.com/office/drawing/2014/main" id="{F9EC7DFD-44D4-40C0-9480-7DB9F911174C}"/>
+                <a16:creationId xmlns:a16="http://schemas.microsoft.com/office/drawing/2014/main" id="{D7DDE49A-A4E5-4FA8-AEBE-77F7BD427342}"/>
               </a:ext>
             </a:extLst>
           </p:cNvPr>
@@ -4353,8 +4395,8 @@
         </p:blipFill>
         <p:spPr>
           <a:xfrm>
-            <a:off x="2701147" y="1771234"/>
-            <a:ext cx="5682148" cy="4665077"/>
+            <a:off x="1162975" y="2014077"/>
+            <a:ext cx="8705253" cy="4690502"/>
           </a:xfrm>
           <a:prstGeom prst="rect">
             <a:avLst/>
@@ -4364,7 +4406,7 @@
     </p:spTree>
     <p:extLst>
       <p:ext uri="{BB962C8B-B14F-4D97-AF65-F5344CB8AC3E}">
-        <p14:creationId xmlns:p14="http://schemas.microsoft.com/office/powerpoint/2010/main" val="2397845800"/>
+        <p14:creationId xmlns:p14="http://schemas.microsoft.com/office/powerpoint/2010/main" val="212187985"/>
       </p:ext>
     </p:extLst>
   </p:cSld>
@@ -4425,7 +4467,7 @@
           <p:cNvPr id="4" name="תמונה 3">
             <a:extLst>
               <a:ext uri="{FF2B5EF4-FFF2-40B4-BE49-F238E27FC236}">
-                <a16:creationId xmlns:a16="http://schemas.microsoft.com/office/drawing/2014/main" id="{E7504275-3E73-4623-A496-792DB33B5C19}"/>
+                <a16:creationId xmlns:a16="http://schemas.microsoft.com/office/drawing/2014/main" id="{B7A8BA3F-36B6-4478-9D53-FDEEAD99F00F}"/>
               </a:ext>
             </a:extLst>
           </p:cNvPr>
@@ -4442,68 +4484,8 @@
         </p:blipFill>
         <p:spPr>
           <a:xfrm>
-            <a:off x="238054" y="88650"/>
-            <a:ext cx="3731893" cy="3112699"/>
-          </a:xfrm>
-          <a:prstGeom prst="rect">
-            <a:avLst/>
-          </a:prstGeom>
-        </p:spPr>
-      </p:pic>
-      <p:pic>
-        <p:nvPicPr>
-          <p:cNvPr id="7" name="תמונה 6">
-            <a:extLst>
-              <a:ext uri="{FF2B5EF4-FFF2-40B4-BE49-F238E27FC236}">
-                <a16:creationId xmlns:a16="http://schemas.microsoft.com/office/drawing/2014/main" id="{A828F30B-B55D-46A1-A815-8405AF5691F5}"/>
-              </a:ext>
-            </a:extLst>
-          </p:cNvPr>
-          <p:cNvPicPr>
-            <a:picLocks noChangeAspect="1"/>
-          </p:cNvPicPr>
-          <p:nvPr/>
-        </p:nvPicPr>
-        <p:blipFill>
-          <a:blip r:embed="rId3"/>
-          <a:stretch>
-            <a:fillRect/>
-          </a:stretch>
-        </p:blipFill>
-        <p:spPr>
-          <a:xfrm>
-            <a:off x="3457688" y="3172048"/>
-            <a:ext cx="4248129" cy="3453561"/>
-          </a:xfrm>
-          <a:prstGeom prst="rect">
-            <a:avLst/>
-          </a:prstGeom>
-        </p:spPr>
-      </p:pic>
-      <p:pic>
-        <p:nvPicPr>
-          <p:cNvPr id="9" name="תמונה 8">
-            <a:extLst>
-              <a:ext uri="{FF2B5EF4-FFF2-40B4-BE49-F238E27FC236}">
-                <a16:creationId xmlns:a16="http://schemas.microsoft.com/office/drawing/2014/main" id="{33F41A98-31F7-4F76-8F32-6D8858536D9C}"/>
-              </a:ext>
-            </a:extLst>
-          </p:cNvPr>
-          <p:cNvPicPr>
-            <a:picLocks noChangeAspect="1"/>
-          </p:cNvPicPr>
-          <p:nvPr/>
-        </p:nvPicPr>
-        <p:blipFill>
-          <a:blip r:embed="rId4"/>
-          <a:stretch>
-            <a:fillRect/>
-          </a:stretch>
-        </p:blipFill>
-        <p:spPr>
-          <a:xfrm>
-            <a:off x="7705817" y="1562704"/>
-            <a:ext cx="4248129" cy="3421933"/>
+            <a:off x="2175029" y="1537031"/>
+            <a:ext cx="6056236" cy="4836337"/>
           </a:xfrm>
           <a:prstGeom prst="rect">
             <a:avLst/>
@@ -4513,7 +4495,7 @@
     </p:spTree>
     <p:extLst>
       <p:ext uri="{BB962C8B-B14F-4D97-AF65-F5344CB8AC3E}">
-        <p14:creationId xmlns:p14="http://schemas.microsoft.com/office/powerpoint/2010/main" val="4178321096"/>
+        <p14:creationId xmlns:p14="http://schemas.microsoft.com/office/powerpoint/2010/main" val="2397845800"/>
       </p:ext>
     </p:extLst>
   </p:cSld>
@@ -4558,63 +4540,28 @@
         </p:nvSpPr>
         <p:spPr>
           <a:xfrm>
-            <a:off x="2450236" y="208058"/>
-            <a:ext cx="8837809" cy="621792"/>
+            <a:off x="1963747" y="123739"/>
+            <a:ext cx="10058400" cy="1609344"/>
           </a:xfrm>
         </p:spPr>
         <p:txBody>
-          <a:bodyPr>
-            <a:normAutofit fontScale="90000"/>
-          </a:bodyPr>
+          <a:bodyPr/>
           <a:lstStyle/>
           <a:p>
             <a:pPr algn="r"/>
             <a:r>
               <a:rPr lang="he-IL" dirty="0"/>
-              <a:t>היכרות עם הנתונים</a:t>
-            </a:r>
-          </a:p>
-        </p:txBody>
-      </p:sp>
-      <p:sp>
-        <p:nvSpPr>
-          <p:cNvPr id="3" name="מציין מיקום תוכן 2">
+              <a:t>היכרות  עם הנתונים	</a:t>
+            </a:r>
+          </a:p>
+        </p:txBody>
+      </p:sp>
+      <p:pic>
+        <p:nvPicPr>
+          <p:cNvPr id="5" name="תמונה 4">
             <a:extLst>
               <a:ext uri="{FF2B5EF4-FFF2-40B4-BE49-F238E27FC236}">
-                <a16:creationId xmlns:a16="http://schemas.microsoft.com/office/drawing/2014/main" id="{F503CA34-A7B7-401C-BF52-FF4FF88F04B5}"/>
-              </a:ext>
-            </a:extLst>
-          </p:cNvPr>
-          <p:cNvSpPr>
-            <a:spLocks noGrp="1"/>
-          </p:cNvSpPr>
-          <p:nvPr>
-            <p:ph idx="1"/>
-          </p:nvPr>
-        </p:nvSpPr>
-        <p:spPr>
-          <a:xfrm>
-            <a:off x="2072934" y="935548"/>
-            <a:ext cx="9592411" cy="621792"/>
-          </a:xfrm>
-        </p:spPr>
-        <p:txBody>
-          <a:bodyPr/>
-          <a:lstStyle/>
-          <a:p>
-            <a:r>
-              <a:rPr lang="he-IL" dirty="0"/>
-              <a:t>צפיפות תדירות הפעמים שקשישים פונים כפונקציה של סוג הדיור</a:t>
-            </a:r>
-          </a:p>
-        </p:txBody>
-      </p:sp>
-      <p:pic>
-        <p:nvPicPr>
-          <p:cNvPr id="11" name="תמונה 10">
-            <a:extLst>
-              <a:ext uri="{FF2B5EF4-FFF2-40B4-BE49-F238E27FC236}">
-                <a16:creationId xmlns:a16="http://schemas.microsoft.com/office/drawing/2014/main" id="{D65F941A-E5C7-4424-8DD8-B4DF0AA5A1A3}"/>
+                <a16:creationId xmlns:a16="http://schemas.microsoft.com/office/drawing/2014/main" id="{EBB3F874-16CA-4103-9635-800AB8C03E5F}"/>
               </a:ext>
             </a:extLst>
           </p:cNvPr>
@@ -4631,8 +4578,68 @@
         </p:blipFill>
         <p:spPr>
           <a:xfrm>
-            <a:off x="2645545" y="1557340"/>
-            <a:ext cx="5093193" cy="4867545"/>
+            <a:off x="7774018" y="1733395"/>
+            <a:ext cx="4248129" cy="3391210"/>
+          </a:xfrm>
+          <a:prstGeom prst="rect">
+            <a:avLst/>
+          </a:prstGeom>
+        </p:spPr>
+      </p:pic>
+      <p:pic>
+        <p:nvPicPr>
+          <p:cNvPr id="8" name="תמונה 7">
+            <a:extLst>
+              <a:ext uri="{FF2B5EF4-FFF2-40B4-BE49-F238E27FC236}">
+                <a16:creationId xmlns:a16="http://schemas.microsoft.com/office/drawing/2014/main" id="{D42E99A1-9422-44D4-877A-703723826871}"/>
+              </a:ext>
+            </a:extLst>
+          </p:cNvPr>
+          <p:cNvPicPr>
+            <a:picLocks noChangeAspect="1"/>
+          </p:cNvPicPr>
+          <p:nvPr/>
+        </p:nvPicPr>
+        <p:blipFill>
+          <a:blip r:embed="rId3"/>
+          <a:stretch>
+            <a:fillRect/>
+          </a:stretch>
+        </p:blipFill>
+        <p:spPr>
+          <a:xfrm>
+            <a:off x="289912" y="123739"/>
+            <a:ext cx="3767183" cy="3069760"/>
+          </a:xfrm>
+          <a:prstGeom prst="rect">
+            <a:avLst/>
+          </a:prstGeom>
+        </p:spPr>
+      </p:pic>
+      <p:pic>
+        <p:nvPicPr>
+          <p:cNvPr id="11" name="תמונה 10">
+            <a:extLst>
+              <a:ext uri="{FF2B5EF4-FFF2-40B4-BE49-F238E27FC236}">
+                <a16:creationId xmlns:a16="http://schemas.microsoft.com/office/drawing/2014/main" id="{FBCD9810-4DA6-41AB-AE55-CC1161CD7213}"/>
+              </a:ext>
+            </a:extLst>
+          </p:cNvPr>
+          <p:cNvPicPr>
+            <a:picLocks noChangeAspect="1"/>
+          </p:cNvPicPr>
+          <p:nvPr/>
+        </p:nvPicPr>
+        <p:blipFill>
+          <a:blip r:embed="rId4"/>
+          <a:stretch>
+            <a:fillRect/>
+          </a:stretch>
+        </p:blipFill>
+        <p:spPr>
+          <a:xfrm>
+            <a:off x="2979093" y="3312018"/>
+            <a:ext cx="4114397" cy="3296227"/>
           </a:xfrm>
           <a:prstGeom prst="rect">
             <a:avLst/>
@@ -4642,7 +4649,7 @@
     </p:spTree>
     <p:extLst>
       <p:ext uri="{BB962C8B-B14F-4D97-AF65-F5344CB8AC3E}">
-        <p14:creationId xmlns:p14="http://schemas.microsoft.com/office/powerpoint/2010/main" val="3549496148"/>
+        <p14:creationId xmlns:p14="http://schemas.microsoft.com/office/powerpoint/2010/main" val="4178321096"/>
       </p:ext>
     </p:extLst>
   </p:cSld>
@@ -4733,17 +4740,17 @@
           <a:p>
             <a:r>
               <a:rPr lang="he-IL" dirty="0"/>
-              <a:t>צפיפות תדירות הפעמים שקשישים פונים כפונקציה של המגדר</a:t>
+              <a:t>צפיפות תדירות הפעמים שקשישים פונים כפונקציה של סוג הדיור</a:t>
             </a:r>
           </a:p>
         </p:txBody>
       </p:sp>
       <p:pic>
         <p:nvPicPr>
-          <p:cNvPr id="10" name="תמונה 9">
+          <p:cNvPr id="5" name="תמונה 4">
             <a:extLst>
               <a:ext uri="{FF2B5EF4-FFF2-40B4-BE49-F238E27FC236}">
-                <a16:creationId xmlns:a16="http://schemas.microsoft.com/office/drawing/2014/main" id="{77295C1E-28D3-436A-BEBF-FEDF87382DD1}"/>
+                <a16:creationId xmlns:a16="http://schemas.microsoft.com/office/drawing/2014/main" id="{57F6F3FA-4D8A-47A5-ADB3-34CC19D22049}"/>
               </a:ext>
             </a:extLst>
           </p:cNvPr>
@@ -4760,8 +4767,8 @@
         </p:blipFill>
         <p:spPr>
           <a:xfrm>
-            <a:off x="2583957" y="1557340"/>
-            <a:ext cx="5192882" cy="5050497"/>
+            <a:off x="2311754" y="1246444"/>
+            <a:ext cx="5686425" cy="5362575"/>
           </a:xfrm>
           <a:prstGeom prst="rect">
             <a:avLst/>
@@ -4771,7 +4778,7 @@
     </p:spTree>
     <p:extLst>
       <p:ext uri="{BB962C8B-B14F-4D97-AF65-F5344CB8AC3E}">
-        <p14:creationId xmlns:p14="http://schemas.microsoft.com/office/powerpoint/2010/main" val="3922642333"/>
+        <p14:creationId xmlns:p14="http://schemas.microsoft.com/office/powerpoint/2010/main" val="3549496148"/>
       </p:ext>
     </p:extLst>
   </p:cSld>
@@ -4816,7 +4823,7 @@
         </p:nvSpPr>
         <p:spPr>
           <a:xfrm>
-            <a:off x="3354191" y="0"/>
+            <a:off x="2450236" y="208058"/>
             <a:ext cx="8837809" cy="621792"/>
           </a:xfrm>
         </p:spPr>
@@ -4852,7 +4859,7 @@
         </p:nvSpPr>
         <p:spPr>
           <a:xfrm>
-            <a:off x="-2214981" y="127982"/>
+            <a:off x="2072934" y="935548"/>
             <a:ext cx="9592411" cy="621792"/>
           </a:xfrm>
         </p:spPr>
@@ -4862,17 +4869,17 @@
           <a:p>
             <a:r>
               <a:rPr lang="he-IL" dirty="0"/>
-              <a:t>צפיפות כמות פנויות לפי סוג קטגוריה</a:t>
+              <a:t>צפיפות תדירות הפעמים שקשישים פונים כפונקציה של המגדר</a:t>
             </a:r>
           </a:p>
         </p:txBody>
       </p:sp>
       <p:pic>
         <p:nvPicPr>
-          <p:cNvPr id="7" name="תמונה 6">
+          <p:cNvPr id="5" name="תמונה 4">
             <a:extLst>
               <a:ext uri="{FF2B5EF4-FFF2-40B4-BE49-F238E27FC236}">
-                <a16:creationId xmlns:a16="http://schemas.microsoft.com/office/drawing/2014/main" id="{D143D6FD-C5AE-47C0-9036-3035BDA9A055}"/>
+                <a16:creationId xmlns:a16="http://schemas.microsoft.com/office/drawing/2014/main" id="{789749DE-7714-44DF-AC38-6FE43505A726}"/>
               </a:ext>
             </a:extLst>
           </p:cNvPr>
@@ -4889,8 +4896,8 @@
         </p:blipFill>
         <p:spPr>
           <a:xfrm>
-            <a:off x="137160" y="508615"/>
-            <a:ext cx="12192000" cy="6221403"/>
+            <a:off x="2450236" y="1258792"/>
+            <a:ext cx="5610225" cy="5391150"/>
           </a:xfrm>
           <a:prstGeom prst="rect">
             <a:avLst/>
@@ -4900,7 +4907,7 @@
     </p:spTree>
     <p:extLst>
       <p:ext uri="{BB962C8B-B14F-4D97-AF65-F5344CB8AC3E}">
-        <p14:creationId xmlns:p14="http://schemas.microsoft.com/office/powerpoint/2010/main" val="1159169402"/>
+        <p14:creationId xmlns:p14="http://schemas.microsoft.com/office/powerpoint/2010/main" val="3922642333"/>
       </p:ext>
     </p:extLst>
   </p:cSld>
@@ -5221,7 +5228,7 @@
         </p:spPr>
         <p:txBody>
           <a:bodyPr>
-            <a:normAutofit fontScale="85000" lnSpcReduction="20000"/>
+            <a:normAutofit fontScale="92500" lnSpcReduction="10000"/>
           </a:bodyPr>
           <a:lstStyle/>
           <a:p>
@@ -5351,25 +5358,14 @@
             </a:r>
           </a:p>
           <a:p>
-            <a:pPr>
+            <a:pPr lvl="1">
               <a:lnSpc>
                 <a:spcPct val="110000"/>
               </a:lnSpc>
             </a:pPr>
             <a:r>
               <a:rPr lang="he-IL" dirty="0"/>
-              <a:t>לאחר ניקוי הנתונים והכפילויות נשארים עם 32261 רשומות שהם  25.21% מכמות הרשומות המקורית</a:t>
-            </a:r>
-          </a:p>
-          <a:p>
-            <a:pPr>
-              <a:lnSpc>
-                <a:spcPct val="110000"/>
-              </a:lnSpc>
-            </a:pPr>
-            <a:r>
-              <a:rPr lang="he-IL" dirty="0"/>
-              <a:t>לאחר הניקוי נשארים נתונים של 851 קשישים</a:t>
+              <a:t>קריאת שמירת קשר </a:t>
             </a:r>
           </a:p>
           <a:p>
@@ -5431,7 +5427,7 @@
             <a:pPr algn="r"/>
             <a:r>
               <a:rPr lang="he-IL" dirty="0"/>
-              <a:t>השלמת ערכים חסרים</a:t>
+              <a:t>ניקוי הנתונים</a:t>
             </a:r>
           </a:p>
         </p:txBody>
@@ -5460,7 +5456,7 @@
         </p:spPr>
         <p:txBody>
           <a:bodyPr>
-            <a:normAutofit/>
+            <a:normAutofit lnSpcReduction="10000"/>
           </a:bodyPr>
           <a:lstStyle/>
           <a:p>
@@ -5471,7 +5467,7 @@
             </a:pPr>
             <a:r>
               <a:rPr lang="he-IL" dirty="0"/>
-              <a:t>לאחר הניקוי הראשוני קיימים ערכים חסרים עבור שני  פיצ'רים:</a:t>
+              <a:t>הורדת קטגוריות פעולה טכניות</a:t>
             </a:r>
           </a:p>
           <a:p>
@@ -5481,8 +5477,8 @@
               </a:lnSpc>
             </a:pPr>
             <a:r>
-              <a:rPr lang="he-IL" dirty="0"/>
-              <a:t>מגדר – רשומות פגומות – מצאתי את המין ברשומות קיימות אחרות ,2 אנשים שלא היה את המגדר שלהם – השלמתי לפי השכיח</a:t>
+              <a:rPr lang="he-IL" sz="2000" dirty="0"/>
+              <a:t>ניסוי</a:t>
             </a:r>
           </a:p>
           <a:p>
@@ -5492,12 +5488,13 @@
               </a:lnSpc>
             </a:pPr>
             <a:r>
-              <a:rPr lang="he-IL" dirty="0"/>
-              <a:t>תיאור פעולה  - קיימות 761 רשומות ללא תיאור פעולה.</a:t>
-            </a:r>
-          </a:p>
-          <a:p>
-            <a:pPr lvl="1">
+              <a:rPr lang="he-IL" sz="2000" dirty="0" err="1"/>
+              <a:t>איתחול</a:t>
+            </a:r>
+            <a:endParaRPr lang="he-IL" sz="2000" dirty="0"/>
+          </a:p>
+          <a:p>
+            <a:pPr>
               <a:lnSpc>
                 <a:spcPct val="110000"/>
               </a:lnSpc>
@@ -5505,17 +5502,78 @@
             <a:endParaRPr lang="he-IL" dirty="0"/>
           </a:p>
           <a:p>
+            <a:pPr>
+              <a:lnSpc>
+                <a:spcPct val="110000"/>
+              </a:lnSpc>
+            </a:pPr>
+            <a:r>
+              <a:rPr lang="he-IL" dirty="0"/>
+              <a:t>הורדת תיאור פעולה </a:t>
+            </a:r>
+            <a:r>
+              <a:rPr lang="en-US" sz="1800" b="0" i="0" u="none" strike="noStrike" dirty="0">
+                <a:solidFill>
+                  <a:srgbClr val="000000"/>
+                </a:solidFill>
+                <a:effectLst/>
+                <a:latin typeface="Arial" panose="020B0604020202020204" pitchFamily="34" charset="0"/>
+              </a:rPr>
+              <a:t>New After Deleted</a:t>
+            </a:r>
+            <a:r>
+              <a:rPr lang="en-US" dirty="0"/>
+              <a:t> </a:t>
+            </a:r>
+          </a:p>
+          <a:p>
             <a:pPr marL="0" indent="0">
+              <a:lnSpc>
+                <a:spcPct val="110000"/>
+              </a:lnSpc>
               <a:buNone/>
             </a:pPr>
             <a:endParaRPr lang="he-IL" dirty="0"/>
           </a:p>
+          <a:p>
+            <a:pPr>
+              <a:lnSpc>
+                <a:spcPct val="110000"/>
+              </a:lnSpc>
+            </a:pPr>
+            <a:endParaRPr lang="he-IL" dirty="0"/>
+          </a:p>
+          <a:p>
+            <a:pPr>
+              <a:lnSpc>
+                <a:spcPct val="110000"/>
+              </a:lnSpc>
+            </a:pPr>
+            <a:r>
+              <a:rPr lang="he-IL" dirty="0"/>
+              <a:t>לאחר ניקוי הנתונים והכפילויות נשארים עם 25755 רשומות שהם  23.2% מכמות הרשומות המקורית</a:t>
+            </a:r>
+          </a:p>
+          <a:p>
+            <a:pPr>
+              <a:lnSpc>
+                <a:spcPct val="110000"/>
+              </a:lnSpc>
+            </a:pPr>
+            <a:r>
+              <a:rPr lang="he-IL" dirty="0"/>
+              <a:t>לאחר הניקוי נשארים נתונים של 789 קשישים</a:t>
+            </a:r>
+          </a:p>
+          <a:p>
+            <a:endParaRPr lang="he-IL" dirty="0"/>
+          </a:p>
         </p:txBody>
       </p:sp>
     </p:spTree>
     <p:extLst>
       <p:ext uri="{BB962C8B-B14F-4D97-AF65-F5344CB8AC3E}">
-        <p14:creationId xmlns:p14="http://schemas.microsoft.com/office/powerpoint/2010/main" val="1268656046"/>
+        <p14:creationId xmlns:p14="http://schemas.microsoft.com/office/powerpoint/2010/main" val="2018309318"/>
       </p:ext>
     </p:extLst>
   </p:cSld>
@@ -5566,7 +5624,7 @@
             <a:pPr algn="r"/>
             <a:r>
               <a:rPr lang="he-IL" dirty="0"/>
-              <a:t>הסרת ערכים חריגים</a:t>
+              <a:t>השלמת ערכים חסרים</a:t>
             </a:r>
           </a:p>
         </p:txBody>
@@ -5606,7 +5664,7 @@
             </a:pPr>
             <a:r>
               <a:rPr lang="he-IL" dirty="0"/>
-              <a:t>יצירת עמודה שהיא כמות הפניות למוקד של הקשיש (כל הנתונים הם קטגוריאליים –יצירת מאפיין נומרי) </a:t>
+              <a:t>לאחר הניקוי הראשוני קיימים ערכים חסרים עבור שני  פיצ'רים:</a:t>
             </a:r>
           </a:p>
           <a:p>
@@ -5617,64 +5675,40 @@
             </a:pPr>
             <a:r>
               <a:rPr lang="he-IL" dirty="0"/>
-              <a:t>שתי שיטות להסרת חריגים:</a:t>
-            </a:r>
-          </a:p>
-          <a:p>
-            <a:pPr lvl="2">
+              <a:t>מגדר – רשומות פגומות – מצאתי את המין ברשומות קיימות אחרות ,2 אנשים שלא היה את המגדר שלהם – השלמתי לפי השכיח</a:t>
+            </a:r>
+          </a:p>
+          <a:p>
+            <a:pPr lvl="1">
               <a:lnSpc>
                 <a:spcPct val="110000"/>
               </a:lnSpc>
             </a:pPr>
             <a:r>
               <a:rPr lang="he-IL" dirty="0"/>
-              <a:t>סטיית תקן – בודקים מי נמצא מחוץ לתחום +- 3 סטיות תקן של כמות הפניות של הקשיש</a:t>
-            </a:r>
-          </a:p>
-          <a:p>
-            <a:pPr lvl="2">
+              <a:t>תיאור פעולה  - קיימות 761 רשומות ללא תיאור פעולה.</a:t>
+            </a:r>
+          </a:p>
+          <a:p>
+            <a:pPr lvl="1">
               <a:lnSpc>
                 <a:spcPct val="110000"/>
               </a:lnSpc>
             </a:pPr>
-            <a:r>
-              <a:rPr lang="he-IL" dirty="0"/>
-              <a:t>אחוזונים- הפרש בין אחוזון 75 לאחוזון 25 כפול בקבוע </a:t>
-            </a:r>
-            <a:r>
-              <a:rPr lang="en-US" dirty="0"/>
-              <a:t>k</a:t>
-            </a:r>
-            <a:r>
-              <a:rPr lang="he-IL" dirty="0"/>
-              <a:t> מחסירים את הערך </a:t>
-            </a:r>
-            <a:r>
-              <a:rPr lang="he-IL" dirty="0" err="1"/>
-              <a:t>הנל</a:t>
-            </a:r>
-            <a:r>
-              <a:rPr lang="he-IL" dirty="0"/>
-              <a:t> מהאחוזון 25 ומוסיפים את הערך לאחוזון 75 ובודקים מי מחוץ לתחום הנ"ל</a:t>
-            </a:r>
-          </a:p>
-          <a:p>
-            <a:pPr>
-              <a:lnSpc>
-                <a:spcPct val="110000"/>
-              </a:lnSpc>
+            <a:endParaRPr lang="he-IL" dirty="0"/>
+          </a:p>
+          <a:p>
+            <a:pPr marL="0" indent="0">
+              <a:buNone/>
             </a:pPr>
-            <a:r>
-              <a:rPr lang="he-IL" dirty="0"/>
-              <a:t>לאחר הסרת החריגים נשארו 29650 רשומות – ירדו הקשישים בעלי כמות הפניות הגבוהה ביותר ומעט קשישים הורידו את רוב הרשומות.</a:t>
-            </a:r>
+            <a:endParaRPr lang="he-IL" dirty="0"/>
           </a:p>
         </p:txBody>
       </p:sp>
     </p:spTree>
     <p:extLst>
       <p:ext uri="{BB962C8B-B14F-4D97-AF65-F5344CB8AC3E}">
-        <p14:creationId xmlns:p14="http://schemas.microsoft.com/office/powerpoint/2010/main" val="3502584498"/>
+        <p14:creationId xmlns:p14="http://schemas.microsoft.com/office/powerpoint/2010/main" val="1268656046"/>
       </p:ext>
     </p:extLst>
   </p:cSld>
@@ -5725,7 +5759,7 @@
             <a:pPr algn="r"/>
             <a:r>
               <a:rPr lang="he-IL" dirty="0"/>
-              <a:t>היכרות עם הנתונים</a:t>
+              <a:t>הסרת ערכים חריגים</a:t>
             </a:r>
           </a:p>
         </p:txBody>
@@ -5765,7 +5799,56 @@
             </a:pPr>
             <a:r>
               <a:rPr lang="he-IL" dirty="0"/>
-              <a:t>פרופורציית הרשומות לפי מגדר בסט:</a:t>
+              <a:t>יצירת עמודה שהיא כמות הפניות למוקד של הקשיש (כל הנתונים הם קטגוריאליים –יצירת מאפיין נומרי) </a:t>
+            </a:r>
+          </a:p>
+          <a:p>
+            <a:pPr lvl="1">
+              <a:lnSpc>
+                <a:spcPct val="110000"/>
+              </a:lnSpc>
+            </a:pPr>
+            <a:r>
+              <a:rPr lang="he-IL" dirty="0"/>
+              <a:t>שתי שיטות להסרת חריגים:</a:t>
+            </a:r>
+          </a:p>
+          <a:p>
+            <a:pPr lvl="2">
+              <a:lnSpc>
+                <a:spcPct val="110000"/>
+              </a:lnSpc>
+            </a:pPr>
+            <a:r>
+              <a:rPr lang="he-IL" dirty="0"/>
+              <a:t>סטיית תקן – בודקים מי נמצא מחוץ לתחום +- 3 סטיות תקן של כמות הפניות של הקשיש</a:t>
+            </a:r>
+          </a:p>
+          <a:p>
+            <a:pPr lvl="2">
+              <a:lnSpc>
+                <a:spcPct val="110000"/>
+              </a:lnSpc>
+            </a:pPr>
+            <a:r>
+              <a:rPr lang="he-IL" dirty="0"/>
+              <a:t>אחוזונים- הפרש בין אחוזון 75 לאחוזון 25 כפול בקבוע </a:t>
+            </a:r>
+            <a:r>
+              <a:rPr lang="en-US" dirty="0"/>
+              <a:t>k</a:t>
+            </a:r>
+            <a:r>
+              <a:rPr lang="he-IL" dirty="0"/>
+              <a:t> מחסירים את הערך </a:t>
+            </a:r>
+            <a:r>
+              <a:rPr lang="he-IL" dirty="0" err="1"/>
+              <a:t>הנל</a:t>
+            </a:r>
+            <a:r>
+              <a:rPr lang="he-IL" dirty="0"/>
+              <a:t> מהאחוזון 25 ומוסיפים את הערך לאחוזון 75 ובודקים מי מחוץ לתחום הנ"ל</a:t>
             </a:r>
           </a:p>
           <a:p>
@@ -5774,85 +5857,17 @@
                 <a:spcPct val="110000"/>
               </a:lnSpc>
             </a:pPr>
-            <a:endParaRPr lang="he-IL" dirty="0"/>
-          </a:p>
-          <a:p>
-            <a:pPr lvl="1">
-              <a:lnSpc>
-                <a:spcPct val="110000"/>
-              </a:lnSpc>
-            </a:pPr>
-            <a:endParaRPr lang="he-IL" dirty="0"/>
-          </a:p>
-          <a:p>
-            <a:endParaRPr lang="he-IL" dirty="0"/>
-          </a:p>
-        </p:txBody>
-      </p:sp>
-      <p:pic>
-        <p:nvPicPr>
-          <p:cNvPr id="7" name="תמונה 6">
-            <a:extLst>
-              <a:ext uri="{FF2B5EF4-FFF2-40B4-BE49-F238E27FC236}">
-                <a16:creationId xmlns:a16="http://schemas.microsoft.com/office/drawing/2014/main" id="{608F1199-AA28-47F8-A1DD-33BDE2866824}"/>
-              </a:ext>
-            </a:extLst>
-          </p:cNvPr>
-          <p:cNvPicPr>
-            <a:picLocks noChangeAspect="1"/>
-          </p:cNvPicPr>
-          <p:nvPr/>
-        </p:nvPicPr>
-        <p:blipFill>
-          <a:blip r:embed="rId2"/>
-          <a:stretch>
-            <a:fillRect/>
-          </a:stretch>
-        </p:blipFill>
-        <p:spPr>
-          <a:xfrm>
-            <a:off x="850688" y="2165808"/>
-            <a:ext cx="4326477" cy="4143579"/>
-          </a:xfrm>
-          <a:prstGeom prst="rect">
-            <a:avLst/>
-          </a:prstGeom>
-        </p:spPr>
-      </p:pic>
-      <p:pic>
-        <p:nvPicPr>
-          <p:cNvPr id="8" name="תמונה 7">
-            <a:extLst>
-              <a:ext uri="{FF2B5EF4-FFF2-40B4-BE49-F238E27FC236}">
-                <a16:creationId xmlns:a16="http://schemas.microsoft.com/office/drawing/2014/main" id="{CF0D55AA-1426-4410-8516-9B4D8B318E59}"/>
-              </a:ext>
-            </a:extLst>
-          </p:cNvPr>
-          <p:cNvPicPr>
-            <a:picLocks noChangeAspect="1"/>
-          </p:cNvPicPr>
-          <p:nvPr/>
-        </p:nvPicPr>
-        <p:blipFill>
-          <a:blip r:embed="rId3"/>
-          <a:stretch>
-            <a:fillRect/>
-          </a:stretch>
-        </p:blipFill>
-        <p:spPr>
-          <a:xfrm>
-            <a:off x="6560598" y="2165808"/>
-            <a:ext cx="4002261" cy="4280019"/>
-          </a:xfrm>
-          <a:prstGeom prst="rect">
-            <a:avLst/>
-          </a:prstGeom>
-        </p:spPr>
-      </p:pic>
+            <a:r>
+              <a:rPr lang="he-IL" dirty="0"/>
+              <a:t>לאחר הסרת החריגים נשארו 23650 רשומות – ירדו הקשישים בעלי כמות הפניות הגבוהה ביותר ומעט קשישים הורידו את רוב הרשומות.</a:t>
+            </a:r>
+          </a:p>
+        </p:txBody>
+      </p:sp>
     </p:spTree>
     <p:extLst>
       <p:ext uri="{BB962C8B-B14F-4D97-AF65-F5344CB8AC3E}">
-        <p14:creationId xmlns:p14="http://schemas.microsoft.com/office/powerpoint/2010/main" val="2300717755"/>
+        <p14:creationId xmlns:p14="http://schemas.microsoft.com/office/powerpoint/2010/main" val="3502584498"/>
       </p:ext>
     </p:extLst>
   </p:cSld>
@@ -5895,30 +5910,84 @@
             <p:ph type="title"/>
           </p:nvPr>
         </p:nvSpPr>
+        <p:spPr/>
+        <p:txBody>
+          <a:bodyPr/>
+          <a:lstStyle/>
+          <a:p>
+            <a:pPr algn="r"/>
+            <a:r>
+              <a:rPr lang="he-IL" dirty="0"/>
+              <a:t>היכרות עם הנתונים</a:t>
+            </a:r>
+          </a:p>
+        </p:txBody>
+      </p:sp>
+      <p:sp>
+        <p:nvSpPr>
+          <p:cNvPr id="3" name="מציין מיקום תוכן 2">
+            <a:extLst>
+              <a:ext uri="{FF2B5EF4-FFF2-40B4-BE49-F238E27FC236}">
+                <a16:creationId xmlns:a16="http://schemas.microsoft.com/office/drawing/2014/main" id="{F503CA34-A7B7-401C-BF52-FF4FF88F04B5}"/>
+              </a:ext>
+            </a:extLst>
+          </p:cNvPr>
+          <p:cNvSpPr>
+            <a:spLocks noGrp="1"/>
+          </p:cNvSpPr>
+          <p:nvPr>
+            <p:ph idx="1"/>
+          </p:nvPr>
+        </p:nvSpPr>
         <p:spPr>
           <a:xfrm>
-            <a:off x="1655774" y="-269969"/>
-            <a:ext cx="10058400" cy="1609344"/>
+            <a:off x="1282912" y="1677525"/>
+            <a:ext cx="10058400" cy="4050792"/>
           </a:xfrm>
         </p:spPr>
         <p:txBody>
-          <a:bodyPr/>
-          <a:lstStyle/>
-          <a:p>
-            <a:pPr algn="r"/>
+          <a:bodyPr>
+            <a:normAutofit/>
+          </a:bodyPr>
+          <a:lstStyle/>
+          <a:p>
+            <a:pPr>
+              <a:lnSpc>
+                <a:spcPct val="110000"/>
+              </a:lnSpc>
+            </a:pPr>
             <a:r>
               <a:rPr lang="he-IL" dirty="0"/>
-              <a:t>היכרות  עם הנתונים	</a:t>
-            </a:r>
+              <a:t>פרופורציית הרשומות לפי מגדר בסט:</a:t>
+            </a:r>
+          </a:p>
+          <a:p>
+            <a:pPr>
+              <a:lnSpc>
+                <a:spcPct val="110000"/>
+              </a:lnSpc>
+            </a:pPr>
+            <a:endParaRPr lang="he-IL" dirty="0"/>
+          </a:p>
+          <a:p>
+            <a:pPr lvl="1">
+              <a:lnSpc>
+                <a:spcPct val="110000"/>
+              </a:lnSpc>
+            </a:pPr>
+            <a:endParaRPr lang="he-IL" dirty="0"/>
+          </a:p>
+          <a:p>
+            <a:endParaRPr lang="he-IL" dirty="0"/>
           </a:p>
         </p:txBody>
       </p:sp>
       <p:pic>
         <p:nvPicPr>
-          <p:cNvPr id="8" name="תמונה 7">
+          <p:cNvPr id="5" name="תמונה 4">
             <a:extLst>
               <a:ext uri="{FF2B5EF4-FFF2-40B4-BE49-F238E27FC236}">
-                <a16:creationId xmlns:a16="http://schemas.microsoft.com/office/drawing/2014/main" id="{DA3B2592-2467-4ADE-8487-FAEA89AE9D28}"/>
+                <a16:creationId xmlns:a16="http://schemas.microsoft.com/office/drawing/2014/main" id="{B4DBD480-38A9-4A03-A74D-CF72AF80EF22}"/>
               </a:ext>
             </a:extLst>
           </p:cNvPr>
@@ -5935,8 +6004,8 @@
         </p:blipFill>
         <p:spPr>
           <a:xfrm>
-            <a:off x="1115140" y="3753844"/>
-            <a:ext cx="3000375" cy="2967701"/>
+            <a:off x="6312024" y="2123099"/>
+            <a:ext cx="3981265" cy="4250269"/>
           </a:xfrm>
           <a:prstGeom prst="rect">
             <a:avLst/>
@@ -5945,10 +6014,10 @@
       </p:pic>
       <p:pic>
         <p:nvPicPr>
-          <p:cNvPr id="11" name="תמונה 10">
+          <p:cNvPr id="9" name="תמונה 8">
             <a:extLst>
               <a:ext uri="{FF2B5EF4-FFF2-40B4-BE49-F238E27FC236}">
-                <a16:creationId xmlns:a16="http://schemas.microsoft.com/office/drawing/2014/main" id="{B76A2A05-4F7A-4AA1-8341-52F63CA85135}"/>
+                <a16:creationId xmlns:a16="http://schemas.microsoft.com/office/drawing/2014/main" id="{6608F7B1-6D87-406D-AB25-F851B6CE004E}"/>
               </a:ext>
             </a:extLst>
           </p:cNvPr>
@@ -5965,128 +6034,8 @@
         </p:blipFill>
         <p:spPr>
           <a:xfrm>
-            <a:off x="968488" y="795330"/>
-            <a:ext cx="3098238" cy="2807331"/>
-          </a:xfrm>
-          <a:prstGeom prst="rect">
-            <a:avLst/>
-          </a:prstGeom>
-        </p:spPr>
-      </p:pic>
-      <p:pic>
-        <p:nvPicPr>
-          <p:cNvPr id="14" name="תמונה 13">
-            <a:extLst>
-              <a:ext uri="{FF2B5EF4-FFF2-40B4-BE49-F238E27FC236}">
-                <a16:creationId xmlns:a16="http://schemas.microsoft.com/office/drawing/2014/main" id="{707F9A45-2CD4-4660-A576-9BB56E19785D}"/>
-              </a:ext>
-            </a:extLst>
-          </p:cNvPr>
-          <p:cNvPicPr>
-            <a:picLocks noChangeAspect="1"/>
-          </p:cNvPicPr>
-          <p:nvPr/>
-        </p:nvPicPr>
-        <p:blipFill>
-          <a:blip r:embed="rId4"/>
-          <a:stretch>
-            <a:fillRect/>
-          </a:stretch>
-        </p:blipFill>
-        <p:spPr>
-          <a:xfrm>
-            <a:off x="4754012" y="795330"/>
-            <a:ext cx="2415850" cy="2692827"/>
-          </a:xfrm>
-          <a:prstGeom prst="rect">
-            <a:avLst/>
-          </a:prstGeom>
-        </p:spPr>
-      </p:pic>
-      <p:pic>
-        <p:nvPicPr>
-          <p:cNvPr id="22" name="תמונה 21">
-            <a:extLst>
-              <a:ext uri="{FF2B5EF4-FFF2-40B4-BE49-F238E27FC236}">
-                <a16:creationId xmlns:a16="http://schemas.microsoft.com/office/drawing/2014/main" id="{0440C70E-C93B-4AD0-8D5D-8F60EACD298C}"/>
-              </a:ext>
-            </a:extLst>
-          </p:cNvPr>
-          <p:cNvPicPr>
-            <a:picLocks noChangeAspect="1"/>
-          </p:cNvPicPr>
-          <p:nvPr/>
-        </p:nvPicPr>
-        <p:blipFill>
-          <a:blip r:embed="rId5"/>
-          <a:stretch>
-            <a:fillRect/>
-          </a:stretch>
-        </p:blipFill>
-        <p:spPr>
-          <a:xfrm>
-            <a:off x="8319672" y="941727"/>
-            <a:ext cx="2564351" cy="3043138"/>
-          </a:xfrm>
-          <a:prstGeom prst="rect">
-            <a:avLst/>
-          </a:prstGeom>
-        </p:spPr>
-      </p:pic>
-      <p:pic>
-        <p:nvPicPr>
-          <p:cNvPr id="24" name="תמונה 23">
-            <a:extLst>
-              <a:ext uri="{FF2B5EF4-FFF2-40B4-BE49-F238E27FC236}">
-                <a16:creationId xmlns:a16="http://schemas.microsoft.com/office/drawing/2014/main" id="{CD7DC736-910F-4E42-A415-5053F3B6CD9A}"/>
-              </a:ext>
-            </a:extLst>
-          </p:cNvPr>
-          <p:cNvPicPr>
-            <a:picLocks noChangeAspect="1"/>
-          </p:cNvPicPr>
-          <p:nvPr/>
-        </p:nvPicPr>
-        <p:blipFill>
-          <a:blip r:embed="rId6"/>
-          <a:stretch>
-            <a:fillRect/>
-          </a:stretch>
-        </p:blipFill>
-        <p:spPr>
-          <a:xfrm>
-            <a:off x="4553666" y="3640774"/>
-            <a:ext cx="2734901" cy="3080771"/>
-          </a:xfrm>
-          <a:prstGeom prst="rect">
-            <a:avLst/>
-          </a:prstGeom>
-        </p:spPr>
-      </p:pic>
-      <p:pic>
-        <p:nvPicPr>
-          <p:cNvPr id="26" name="תמונה 25">
-            <a:extLst>
-              <a:ext uri="{FF2B5EF4-FFF2-40B4-BE49-F238E27FC236}">
-                <a16:creationId xmlns:a16="http://schemas.microsoft.com/office/drawing/2014/main" id="{B19E4983-C9EC-41BE-936E-AA4B6A3B3913}"/>
-              </a:ext>
-            </a:extLst>
-          </p:cNvPr>
-          <p:cNvPicPr>
-            <a:picLocks noChangeAspect="1"/>
-          </p:cNvPicPr>
-          <p:nvPr/>
-        </p:nvPicPr>
-        <p:blipFill>
-          <a:blip r:embed="rId7"/>
-          <a:stretch>
-            <a:fillRect/>
-          </a:stretch>
-        </p:blipFill>
-        <p:spPr>
-          <a:xfrm>
-            <a:off x="7638335" y="3984865"/>
-            <a:ext cx="3438525" cy="2657475"/>
+            <a:off x="1392684" y="2399293"/>
+            <a:ext cx="3797347" cy="3651550"/>
           </a:xfrm>
           <a:prstGeom prst="rect">
             <a:avLst/>
@@ -6096,7 +6045,7 @@
     </p:spTree>
     <p:extLst>
       <p:ext uri="{BB962C8B-B14F-4D97-AF65-F5344CB8AC3E}">
-        <p14:creationId xmlns:p14="http://schemas.microsoft.com/office/powerpoint/2010/main" val="757037119"/>
+        <p14:creationId xmlns:p14="http://schemas.microsoft.com/office/powerpoint/2010/main" val="2300717755"/>
       </p:ext>
     </p:extLst>
   </p:cSld>
@@ -6139,7 +6088,12 @@
             <p:ph type="title"/>
           </p:nvPr>
         </p:nvSpPr>
-        <p:spPr/>
+        <p:spPr>
+          <a:xfrm>
+            <a:off x="1655774" y="-414384"/>
+            <a:ext cx="10058400" cy="1609344"/>
+          </a:xfrm>
+        </p:spPr>
         <p:txBody>
           <a:bodyPr/>
           <a:lstStyle/>
@@ -6152,54 +6106,12 @@
           </a:p>
         </p:txBody>
       </p:sp>
-      <p:sp>
-        <p:nvSpPr>
-          <p:cNvPr id="7" name="תיבת טקסט 6">
+      <p:pic>
+        <p:nvPicPr>
+          <p:cNvPr id="24" name="תמונה 23">
             <a:extLst>
               <a:ext uri="{FF2B5EF4-FFF2-40B4-BE49-F238E27FC236}">
-                <a16:creationId xmlns:a16="http://schemas.microsoft.com/office/drawing/2014/main" id="{A12D4BDE-5E37-45B4-8A3B-83BE8B184E82}"/>
-              </a:ext>
-            </a:extLst>
-          </p:cNvPr>
-          <p:cNvSpPr txBox="1"/>
-          <p:nvPr/>
-        </p:nvSpPr>
-        <p:spPr>
-          <a:xfrm>
-            <a:off x="4327587" y="1703869"/>
-            <a:ext cx="6473578" cy="390107"/>
-          </a:xfrm>
-          <a:prstGeom prst="rect">
-            <a:avLst/>
-          </a:prstGeom>
-          <a:noFill/>
-        </p:spPr>
-        <p:txBody>
-          <a:bodyPr wrap="square">
-            <a:spAutoFit/>
-          </a:bodyPr>
-          <a:lstStyle/>
-          <a:p>
-            <a:pPr marL="285750" indent="-285750" algn="r" rtl="1">
-              <a:lnSpc>
-                <a:spcPct val="110000"/>
-              </a:lnSpc>
-              <a:buFont typeface="Arial" panose="020B0604020202020204" pitchFamily="34" charset="0"/>
-              <a:buChar char="•"/>
-            </a:pPr>
-            <a:r>
-              <a:rPr lang="he-IL" dirty="0"/>
-              <a:t>פרופורציית רשומות -  סוג הדיור לפי מגדר</a:t>
-            </a:r>
-          </a:p>
-        </p:txBody>
-      </p:sp>
-      <p:pic>
-        <p:nvPicPr>
-          <p:cNvPr id="4" name="תמונה 3">
-            <a:extLst>
-              <a:ext uri="{FF2B5EF4-FFF2-40B4-BE49-F238E27FC236}">
-                <a16:creationId xmlns:a16="http://schemas.microsoft.com/office/drawing/2014/main" id="{CA1CA952-8715-4E28-89DE-0F3B615E4AB9}"/>
+                <a16:creationId xmlns:a16="http://schemas.microsoft.com/office/drawing/2014/main" id="{CD7DC736-910F-4E42-A415-5053F3B6CD9A}"/>
               </a:ext>
             </a:extLst>
           </p:cNvPr>
@@ -6216,8 +6128,158 @@
         </p:blipFill>
         <p:spPr>
           <a:xfrm>
-            <a:off x="1207008" y="2118323"/>
-            <a:ext cx="8878824" cy="4581311"/>
+            <a:off x="4553666" y="3640774"/>
+            <a:ext cx="2734901" cy="3080771"/>
+          </a:xfrm>
+          <a:prstGeom prst="rect">
+            <a:avLst/>
+          </a:prstGeom>
+        </p:spPr>
+      </p:pic>
+      <p:pic>
+        <p:nvPicPr>
+          <p:cNvPr id="4" name="תמונה 3">
+            <a:extLst>
+              <a:ext uri="{FF2B5EF4-FFF2-40B4-BE49-F238E27FC236}">
+                <a16:creationId xmlns:a16="http://schemas.microsoft.com/office/drawing/2014/main" id="{3EBD05B3-8EF7-4630-B5FB-090A4007D3AC}"/>
+              </a:ext>
+            </a:extLst>
+          </p:cNvPr>
+          <p:cNvPicPr>
+            <a:picLocks noChangeAspect="1"/>
+          </p:cNvPicPr>
+          <p:nvPr/>
+        </p:nvPicPr>
+        <p:blipFill>
+          <a:blip r:embed="rId3"/>
+          <a:stretch>
+            <a:fillRect/>
+          </a:stretch>
+        </p:blipFill>
+        <p:spPr>
+          <a:xfrm>
+            <a:off x="8125276" y="795330"/>
+            <a:ext cx="2819400" cy="3048000"/>
+          </a:xfrm>
+          <a:prstGeom prst="rect">
+            <a:avLst/>
+          </a:prstGeom>
+        </p:spPr>
+      </p:pic>
+      <p:pic>
+        <p:nvPicPr>
+          <p:cNvPr id="6" name="תמונה 5">
+            <a:extLst>
+              <a:ext uri="{FF2B5EF4-FFF2-40B4-BE49-F238E27FC236}">
+                <a16:creationId xmlns:a16="http://schemas.microsoft.com/office/drawing/2014/main" id="{F0379176-DA48-4E07-8383-1966850D7AED}"/>
+              </a:ext>
+            </a:extLst>
+          </p:cNvPr>
+          <p:cNvPicPr>
+            <a:picLocks noChangeAspect="1"/>
+          </p:cNvPicPr>
+          <p:nvPr/>
+        </p:nvPicPr>
+        <p:blipFill>
+          <a:blip r:embed="rId4"/>
+          <a:stretch>
+            <a:fillRect/>
+          </a:stretch>
+        </p:blipFill>
+        <p:spPr>
+          <a:xfrm>
+            <a:off x="916607" y="3580959"/>
+            <a:ext cx="2800350" cy="3200400"/>
+          </a:xfrm>
+          <a:prstGeom prst="rect">
+            <a:avLst/>
+          </a:prstGeom>
+        </p:spPr>
+      </p:pic>
+      <p:pic>
+        <p:nvPicPr>
+          <p:cNvPr id="9" name="תמונה 8">
+            <a:extLst>
+              <a:ext uri="{FF2B5EF4-FFF2-40B4-BE49-F238E27FC236}">
+                <a16:creationId xmlns:a16="http://schemas.microsoft.com/office/drawing/2014/main" id="{44E506A3-3001-493D-BB0D-2806E2C2E1B7}"/>
+              </a:ext>
+            </a:extLst>
+          </p:cNvPr>
+          <p:cNvPicPr>
+            <a:picLocks noChangeAspect="1"/>
+          </p:cNvPicPr>
+          <p:nvPr/>
+        </p:nvPicPr>
+        <p:blipFill>
+          <a:blip r:embed="rId5"/>
+          <a:stretch>
+            <a:fillRect/>
+          </a:stretch>
+        </p:blipFill>
+        <p:spPr>
+          <a:xfrm>
+            <a:off x="477826" y="360627"/>
+            <a:ext cx="3073058" cy="3220332"/>
+          </a:xfrm>
+          <a:prstGeom prst="rect">
+            <a:avLst/>
+          </a:prstGeom>
+        </p:spPr>
+      </p:pic>
+      <p:pic>
+        <p:nvPicPr>
+          <p:cNvPr id="12" name="תמונה 11">
+            <a:extLst>
+              <a:ext uri="{FF2B5EF4-FFF2-40B4-BE49-F238E27FC236}">
+                <a16:creationId xmlns:a16="http://schemas.microsoft.com/office/drawing/2014/main" id="{04B2F7BF-EC26-4A70-A53B-2D798276190C}"/>
+              </a:ext>
+            </a:extLst>
+          </p:cNvPr>
+          <p:cNvPicPr>
+            <a:picLocks noChangeAspect="1"/>
+          </p:cNvPicPr>
+          <p:nvPr/>
+        </p:nvPicPr>
+        <p:blipFill>
+          <a:blip r:embed="rId6"/>
+          <a:stretch>
+            <a:fillRect/>
+          </a:stretch>
+        </p:blipFill>
+        <p:spPr>
+          <a:xfrm>
+            <a:off x="4413936" y="685623"/>
+            <a:ext cx="2550164" cy="2817241"/>
+          </a:xfrm>
+          <a:prstGeom prst="rect">
+            <a:avLst/>
+          </a:prstGeom>
+        </p:spPr>
+      </p:pic>
+      <p:pic>
+        <p:nvPicPr>
+          <p:cNvPr id="15" name="תמונה 14">
+            <a:extLst>
+              <a:ext uri="{FF2B5EF4-FFF2-40B4-BE49-F238E27FC236}">
+                <a16:creationId xmlns:a16="http://schemas.microsoft.com/office/drawing/2014/main" id="{4F1C5B1A-07AB-4C4C-9DFB-837252ED2BCD}"/>
+              </a:ext>
+            </a:extLst>
+          </p:cNvPr>
+          <p:cNvPicPr>
+            <a:picLocks noChangeAspect="1"/>
+          </p:cNvPicPr>
+          <p:nvPr/>
+        </p:nvPicPr>
+        <p:blipFill>
+          <a:blip r:embed="rId7"/>
+          <a:stretch>
+            <a:fillRect/>
+          </a:stretch>
+        </p:blipFill>
+        <p:spPr>
+          <a:xfrm>
+            <a:off x="7815713" y="3843330"/>
+            <a:ext cx="3438525" cy="2781300"/>
           </a:xfrm>
           <a:prstGeom prst="rect">
             <a:avLst/>
@@ -6227,7 +6289,7 @@
     </p:spTree>
     <p:extLst>
       <p:ext uri="{BB962C8B-B14F-4D97-AF65-F5344CB8AC3E}">
-        <p14:creationId xmlns:p14="http://schemas.microsoft.com/office/powerpoint/2010/main" val="2492311013"/>
+        <p14:creationId xmlns:p14="http://schemas.microsoft.com/office/powerpoint/2010/main" val="757037119"/>
       </p:ext>
     </p:extLst>
   </p:cSld>

--- a/eda_intoduction.pptx
+++ b/eda_intoduction.pptx
@@ -11,16 +11,20 @@
     <p:sldId id="259" r:id="rId5"/>
     <p:sldId id="274" r:id="rId6"/>
     <p:sldId id="261" r:id="rId7"/>
-    <p:sldId id="271" r:id="rId8"/>
-    <p:sldId id="263" r:id="rId9"/>
-    <p:sldId id="270" r:id="rId10"/>
-    <p:sldId id="264" r:id="rId11"/>
-    <p:sldId id="265" r:id="rId12"/>
-    <p:sldId id="267" r:id="rId13"/>
-    <p:sldId id="272" r:id="rId14"/>
-    <p:sldId id="273" r:id="rId15"/>
-    <p:sldId id="260" r:id="rId16"/>
-    <p:sldId id="268" r:id="rId17"/>
+    <p:sldId id="284" r:id="rId8"/>
+    <p:sldId id="271" r:id="rId9"/>
+    <p:sldId id="275" r:id="rId10"/>
+    <p:sldId id="276" r:id="rId11"/>
+    <p:sldId id="277" r:id="rId12"/>
+    <p:sldId id="278" r:id="rId13"/>
+    <p:sldId id="279" r:id="rId14"/>
+    <p:sldId id="282" r:id="rId15"/>
+    <p:sldId id="283" r:id="rId16"/>
+    <p:sldId id="280" r:id="rId17"/>
+    <p:sldId id="281" r:id="rId18"/>
+    <p:sldId id="285" r:id="rId19"/>
+    <p:sldId id="273" r:id="rId20"/>
+    <p:sldId id="270" r:id="rId21"/>
   </p:sldIdLst>
   <p:sldSz cx="12192000" cy="6858000"/>
   <p:notesSz cx="6858000" cy="9144000"/>
@@ -530,7 +534,7 @@
           <a:p>
             <a:fld id="{83284890-85D2-4D7B-8EF5-15A9C1DB8F42}" type="datetimeFigureOut">
               <a:rPr lang="en-US" dirty="0"/>
-              <a:t>8/30/2021</a:t>
+              <a:t>9/4/2021</a:t>
             </a:fld>
             <a:endParaRPr lang="en-US" dirty="0"/>
           </a:p>
@@ -705,7 +709,7 @@
           <a:p>
             <a:fld id="{87157CC2-0FC8-4686-B024-99790E0F5162}" type="datetimeFigureOut">
               <a:rPr lang="en-US" dirty="0"/>
-              <a:t>8/30/2021</a:t>
+              <a:t>9/4/2021</a:t>
             </a:fld>
             <a:endParaRPr lang="en-US" dirty="0"/>
           </a:p>
@@ -880,7 +884,7 @@
           <a:p>
             <a:fld id="{F6764DA5-CD3D-4590-A511-FCD3BC7A793E}" type="datetimeFigureOut">
               <a:rPr lang="en-US" dirty="0"/>
-              <a:t>8/30/2021</a:t>
+              <a:t>9/4/2021</a:t>
             </a:fld>
             <a:endParaRPr lang="en-US" dirty="0"/>
           </a:p>
@@ -1045,7 +1049,7 @@
           <a:p>
             <a:fld id="{82F5661D-6934-4B32-B92C-470368BF1EC6}" type="datetimeFigureOut">
               <a:rPr lang="en-US" dirty="0"/>
-              <a:t>8/30/2021</a:t>
+              <a:t>9/4/2021</a:t>
             </a:fld>
             <a:endParaRPr lang="en-US" dirty="0"/>
           </a:p>
@@ -1353,7 +1357,7 @@
           <a:p>
             <a:fld id="{C6F822A4-8DA6-4447-9B1F-C5DB58435268}" type="datetimeFigureOut">
               <a:rPr lang="en-US" dirty="0"/>
-              <a:t>8/30/2021</a:t>
+              <a:t>9/4/2021</a:t>
             </a:fld>
             <a:endParaRPr lang="en-US" dirty="0"/>
           </a:p>
@@ -1735,7 +1739,7 @@
           <a:p>
             <a:fld id="{E548D31E-DCDA-41A7-9C67-C4B11B94D21D}" type="datetimeFigureOut">
               <a:rPr lang="en-US" dirty="0"/>
-              <a:t>8/30/2021</a:t>
+              <a:t>9/4/2021</a:t>
             </a:fld>
             <a:endParaRPr lang="en-US" dirty="0"/>
           </a:p>
@@ -2164,7 +2168,7 @@
           <a:p>
             <a:fld id="{9B3762C0-B258-48F1-ADE6-176B4174CCDD}" type="datetimeFigureOut">
               <a:rPr lang="en-US" dirty="0"/>
-              <a:t>8/30/2021</a:t>
+              <a:t>9/4/2021</a:t>
             </a:fld>
             <a:endParaRPr lang="en-US" dirty="0"/>
           </a:p>
@@ -2277,7 +2281,7 @@
           <a:p>
             <a:fld id="{677919A6-33EB-49BD-A62F-1FA56B9F9712}" type="datetimeFigureOut">
               <a:rPr lang="en-US" dirty="0"/>
-              <a:t>8/30/2021</a:t>
+              <a:t>9/4/2021</a:t>
             </a:fld>
             <a:endParaRPr lang="en-US" dirty="0"/>
           </a:p>
@@ -2367,7 +2371,7 @@
           <a:p>
             <a:fld id="{CA4E7D1B-D673-4CF6-8672-009D42ABD2A0}" type="datetimeFigureOut">
               <a:rPr lang="en-US" dirty="0"/>
-              <a:t>8/30/2021</a:t>
+              <a:t>9/4/2021</a:t>
             </a:fld>
             <a:endParaRPr lang="en-US" dirty="0"/>
           </a:p>
@@ -2712,7 +2716,7 @@
           <a:p>
             <a:fld id="{DA16AA21-1863-4931-97CB-99D0A168701B}" type="datetimeFigureOut">
               <a:rPr lang="en-US" dirty="0"/>
-              <a:t>8/30/2021</a:t>
+              <a:t>9/4/2021</a:t>
             </a:fld>
             <a:endParaRPr lang="en-US" dirty="0"/>
           </a:p>
@@ -3132,7 +3136,7 @@
           <a:p>
             <a:fld id="{3772C379-9A7C-4C87-A116-CBE9F58B04C5}" type="datetimeFigureOut">
               <a:rPr lang="en-US" dirty="0"/>
-              <a:t>8/30/2021</a:t>
+              <a:t>9/4/2021</a:t>
             </a:fld>
             <a:endParaRPr lang="en-US" dirty="0"/>
           </a:p>
@@ -3408,7 +3412,7 @@
           <a:p>
             <a:fld id="{8664C608-40B1-4030-A28D-5B74BC98ADCE}" type="datetimeFigureOut">
               <a:rPr lang="en-US" dirty="0"/>
-              <a:t>8/30/2021</a:t>
+              <a:t>9/4/2021</a:t>
             </a:fld>
             <a:endParaRPr lang="en-US" dirty="0"/>
           </a:p>
@@ -4064,50 +4068,67 @@
             <a:pPr algn="r"/>
             <a:r>
               <a:rPr lang="he-IL" dirty="0"/>
-              <a:t>היכרות  עם הנתונים	</a:t>
-            </a:r>
-          </a:p>
-        </p:txBody>
-      </p:sp>
-      <p:sp>
-        <p:nvSpPr>
-          <p:cNvPr id="7" name="תיבת טקסט 6">
+              <a:t>היכרות עם הנתונים</a:t>
+            </a:r>
+          </a:p>
+        </p:txBody>
+      </p:sp>
+      <p:sp>
+        <p:nvSpPr>
+          <p:cNvPr id="3" name="מציין מיקום תוכן 2">
             <a:extLst>
               <a:ext uri="{FF2B5EF4-FFF2-40B4-BE49-F238E27FC236}">
-                <a16:creationId xmlns:a16="http://schemas.microsoft.com/office/drawing/2014/main" id="{A12D4BDE-5E37-45B4-8A3B-83BE8B184E82}"/>
+                <a16:creationId xmlns:a16="http://schemas.microsoft.com/office/drawing/2014/main" id="{F503CA34-A7B7-401C-BF52-FF4FF88F04B5}"/>
               </a:ext>
             </a:extLst>
           </p:cNvPr>
-          <p:cNvSpPr txBox="1"/>
-          <p:nvPr/>
-        </p:nvSpPr>
-        <p:spPr>
-          <a:xfrm>
-            <a:off x="4327587" y="1703869"/>
-            <a:ext cx="6473578" cy="390107"/>
-          </a:xfrm>
-          <a:prstGeom prst="rect">
-            <a:avLst/>
-          </a:prstGeom>
-          <a:noFill/>
-        </p:spPr>
-        <p:txBody>
-          <a:bodyPr wrap="square">
-            <a:spAutoFit/>
+          <p:cNvSpPr>
+            <a:spLocks noGrp="1"/>
+          </p:cNvSpPr>
+          <p:nvPr>
+            <p:ph idx="1"/>
+          </p:nvPr>
+        </p:nvSpPr>
+        <p:spPr>
+          <a:xfrm>
+            <a:off x="1282912" y="1677525"/>
+            <a:ext cx="10058400" cy="4050792"/>
+          </a:xfrm>
+        </p:spPr>
+        <p:txBody>
+          <a:bodyPr>
+            <a:normAutofit/>
           </a:bodyPr>
           <a:lstStyle/>
           <a:p>
-            <a:pPr marL="285750" indent="-285750" algn="r" rtl="1">
+            <a:pPr>
               <a:lnSpc>
                 <a:spcPct val="110000"/>
               </a:lnSpc>
-              <a:buFont typeface="Arial" panose="020B0604020202020204" pitchFamily="34" charset="0"/>
-              <a:buChar char="•"/>
             </a:pPr>
             <a:r>
               <a:rPr lang="he-IL" dirty="0"/>
-              <a:t>פרופורציית רשומות -  סוג הדיור לפי מגדר</a:t>
-            </a:r>
+              <a:t>כמות פניות ממוצעת פר מגדר</a:t>
+            </a:r>
+          </a:p>
+          <a:p>
+            <a:pPr>
+              <a:lnSpc>
+                <a:spcPct val="110000"/>
+              </a:lnSpc>
+            </a:pPr>
+            <a:endParaRPr lang="he-IL" dirty="0"/>
+          </a:p>
+          <a:p>
+            <a:pPr lvl="1">
+              <a:lnSpc>
+                <a:spcPct val="110000"/>
+              </a:lnSpc>
+            </a:pPr>
+            <a:endParaRPr lang="he-IL" dirty="0"/>
+          </a:p>
+          <a:p>
+            <a:endParaRPr lang="he-IL" dirty="0"/>
           </a:p>
         </p:txBody>
       </p:sp>
@@ -4116,7 +4137,7 @@
           <p:cNvPr id="5" name="תמונה 4">
             <a:extLst>
               <a:ext uri="{FF2B5EF4-FFF2-40B4-BE49-F238E27FC236}">
-                <a16:creationId xmlns:a16="http://schemas.microsoft.com/office/drawing/2014/main" id="{28246FE8-F43D-4F3C-906E-CCD314DFB0E5}"/>
+                <a16:creationId xmlns:a16="http://schemas.microsoft.com/office/drawing/2014/main" id="{7F992204-B4B1-434E-A767-AF53406570F8}"/>
               </a:ext>
             </a:extLst>
           </p:cNvPr>
@@ -4133,8 +4154,8 @@
         </p:blipFill>
         <p:spPr>
           <a:xfrm>
-            <a:off x="1217767" y="2093976"/>
-            <a:ext cx="8512160" cy="4508263"/>
+            <a:off x="1864312" y="2093976"/>
+            <a:ext cx="7972008" cy="4346468"/>
           </a:xfrm>
           <a:prstGeom prst="rect">
             <a:avLst/>
@@ -4144,7 +4165,7 @@
     </p:spTree>
     <p:extLst>
       <p:ext uri="{BB962C8B-B14F-4D97-AF65-F5344CB8AC3E}">
-        <p14:creationId xmlns:p14="http://schemas.microsoft.com/office/powerpoint/2010/main" val="2492311013"/>
+        <p14:creationId xmlns:p14="http://schemas.microsoft.com/office/powerpoint/2010/main" val="2595426786"/>
       </p:ext>
     </p:extLst>
   </p:cSld>
@@ -4195,59 +4216,66 @@
             <a:pPr algn="r"/>
             <a:r>
               <a:rPr lang="he-IL" dirty="0"/>
-              <a:t>היכרות  עם הנתונים	</a:t>
-            </a:r>
-          </a:p>
-        </p:txBody>
-      </p:sp>
-      <p:sp>
-        <p:nvSpPr>
-          <p:cNvPr id="7" name="תיבת טקסט 6">
+              <a:t>היכרות עם הנתונים</a:t>
+            </a:r>
+          </a:p>
+        </p:txBody>
+      </p:sp>
+      <p:sp>
+        <p:nvSpPr>
+          <p:cNvPr id="3" name="מציין מיקום תוכן 2">
             <a:extLst>
               <a:ext uri="{FF2B5EF4-FFF2-40B4-BE49-F238E27FC236}">
-                <a16:creationId xmlns:a16="http://schemas.microsoft.com/office/drawing/2014/main" id="{A12D4BDE-5E37-45B4-8A3B-83BE8B184E82}"/>
+                <a16:creationId xmlns:a16="http://schemas.microsoft.com/office/drawing/2014/main" id="{F503CA34-A7B7-401C-BF52-FF4FF88F04B5}"/>
               </a:ext>
             </a:extLst>
           </p:cNvPr>
-          <p:cNvSpPr txBox="1"/>
-          <p:nvPr/>
-        </p:nvSpPr>
-        <p:spPr>
-          <a:xfrm>
-            <a:off x="4327587" y="1703869"/>
-            <a:ext cx="6473578" cy="390107"/>
-          </a:xfrm>
-          <a:prstGeom prst="rect">
-            <a:avLst/>
-          </a:prstGeom>
-          <a:noFill/>
-        </p:spPr>
-        <p:txBody>
-          <a:bodyPr wrap="square">
-            <a:spAutoFit/>
+          <p:cNvSpPr>
+            <a:spLocks noGrp="1"/>
+          </p:cNvSpPr>
+          <p:nvPr>
+            <p:ph idx="1"/>
+          </p:nvPr>
+        </p:nvSpPr>
+        <p:spPr>
+          <a:xfrm>
+            <a:off x="1282912" y="1677525"/>
+            <a:ext cx="10058400" cy="4050792"/>
+          </a:xfrm>
+        </p:spPr>
+        <p:txBody>
+          <a:bodyPr>
+            <a:normAutofit/>
           </a:bodyPr>
           <a:lstStyle/>
           <a:p>
-            <a:pPr marL="285750" indent="-285750" algn="r" rtl="1">
+            <a:pPr marL="0" indent="0">
               <a:lnSpc>
                 <a:spcPct val="110000"/>
               </a:lnSpc>
-              <a:buFont typeface="Arial" panose="020B0604020202020204" pitchFamily="34" charset="0"/>
-              <a:buChar char="•"/>
+              <a:buNone/>
             </a:pPr>
-            <a:r>
-              <a:rPr lang="he-IL" dirty="0"/>
-              <a:t>התפלגות סוגי האירוע לפי סוג הדיור</a:t>
-            </a:r>
+            <a:endParaRPr lang="he-IL" dirty="0"/>
+          </a:p>
+          <a:p>
+            <a:pPr lvl="1">
+              <a:lnSpc>
+                <a:spcPct val="110000"/>
+              </a:lnSpc>
+            </a:pPr>
+            <a:endParaRPr lang="he-IL" dirty="0"/>
+          </a:p>
+          <a:p>
+            <a:endParaRPr lang="he-IL" dirty="0"/>
           </a:p>
         </p:txBody>
       </p:sp>
       <p:pic>
         <p:nvPicPr>
-          <p:cNvPr id="4" name="תמונה 3">
+          <p:cNvPr id="8" name="תמונה 7">
             <a:extLst>
               <a:ext uri="{FF2B5EF4-FFF2-40B4-BE49-F238E27FC236}">
-                <a16:creationId xmlns:a16="http://schemas.microsoft.com/office/drawing/2014/main" id="{E257E7E5-BC5E-449B-9275-47E3AA8217FF}"/>
+                <a16:creationId xmlns:a16="http://schemas.microsoft.com/office/drawing/2014/main" id="{78C12D27-87A3-465A-9B99-F4B3E606C3A1}"/>
               </a:ext>
             </a:extLst>
           </p:cNvPr>
@@ -4264,8 +4292,128 @@
         </p:blipFill>
         <p:spPr>
           <a:xfrm>
-            <a:off x="1284304" y="2004065"/>
-            <a:ext cx="8685320" cy="4714203"/>
+            <a:off x="1503133" y="1951934"/>
+            <a:ext cx="4073990" cy="4165074"/>
+          </a:xfrm>
+          <a:prstGeom prst="rect">
+            <a:avLst/>
+          </a:prstGeom>
+        </p:spPr>
+      </p:pic>
+      <p:cxnSp>
+        <p:nvCxnSpPr>
+          <p:cNvPr id="10" name="מחבר חץ ישר 9">
+            <a:extLst>
+              <a:ext uri="{FF2B5EF4-FFF2-40B4-BE49-F238E27FC236}">
+                <a16:creationId xmlns:a16="http://schemas.microsoft.com/office/drawing/2014/main" id="{10F494C9-BE90-4244-8A4A-0E97209EADFA}"/>
+              </a:ext>
+            </a:extLst>
+          </p:cNvPr>
+          <p:cNvCxnSpPr>
+            <a:cxnSpLocks/>
+          </p:cNvCxnSpPr>
+          <p:nvPr/>
+        </p:nvCxnSpPr>
+        <p:spPr>
+          <a:xfrm flipH="1" flipV="1">
+            <a:off x="1652108" y="1146792"/>
+            <a:ext cx="957927" cy="947184"/>
+          </a:xfrm>
+          <a:prstGeom prst="straightConnector1">
+            <a:avLst/>
+          </a:prstGeom>
+          <a:ln>
+            <a:tailEnd type="triangle"/>
+          </a:ln>
+        </p:spPr>
+        <p:style>
+          <a:lnRef idx="1">
+            <a:schemeClr val="accent1"/>
+          </a:lnRef>
+          <a:fillRef idx="0">
+            <a:schemeClr val="accent1"/>
+          </a:fillRef>
+          <a:effectRef idx="0">
+            <a:schemeClr val="accent1"/>
+          </a:effectRef>
+          <a:fontRef idx="minor">
+            <a:schemeClr val="tx1"/>
+          </a:fontRef>
+        </p:style>
+      </p:cxnSp>
+      <p:sp>
+        <p:nvSpPr>
+          <p:cNvPr id="11" name="מלבן: פינות מעוגלות 10">
+            <a:extLst>
+              <a:ext uri="{FF2B5EF4-FFF2-40B4-BE49-F238E27FC236}">
+                <a16:creationId xmlns:a16="http://schemas.microsoft.com/office/drawing/2014/main" id="{B0B79143-D568-4B47-98B7-CDA5873EDCFB}"/>
+              </a:ext>
+            </a:extLst>
+          </p:cNvPr>
+          <p:cNvSpPr/>
+          <p:nvPr/>
+        </p:nvSpPr>
+        <p:spPr>
+          <a:xfrm>
+            <a:off x="168676" y="230819"/>
+            <a:ext cx="1997476" cy="898863"/>
+          </a:xfrm>
+          <a:prstGeom prst="roundRect">
+            <a:avLst/>
+          </a:prstGeom>
+        </p:spPr>
+        <p:style>
+          <a:lnRef idx="2">
+            <a:schemeClr val="accent5">
+              <a:shade val="50000"/>
+            </a:schemeClr>
+          </a:lnRef>
+          <a:fillRef idx="1">
+            <a:schemeClr val="accent5"/>
+          </a:fillRef>
+          <a:effectRef idx="0">
+            <a:schemeClr val="accent5"/>
+          </a:effectRef>
+          <a:fontRef idx="minor">
+            <a:schemeClr val="lt1"/>
+          </a:fontRef>
+        </p:style>
+        <p:txBody>
+          <a:bodyPr rtlCol="1" anchor="ctr"/>
+          <a:lstStyle/>
+          <a:p>
+            <a:pPr algn="ctr"/>
+            <a:r>
+              <a:rPr lang="he-IL" sz="1100" dirty="0"/>
+              <a:t>החלפתי את רמת בדידות בן משפחה בזוג עקב כך שכל מי שהיה מוגדר כבן משפחה היה זוג  (מעט מאוד אנשים)</a:t>
+            </a:r>
+          </a:p>
+        </p:txBody>
+      </p:sp>
+      <p:pic>
+        <p:nvPicPr>
+          <p:cNvPr id="18" name="תמונה 17">
+            <a:extLst>
+              <a:ext uri="{FF2B5EF4-FFF2-40B4-BE49-F238E27FC236}">
+                <a16:creationId xmlns:a16="http://schemas.microsoft.com/office/drawing/2014/main" id="{D62C892B-FDCD-4434-ADAB-97D9911C15C8}"/>
+              </a:ext>
+            </a:extLst>
+          </p:cNvPr>
+          <p:cNvPicPr>
+            <a:picLocks noChangeAspect="1"/>
+          </p:cNvPicPr>
+          <p:nvPr/>
+        </p:nvPicPr>
+        <p:blipFill>
+          <a:blip r:embed="rId3"/>
+          <a:stretch>
+            <a:fillRect/>
+          </a:stretch>
+        </p:blipFill>
+        <p:spPr>
+          <a:xfrm>
+            <a:off x="6385773" y="1951934"/>
+            <a:ext cx="3933825" cy="4152900"/>
           </a:xfrm>
           <a:prstGeom prst="rect">
             <a:avLst/>
@@ -4275,7 +4423,7 @@
     </p:spTree>
     <p:extLst>
       <p:ext uri="{BB962C8B-B14F-4D97-AF65-F5344CB8AC3E}">
-        <p14:creationId xmlns:p14="http://schemas.microsoft.com/office/powerpoint/2010/main" val="3110573605"/>
+        <p14:creationId xmlns:p14="http://schemas.microsoft.com/office/powerpoint/2010/main" val="675387584"/>
       </p:ext>
     </p:extLst>
   </p:cSld>
@@ -4326,59 +4474,66 @@
             <a:pPr algn="r"/>
             <a:r>
               <a:rPr lang="he-IL" dirty="0"/>
-              <a:t>היכרות  עם הנתונים	</a:t>
-            </a:r>
-          </a:p>
-        </p:txBody>
-      </p:sp>
-      <p:sp>
-        <p:nvSpPr>
-          <p:cNvPr id="7" name="תיבת טקסט 6">
+              <a:t>היכרות עם הנתונים</a:t>
+            </a:r>
+          </a:p>
+        </p:txBody>
+      </p:sp>
+      <p:sp>
+        <p:nvSpPr>
+          <p:cNvPr id="3" name="מציין מיקום תוכן 2">
             <a:extLst>
               <a:ext uri="{FF2B5EF4-FFF2-40B4-BE49-F238E27FC236}">
-                <a16:creationId xmlns:a16="http://schemas.microsoft.com/office/drawing/2014/main" id="{A12D4BDE-5E37-45B4-8A3B-83BE8B184E82}"/>
+                <a16:creationId xmlns:a16="http://schemas.microsoft.com/office/drawing/2014/main" id="{F503CA34-A7B7-401C-BF52-FF4FF88F04B5}"/>
               </a:ext>
             </a:extLst>
           </p:cNvPr>
-          <p:cNvSpPr txBox="1"/>
-          <p:nvPr/>
-        </p:nvSpPr>
-        <p:spPr>
-          <a:xfrm>
-            <a:off x="4327587" y="1703869"/>
-            <a:ext cx="6473578" cy="390107"/>
-          </a:xfrm>
-          <a:prstGeom prst="rect">
-            <a:avLst/>
-          </a:prstGeom>
-          <a:noFill/>
-        </p:spPr>
-        <p:txBody>
-          <a:bodyPr wrap="square">
-            <a:spAutoFit/>
+          <p:cNvSpPr>
+            <a:spLocks noGrp="1"/>
+          </p:cNvSpPr>
+          <p:nvPr>
+            <p:ph idx="1"/>
+          </p:nvPr>
+        </p:nvSpPr>
+        <p:spPr>
+          <a:xfrm>
+            <a:off x="1282912" y="1677525"/>
+            <a:ext cx="10058400" cy="4050792"/>
+          </a:xfrm>
+        </p:spPr>
+        <p:txBody>
+          <a:bodyPr>
+            <a:normAutofit/>
           </a:bodyPr>
           <a:lstStyle/>
           <a:p>
-            <a:pPr marL="285750" indent="-285750" algn="r" rtl="1">
+            <a:pPr marL="0" indent="0">
               <a:lnSpc>
                 <a:spcPct val="110000"/>
               </a:lnSpc>
-              <a:buFont typeface="Arial" panose="020B0604020202020204" pitchFamily="34" charset="0"/>
-              <a:buChar char="•"/>
+              <a:buNone/>
             </a:pPr>
-            <a:r>
-              <a:rPr lang="he-IL" dirty="0"/>
-              <a:t>התפלגות הרכב משפחתי (רמת בדידות) לפי סוג דיור </a:t>
-            </a:r>
+            <a:endParaRPr lang="he-IL" dirty="0"/>
+          </a:p>
+          <a:p>
+            <a:pPr lvl="1">
+              <a:lnSpc>
+                <a:spcPct val="110000"/>
+              </a:lnSpc>
+            </a:pPr>
+            <a:endParaRPr lang="he-IL" dirty="0"/>
+          </a:p>
+          <a:p>
+            <a:endParaRPr lang="he-IL" dirty="0"/>
           </a:p>
         </p:txBody>
       </p:sp>
       <p:pic>
         <p:nvPicPr>
-          <p:cNvPr id="5" name="תמונה 4">
+          <p:cNvPr id="9" name="תמונה 8">
             <a:extLst>
               <a:ext uri="{FF2B5EF4-FFF2-40B4-BE49-F238E27FC236}">
-                <a16:creationId xmlns:a16="http://schemas.microsoft.com/office/drawing/2014/main" id="{D7DDE49A-A4E5-4FA8-AEBE-77F7BD427342}"/>
+                <a16:creationId xmlns:a16="http://schemas.microsoft.com/office/drawing/2014/main" id="{1F122A14-0521-42E7-9BDB-2BAB70F284DF}"/>
               </a:ext>
             </a:extLst>
           </p:cNvPr>
@@ -4395,8 +4550,38 @@
         </p:blipFill>
         <p:spPr>
           <a:xfrm>
-            <a:off x="1162975" y="2014077"/>
-            <a:ext cx="8705253" cy="4690502"/>
+            <a:off x="6460617" y="1800474"/>
+            <a:ext cx="4057854" cy="4165074"/>
+          </a:xfrm>
+          <a:prstGeom prst="rect">
+            <a:avLst/>
+          </a:prstGeom>
+        </p:spPr>
+      </p:pic>
+      <p:pic>
+        <p:nvPicPr>
+          <p:cNvPr id="6" name="תמונה 5">
+            <a:extLst>
+              <a:ext uri="{FF2B5EF4-FFF2-40B4-BE49-F238E27FC236}">
+                <a16:creationId xmlns:a16="http://schemas.microsoft.com/office/drawing/2014/main" id="{B4271A6E-9F2B-4DC7-8967-1B5F1ACEF001}"/>
+              </a:ext>
+            </a:extLst>
+          </p:cNvPr>
+          <p:cNvPicPr>
+            <a:picLocks noChangeAspect="1"/>
+          </p:cNvPicPr>
+          <p:nvPr/>
+        </p:nvPicPr>
+        <p:blipFill>
+          <a:blip r:embed="rId3"/>
+          <a:stretch>
+            <a:fillRect/>
+          </a:stretch>
+        </p:blipFill>
+        <p:spPr>
+          <a:xfrm>
+            <a:off x="1444541" y="1942515"/>
+            <a:ext cx="3909670" cy="4079305"/>
           </a:xfrm>
           <a:prstGeom prst="rect">
             <a:avLst/>
@@ -4406,7 +4591,7 @@
     </p:spTree>
     <p:extLst>
       <p:ext uri="{BB962C8B-B14F-4D97-AF65-F5344CB8AC3E}">
-        <p14:creationId xmlns:p14="http://schemas.microsoft.com/office/powerpoint/2010/main" val="212187985"/>
+        <p14:creationId xmlns:p14="http://schemas.microsoft.com/office/powerpoint/2010/main" val="923557319"/>
       </p:ext>
     </p:extLst>
   </p:cSld>
@@ -4457,17 +4642,66 @@
             <a:pPr algn="r"/>
             <a:r>
               <a:rPr lang="he-IL" dirty="0"/>
-              <a:t>היכרות  עם הנתונים	</a:t>
-            </a:r>
+              <a:t>היכרות עם הנתונים</a:t>
+            </a:r>
+          </a:p>
+        </p:txBody>
+      </p:sp>
+      <p:sp>
+        <p:nvSpPr>
+          <p:cNvPr id="3" name="מציין מיקום תוכן 2">
+            <a:extLst>
+              <a:ext uri="{FF2B5EF4-FFF2-40B4-BE49-F238E27FC236}">
+                <a16:creationId xmlns:a16="http://schemas.microsoft.com/office/drawing/2014/main" id="{F503CA34-A7B7-401C-BF52-FF4FF88F04B5}"/>
+              </a:ext>
+            </a:extLst>
+          </p:cNvPr>
+          <p:cNvSpPr>
+            <a:spLocks noGrp="1"/>
+          </p:cNvSpPr>
+          <p:nvPr>
+            <p:ph idx="1"/>
+          </p:nvPr>
+        </p:nvSpPr>
+        <p:spPr>
+          <a:xfrm>
+            <a:off x="1282912" y="1677525"/>
+            <a:ext cx="10058400" cy="4050792"/>
+          </a:xfrm>
+        </p:spPr>
+        <p:txBody>
+          <a:bodyPr>
+            <a:normAutofit/>
+          </a:bodyPr>
+          <a:lstStyle/>
+          <a:p>
+            <a:pPr marL="0" indent="0">
+              <a:lnSpc>
+                <a:spcPct val="110000"/>
+              </a:lnSpc>
+              <a:buNone/>
+            </a:pPr>
+            <a:endParaRPr lang="he-IL" dirty="0"/>
+          </a:p>
+          <a:p>
+            <a:pPr lvl="1">
+              <a:lnSpc>
+                <a:spcPct val="110000"/>
+              </a:lnSpc>
+            </a:pPr>
+            <a:endParaRPr lang="he-IL" dirty="0"/>
+          </a:p>
+          <a:p>
+            <a:endParaRPr lang="he-IL" dirty="0"/>
           </a:p>
         </p:txBody>
       </p:sp>
       <p:pic>
         <p:nvPicPr>
-          <p:cNvPr id="4" name="תמונה 3">
+          <p:cNvPr id="5" name="תמונה 4">
             <a:extLst>
               <a:ext uri="{FF2B5EF4-FFF2-40B4-BE49-F238E27FC236}">
-                <a16:creationId xmlns:a16="http://schemas.microsoft.com/office/drawing/2014/main" id="{B7A8BA3F-36B6-4478-9D53-FDEEAD99F00F}"/>
+                <a16:creationId xmlns:a16="http://schemas.microsoft.com/office/drawing/2014/main" id="{44838433-C20D-4422-90BD-D4C8351FCE4B}"/>
               </a:ext>
             </a:extLst>
           </p:cNvPr>
@@ -4484,8 +4718,38 @@
         </p:blipFill>
         <p:spPr>
           <a:xfrm>
-            <a:off x="2175029" y="1537031"/>
-            <a:ext cx="6056236" cy="4836337"/>
+            <a:off x="390616" y="1517726"/>
+            <a:ext cx="5268803" cy="5286337"/>
+          </a:xfrm>
+          <a:prstGeom prst="rect">
+            <a:avLst/>
+          </a:prstGeom>
+        </p:spPr>
+      </p:pic>
+      <p:pic>
+        <p:nvPicPr>
+          <p:cNvPr id="6" name="תמונה 5">
+            <a:extLst>
+              <a:ext uri="{FF2B5EF4-FFF2-40B4-BE49-F238E27FC236}">
+                <a16:creationId xmlns:a16="http://schemas.microsoft.com/office/drawing/2014/main" id="{2B6F212F-05F6-458F-BD0E-DA3E301A3E97}"/>
+              </a:ext>
+            </a:extLst>
+          </p:cNvPr>
+          <p:cNvPicPr>
+            <a:picLocks noChangeAspect="1"/>
+          </p:cNvPicPr>
+          <p:nvPr/>
+        </p:nvPicPr>
+        <p:blipFill>
+          <a:blip r:embed="rId3"/>
+          <a:stretch>
+            <a:fillRect/>
+          </a:stretch>
+        </p:blipFill>
+        <p:spPr>
+          <a:xfrm>
+            <a:off x="5872483" y="1555458"/>
+            <a:ext cx="5138570" cy="5092826"/>
           </a:xfrm>
           <a:prstGeom prst="rect">
             <a:avLst/>
@@ -4495,7 +4759,7 @@
     </p:spTree>
     <p:extLst>
       <p:ext uri="{BB962C8B-B14F-4D97-AF65-F5344CB8AC3E}">
-        <p14:creationId xmlns:p14="http://schemas.microsoft.com/office/powerpoint/2010/main" val="2397845800"/>
+        <p14:creationId xmlns:p14="http://schemas.microsoft.com/office/powerpoint/2010/main" val="2681347971"/>
       </p:ext>
     </p:extLst>
   </p:cSld>
@@ -4538,12 +4802,7 @@
             <p:ph type="title"/>
           </p:nvPr>
         </p:nvSpPr>
-        <p:spPr>
-          <a:xfrm>
-            <a:off x="1963747" y="123739"/>
-            <a:ext cx="10058400" cy="1609344"/>
-          </a:xfrm>
-        </p:spPr>
+        <p:spPr/>
         <p:txBody>
           <a:bodyPr/>
           <a:lstStyle/>
@@ -4551,17 +4810,66 @@
             <a:pPr algn="r"/>
             <a:r>
               <a:rPr lang="he-IL" dirty="0"/>
-              <a:t>היכרות  עם הנתונים	</a:t>
-            </a:r>
+              <a:t>היכרות עם הנתונים</a:t>
+            </a:r>
+          </a:p>
+        </p:txBody>
+      </p:sp>
+      <p:sp>
+        <p:nvSpPr>
+          <p:cNvPr id="3" name="מציין מיקום תוכן 2">
+            <a:extLst>
+              <a:ext uri="{FF2B5EF4-FFF2-40B4-BE49-F238E27FC236}">
+                <a16:creationId xmlns:a16="http://schemas.microsoft.com/office/drawing/2014/main" id="{F503CA34-A7B7-401C-BF52-FF4FF88F04B5}"/>
+              </a:ext>
+            </a:extLst>
+          </p:cNvPr>
+          <p:cNvSpPr>
+            <a:spLocks noGrp="1"/>
+          </p:cNvSpPr>
+          <p:nvPr>
+            <p:ph idx="1"/>
+          </p:nvPr>
+        </p:nvSpPr>
+        <p:spPr>
+          <a:xfrm>
+            <a:off x="1282912" y="1677525"/>
+            <a:ext cx="10058400" cy="4050792"/>
+          </a:xfrm>
+        </p:spPr>
+        <p:txBody>
+          <a:bodyPr>
+            <a:normAutofit/>
+          </a:bodyPr>
+          <a:lstStyle/>
+          <a:p>
+            <a:pPr marL="0" indent="0">
+              <a:lnSpc>
+                <a:spcPct val="110000"/>
+              </a:lnSpc>
+              <a:buNone/>
+            </a:pPr>
+            <a:endParaRPr lang="he-IL" dirty="0"/>
+          </a:p>
+          <a:p>
+            <a:pPr lvl="1">
+              <a:lnSpc>
+                <a:spcPct val="110000"/>
+              </a:lnSpc>
+            </a:pPr>
+            <a:endParaRPr lang="he-IL" dirty="0"/>
+          </a:p>
+          <a:p>
+            <a:endParaRPr lang="he-IL" dirty="0"/>
           </a:p>
         </p:txBody>
       </p:sp>
       <p:pic>
         <p:nvPicPr>
-          <p:cNvPr id="5" name="תמונה 4">
+          <p:cNvPr id="6" name="תמונה 5">
             <a:extLst>
               <a:ext uri="{FF2B5EF4-FFF2-40B4-BE49-F238E27FC236}">
-                <a16:creationId xmlns:a16="http://schemas.microsoft.com/office/drawing/2014/main" id="{EBB3F874-16CA-4103-9635-800AB8C03E5F}"/>
+                <a16:creationId xmlns:a16="http://schemas.microsoft.com/office/drawing/2014/main" id="{8C99B816-F937-4D9A-941A-1817FC2CD228}"/>
               </a:ext>
             </a:extLst>
           </p:cNvPr>
@@ -4578,8 +4886,8 @@
         </p:blipFill>
         <p:spPr>
           <a:xfrm>
-            <a:off x="7774018" y="1733395"/>
-            <a:ext cx="4248129" cy="3391210"/>
+            <a:off x="177891" y="1823143"/>
+            <a:ext cx="5288964" cy="3905174"/>
           </a:xfrm>
           <a:prstGeom prst="rect">
             <a:avLst/>
@@ -4591,7 +4899,7 @@
           <p:cNvPr id="8" name="תמונה 7">
             <a:extLst>
               <a:ext uri="{FF2B5EF4-FFF2-40B4-BE49-F238E27FC236}">
-                <a16:creationId xmlns:a16="http://schemas.microsoft.com/office/drawing/2014/main" id="{D42E99A1-9422-44D4-877A-703723826871}"/>
+                <a16:creationId xmlns:a16="http://schemas.microsoft.com/office/drawing/2014/main" id="{47233A71-627E-4744-819D-0504552AD5BE}"/>
               </a:ext>
             </a:extLst>
           </p:cNvPr>
@@ -4608,38 +4916,8 @@
         </p:blipFill>
         <p:spPr>
           <a:xfrm>
-            <a:off x="289912" y="123739"/>
-            <a:ext cx="3767183" cy="3069760"/>
-          </a:xfrm>
-          <a:prstGeom prst="rect">
-            <a:avLst/>
-          </a:prstGeom>
-        </p:spPr>
-      </p:pic>
-      <p:pic>
-        <p:nvPicPr>
-          <p:cNvPr id="11" name="תמונה 10">
-            <a:extLst>
-              <a:ext uri="{FF2B5EF4-FFF2-40B4-BE49-F238E27FC236}">
-                <a16:creationId xmlns:a16="http://schemas.microsoft.com/office/drawing/2014/main" id="{FBCD9810-4DA6-41AB-AE55-CC1161CD7213}"/>
-              </a:ext>
-            </a:extLst>
-          </p:cNvPr>
-          <p:cNvPicPr>
-            <a:picLocks noChangeAspect="1"/>
-          </p:cNvPicPr>
-          <p:nvPr/>
-        </p:nvPicPr>
-        <p:blipFill>
-          <a:blip r:embed="rId4"/>
-          <a:stretch>
-            <a:fillRect/>
-          </a:stretch>
-        </p:blipFill>
-        <p:spPr>
-          <a:xfrm>
-            <a:off x="2979093" y="3312018"/>
-            <a:ext cx="4114397" cy="3296227"/>
+            <a:off x="5573387" y="2093976"/>
+            <a:ext cx="6549771" cy="3348036"/>
           </a:xfrm>
           <a:prstGeom prst="rect">
             <a:avLst/>
@@ -4649,7 +4927,7 @@
     </p:spTree>
     <p:extLst>
       <p:ext uri="{BB962C8B-B14F-4D97-AF65-F5344CB8AC3E}">
-        <p14:creationId xmlns:p14="http://schemas.microsoft.com/office/powerpoint/2010/main" val="4178321096"/>
+        <p14:creationId xmlns:p14="http://schemas.microsoft.com/office/powerpoint/2010/main" val="859871827"/>
       </p:ext>
     </p:extLst>
   </p:cSld>
@@ -4694,14 +4972,12 @@
         </p:nvSpPr>
         <p:spPr>
           <a:xfrm>
-            <a:off x="2450236" y="208058"/>
-            <a:ext cx="8837809" cy="621792"/>
-          </a:xfrm>
-        </p:spPr>
-        <p:txBody>
-          <a:bodyPr>
-            <a:normAutofit fontScale="90000"/>
-          </a:bodyPr>
+            <a:off x="1968653" y="28950"/>
+            <a:ext cx="10058400" cy="1609344"/>
+          </a:xfrm>
+        </p:spPr>
+        <p:txBody>
+          <a:bodyPr/>
           <a:lstStyle/>
           <a:p>
             <a:pPr algn="r"/>
@@ -4730,18 +5006,34 @@
         </p:nvSpPr>
         <p:spPr>
           <a:xfrm>
-            <a:off x="2072934" y="935548"/>
-            <a:ext cx="9592411" cy="621792"/>
-          </a:xfrm>
-        </p:spPr>
-        <p:txBody>
-          <a:bodyPr/>
+            <a:off x="1282912" y="1677525"/>
+            <a:ext cx="10058400" cy="4050792"/>
+          </a:xfrm>
+        </p:spPr>
+        <p:txBody>
+          <a:bodyPr>
+            <a:normAutofit/>
+          </a:bodyPr>
           <a:lstStyle/>
           <a:p>
-            <a:r>
-              <a:rPr lang="he-IL" dirty="0"/>
-              <a:t>צפיפות תדירות הפעמים שקשישים פונים כפונקציה של סוג הדיור</a:t>
-            </a:r>
+            <a:pPr marL="0" indent="0">
+              <a:lnSpc>
+                <a:spcPct val="110000"/>
+              </a:lnSpc>
+              <a:buNone/>
+            </a:pPr>
+            <a:endParaRPr lang="he-IL" dirty="0"/>
+          </a:p>
+          <a:p>
+            <a:pPr lvl="1">
+              <a:lnSpc>
+                <a:spcPct val="110000"/>
+              </a:lnSpc>
+            </a:pPr>
+            <a:endParaRPr lang="he-IL" dirty="0"/>
+          </a:p>
+          <a:p>
+            <a:endParaRPr lang="he-IL" dirty="0"/>
           </a:p>
         </p:txBody>
       </p:sp>
@@ -4750,7 +5042,36 @@
           <p:cNvPr id="5" name="תמונה 4">
             <a:extLst>
               <a:ext uri="{FF2B5EF4-FFF2-40B4-BE49-F238E27FC236}">
-                <a16:creationId xmlns:a16="http://schemas.microsoft.com/office/drawing/2014/main" id="{57F6F3FA-4D8A-47A5-ADB3-34CC19D22049}"/>
+                <a16:creationId xmlns:a16="http://schemas.microsoft.com/office/drawing/2014/main" id="{B11CA60C-3B87-461A-91FE-17DA635CC2C6}"/>
+              </a:ext>
+            </a:extLst>
+          </p:cNvPr>
+          <p:cNvPicPr>
+            <a:picLocks noChangeAspect="1"/>
+          </p:cNvPicPr>
+          <p:nvPr/>
+        </p:nvPicPr>
+        <p:blipFill rotWithShape="1">
+          <a:blip r:embed="rId2"/>
+          <a:srcRect b="50912"/>
+          <a:stretch/>
+        </p:blipFill>
+        <p:spPr>
+          <a:xfrm>
+            <a:off x="164947" y="1233642"/>
+            <a:ext cx="5714941" cy="2643711"/>
+          </a:xfrm>
+          <a:prstGeom prst="rect">
+            <a:avLst/>
+          </a:prstGeom>
+        </p:spPr>
+      </p:pic>
+      <p:pic>
+        <p:nvPicPr>
+          <p:cNvPr id="9" name="תמונה 8">
+            <a:extLst>
+              <a:ext uri="{FF2B5EF4-FFF2-40B4-BE49-F238E27FC236}">
+                <a16:creationId xmlns:a16="http://schemas.microsoft.com/office/drawing/2014/main" id="{0E079D92-B3B8-4733-92D2-8BADED341D7D}"/>
               </a:ext>
             </a:extLst>
           </p:cNvPr>
@@ -4760,15 +5081,45 @@
           <p:nvPr/>
         </p:nvPicPr>
         <p:blipFill>
-          <a:blip r:embed="rId2"/>
+          <a:blip r:embed="rId3"/>
           <a:stretch>
             <a:fillRect/>
           </a:stretch>
         </p:blipFill>
         <p:spPr>
           <a:xfrm>
-            <a:off x="2311754" y="1246444"/>
-            <a:ext cx="5686425" cy="5362575"/>
+            <a:off x="5702453" y="1233642"/>
+            <a:ext cx="6324600" cy="2867025"/>
+          </a:xfrm>
+          <a:prstGeom prst="rect">
+            <a:avLst/>
+          </a:prstGeom>
+        </p:spPr>
+      </p:pic>
+      <p:pic>
+        <p:nvPicPr>
+          <p:cNvPr id="11" name="תמונה 10">
+            <a:extLst>
+              <a:ext uri="{FF2B5EF4-FFF2-40B4-BE49-F238E27FC236}">
+                <a16:creationId xmlns:a16="http://schemas.microsoft.com/office/drawing/2014/main" id="{CCA76DFD-281F-4675-A99A-2AE8999B3C63}"/>
+              </a:ext>
+            </a:extLst>
+          </p:cNvPr>
+          <p:cNvPicPr>
+            <a:picLocks noChangeAspect="1"/>
+          </p:cNvPicPr>
+          <p:nvPr/>
+        </p:nvPicPr>
+        <p:blipFill>
+          <a:blip r:embed="rId4"/>
+          <a:stretch>
+            <a:fillRect/>
+          </a:stretch>
+        </p:blipFill>
+        <p:spPr>
+          <a:xfrm>
+            <a:off x="3171729" y="3984945"/>
+            <a:ext cx="5416317" cy="2640828"/>
           </a:xfrm>
           <a:prstGeom prst="rect">
             <a:avLst/>
@@ -4778,7 +5129,7 @@
     </p:spTree>
     <p:extLst>
       <p:ext uri="{BB962C8B-B14F-4D97-AF65-F5344CB8AC3E}">
-        <p14:creationId xmlns:p14="http://schemas.microsoft.com/office/powerpoint/2010/main" val="3549496148"/>
+        <p14:creationId xmlns:p14="http://schemas.microsoft.com/office/powerpoint/2010/main" val="3709524207"/>
       </p:ext>
     </p:extLst>
   </p:cSld>
@@ -4823,14 +5174,12 @@
         </p:nvSpPr>
         <p:spPr>
           <a:xfrm>
-            <a:off x="2450236" y="208058"/>
-            <a:ext cx="8837809" cy="621792"/>
-          </a:xfrm>
-        </p:spPr>
-        <p:txBody>
-          <a:bodyPr>
-            <a:normAutofit fontScale="90000"/>
-          </a:bodyPr>
+            <a:off x="1993126" y="-378250"/>
+            <a:ext cx="10058400" cy="1609344"/>
+          </a:xfrm>
+        </p:spPr>
+        <p:txBody>
+          <a:bodyPr/>
           <a:lstStyle/>
           <a:p>
             <a:pPr algn="r"/>
@@ -4859,27 +5208,43 @@
         </p:nvSpPr>
         <p:spPr>
           <a:xfrm>
-            <a:off x="2072934" y="935548"/>
-            <a:ext cx="9592411" cy="621792"/>
-          </a:xfrm>
-        </p:spPr>
-        <p:txBody>
-          <a:bodyPr/>
+            <a:off x="1282912" y="1677525"/>
+            <a:ext cx="10058400" cy="4050792"/>
+          </a:xfrm>
+        </p:spPr>
+        <p:txBody>
+          <a:bodyPr>
+            <a:normAutofit/>
+          </a:bodyPr>
           <a:lstStyle/>
           <a:p>
-            <a:r>
-              <a:rPr lang="he-IL" dirty="0"/>
-              <a:t>צפיפות תדירות הפעמים שקשישים פונים כפונקציה של המגדר</a:t>
-            </a:r>
+            <a:pPr marL="0" indent="0">
+              <a:lnSpc>
+                <a:spcPct val="110000"/>
+              </a:lnSpc>
+              <a:buNone/>
+            </a:pPr>
+            <a:endParaRPr lang="he-IL" dirty="0"/>
+          </a:p>
+          <a:p>
+            <a:pPr lvl="1">
+              <a:lnSpc>
+                <a:spcPct val="110000"/>
+              </a:lnSpc>
+            </a:pPr>
+            <a:endParaRPr lang="he-IL" dirty="0"/>
+          </a:p>
+          <a:p>
+            <a:endParaRPr lang="he-IL" dirty="0"/>
           </a:p>
         </p:txBody>
       </p:sp>
       <p:pic>
         <p:nvPicPr>
-          <p:cNvPr id="5" name="תמונה 4">
+          <p:cNvPr id="6" name="תמונה 5">
             <a:extLst>
               <a:ext uri="{FF2B5EF4-FFF2-40B4-BE49-F238E27FC236}">
-                <a16:creationId xmlns:a16="http://schemas.microsoft.com/office/drawing/2014/main" id="{789749DE-7714-44DF-AC38-6FE43505A726}"/>
+                <a16:creationId xmlns:a16="http://schemas.microsoft.com/office/drawing/2014/main" id="{07C64305-0002-4FB8-BBA5-AC64A0282C7B}"/>
               </a:ext>
             </a:extLst>
           </p:cNvPr>
@@ -4896,8 +5261,68 @@
         </p:blipFill>
         <p:spPr>
           <a:xfrm>
-            <a:off x="2450236" y="1258792"/>
-            <a:ext cx="5610225" cy="5391150"/>
+            <a:off x="320795" y="872876"/>
+            <a:ext cx="5467446" cy="5660090"/>
+          </a:xfrm>
+          <a:prstGeom prst="rect">
+            <a:avLst/>
+          </a:prstGeom>
+        </p:spPr>
+      </p:pic>
+      <p:pic>
+        <p:nvPicPr>
+          <p:cNvPr id="12" name="תמונה 11">
+            <a:extLst>
+              <a:ext uri="{FF2B5EF4-FFF2-40B4-BE49-F238E27FC236}">
+                <a16:creationId xmlns:a16="http://schemas.microsoft.com/office/drawing/2014/main" id="{B75DF230-D14F-4DC5-A615-DF7093B9F4A1}"/>
+              </a:ext>
+            </a:extLst>
+          </p:cNvPr>
+          <p:cNvPicPr>
+            <a:picLocks noChangeAspect="1"/>
+          </p:cNvPicPr>
+          <p:nvPr/>
+        </p:nvPicPr>
+        <p:blipFill>
+          <a:blip r:embed="rId3"/>
+          <a:stretch>
+            <a:fillRect/>
+          </a:stretch>
+        </p:blipFill>
+        <p:spPr>
+          <a:xfrm>
+            <a:off x="6526848" y="948004"/>
+            <a:ext cx="4382240" cy="2687388"/>
+          </a:xfrm>
+          <a:prstGeom prst="rect">
+            <a:avLst/>
+          </a:prstGeom>
+        </p:spPr>
+      </p:pic>
+      <p:pic>
+        <p:nvPicPr>
+          <p:cNvPr id="14" name="תמונה 13">
+            <a:extLst>
+              <a:ext uri="{FF2B5EF4-FFF2-40B4-BE49-F238E27FC236}">
+                <a16:creationId xmlns:a16="http://schemas.microsoft.com/office/drawing/2014/main" id="{E9B3CFD5-E6B5-4C29-97D2-4DEE1BBDC023}"/>
+              </a:ext>
+            </a:extLst>
+          </p:cNvPr>
+          <p:cNvPicPr>
+            <a:picLocks noChangeAspect="1"/>
+          </p:cNvPicPr>
+          <p:nvPr/>
+        </p:nvPicPr>
+        <p:blipFill>
+          <a:blip r:embed="rId4"/>
+          <a:stretch>
+            <a:fillRect/>
+          </a:stretch>
+        </p:blipFill>
+        <p:spPr>
+          <a:xfrm>
+            <a:off x="6144573" y="3825596"/>
+            <a:ext cx="5196739" cy="2523313"/>
           </a:xfrm>
           <a:prstGeom prst="rect">
             <a:avLst/>
@@ -4907,7 +5332,637 @@
     </p:spTree>
     <p:extLst>
       <p:ext uri="{BB962C8B-B14F-4D97-AF65-F5344CB8AC3E}">
-        <p14:creationId xmlns:p14="http://schemas.microsoft.com/office/powerpoint/2010/main" val="3922642333"/>
+        <p14:creationId xmlns:p14="http://schemas.microsoft.com/office/powerpoint/2010/main" val="365517068"/>
+      </p:ext>
+    </p:extLst>
+  </p:cSld>
+  <p:clrMapOvr>
+    <a:masterClrMapping/>
+  </p:clrMapOvr>
+</p:sld>
+</file>
+
+<file path=ppt/slides/slide17.xml><?xml version="1.0" encoding="utf-8"?>
+<p:sld xmlns:a="http://schemas.openxmlformats.org/drawingml/2006/main" xmlns:r="http://schemas.openxmlformats.org/officeDocument/2006/relationships" xmlns:p="http://schemas.openxmlformats.org/presentationml/2006/main">
+  <p:cSld>
+    <p:spTree>
+      <p:nvGrpSpPr>
+        <p:cNvPr id="1" name=""/>
+        <p:cNvGrpSpPr/>
+        <p:nvPr/>
+      </p:nvGrpSpPr>
+      <p:grpSpPr>
+        <a:xfrm>
+          <a:off x="0" y="0"/>
+          <a:ext cx="0" cy="0"/>
+          <a:chOff x="0" y="0"/>
+          <a:chExt cx="0" cy="0"/>
+        </a:xfrm>
+      </p:grpSpPr>
+      <p:sp>
+        <p:nvSpPr>
+          <p:cNvPr id="2" name="כותרת 1">
+            <a:extLst>
+              <a:ext uri="{FF2B5EF4-FFF2-40B4-BE49-F238E27FC236}">
+                <a16:creationId xmlns:a16="http://schemas.microsoft.com/office/drawing/2014/main" id="{8B6FA5E4-5DE8-4151-B116-721BDBBDD21A}"/>
+              </a:ext>
+            </a:extLst>
+          </p:cNvPr>
+          <p:cNvSpPr>
+            <a:spLocks noGrp="1"/>
+          </p:cNvSpPr>
+          <p:nvPr>
+            <p:ph type="title"/>
+          </p:nvPr>
+        </p:nvSpPr>
+        <p:spPr>
+          <a:xfrm>
+            <a:off x="1797817" y="-192919"/>
+            <a:ext cx="10058400" cy="1609344"/>
+          </a:xfrm>
+        </p:spPr>
+        <p:txBody>
+          <a:bodyPr/>
+          <a:lstStyle/>
+          <a:p>
+            <a:pPr algn="r"/>
+            <a:r>
+              <a:rPr lang="he-IL" dirty="0"/>
+              <a:t>היכרות עם הנתונים</a:t>
+            </a:r>
+          </a:p>
+        </p:txBody>
+      </p:sp>
+      <p:sp>
+        <p:nvSpPr>
+          <p:cNvPr id="3" name="מציין מיקום תוכן 2">
+            <a:extLst>
+              <a:ext uri="{FF2B5EF4-FFF2-40B4-BE49-F238E27FC236}">
+                <a16:creationId xmlns:a16="http://schemas.microsoft.com/office/drawing/2014/main" id="{F503CA34-A7B7-401C-BF52-FF4FF88F04B5}"/>
+              </a:ext>
+            </a:extLst>
+          </p:cNvPr>
+          <p:cNvSpPr>
+            <a:spLocks noGrp="1"/>
+          </p:cNvSpPr>
+          <p:nvPr>
+            <p:ph idx="1"/>
+          </p:nvPr>
+        </p:nvSpPr>
+        <p:spPr>
+          <a:xfrm>
+            <a:off x="1282912" y="1677525"/>
+            <a:ext cx="10058400" cy="4050792"/>
+          </a:xfrm>
+        </p:spPr>
+        <p:txBody>
+          <a:bodyPr>
+            <a:normAutofit/>
+          </a:bodyPr>
+          <a:lstStyle/>
+          <a:p>
+            <a:pPr marL="0" indent="0">
+              <a:lnSpc>
+                <a:spcPct val="110000"/>
+              </a:lnSpc>
+              <a:buNone/>
+            </a:pPr>
+            <a:endParaRPr lang="he-IL" dirty="0"/>
+          </a:p>
+          <a:p>
+            <a:pPr lvl="1">
+              <a:lnSpc>
+                <a:spcPct val="110000"/>
+              </a:lnSpc>
+            </a:pPr>
+            <a:endParaRPr lang="he-IL" dirty="0"/>
+          </a:p>
+          <a:p>
+            <a:endParaRPr lang="he-IL" dirty="0"/>
+          </a:p>
+        </p:txBody>
+      </p:sp>
+      <p:pic>
+        <p:nvPicPr>
+          <p:cNvPr id="7" name="תמונה 6">
+            <a:extLst>
+              <a:ext uri="{FF2B5EF4-FFF2-40B4-BE49-F238E27FC236}">
+                <a16:creationId xmlns:a16="http://schemas.microsoft.com/office/drawing/2014/main" id="{50578677-569D-4426-A06C-EDF569A22B12}"/>
+              </a:ext>
+            </a:extLst>
+          </p:cNvPr>
+          <p:cNvPicPr>
+            <a:picLocks noChangeAspect="1"/>
+          </p:cNvPicPr>
+          <p:nvPr/>
+        </p:nvPicPr>
+        <p:blipFill>
+          <a:blip r:embed="rId2"/>
+          <a:stretch>
+            <a:fillRect/>
+          </a:stretch>
+        </p:blipFill>
+        <p:spPr>
+          <a:xfrm>
+            <a:off x="609600" y="1000692"/>
+            <a:ext cx="10972800" cy="2800865"/>
+          </a:xfrm>
+          <a:prstGeom prst="rect">
+            <a:avLst/>
+          </a:prstGeom>
+        </p:spPr>
+      </p:pic>
+      <p:pic>
+        <p:nvPicPr>
+          <p:cNvPr id="9" name="תמונה 8">
+            <a:extLst>
+              <a:ext uri="{FF2B5EF4-FFF2-40B4-BE49-F238E27FC236}">
+                <a16:creationId xmlns:a16="http://schemas.microsoft.com/office/drawing/2014/main" id="{2DC19BBB-EB35-44BC-B526-9C9D8A0E1673}"/>
+              </a:ext>
+            </a:extLst>
+          </p:cNvPr>
+          <p:cNvPicPr>
+            <a:picLocks noChangeAspect="1"/>
+          </p:cNvPicPr>
+          <p:nvPr/>
+        </p:nvPicPr>
+        <p:blipFill>
+          <a:blip r:embed="rId3"/>
+          <a:stretch>
+            <a:fillRect/>
+          </a:stretch>
+        </p:blipFill>
+        <p:spPr>
+          <a:xfrm>
+            <a:off x="506028" y="3801557"/>
+            <a:ext cx="11076372" cy="2800865"/>
+          </a:xfrm>
+          <a:prstGeom prst="rect">
+            <a:avLst/>
+          </a:prstGeom>
+        </p:spPr>
+      </p:pic>
+    </p:spTree>
+    <p:extLst>
+      <p:ext uri="{BB962C8B-B14F-4D97-AF65-F5344CB8AC3E}">
+        <p14:creationId xmlns:p14="http://schemas.microsoft.com/office/powerpoint/2010/main" val="1601925819"/>
+      </p:ext>
+    </p:extLst>
+  </p:cSld>
+  <p:clrMapOvr>
+    <a:masterClrMapping/>
+  </p:clrMapOvr>
+</p:sld>
+</file>
+
+<file path=ppt/slides/slide18.xml><?xml version="1.0" encoding="utf-8"?>
+<p:sld xmlns:a="http://schemas.openxmlformats.org/drawingml/2006/main" xmlns:r="http://schemas.openxmlformats.org/officeDocument/2006/relationships" xmlns:p="http://schemas.openxmlformats.org/presentationml/2006/main">
+  <p:cSld>
+    <p:spTree>
+      <p:nvGrpSpPr>
+        <p:cNvPr id="1" name=""/>
+        <p:cNvGrpSpPr/>
+        <p:nvPr/>
+      </p:nvGrpSpPr>
+      <p:grpSpPr>
+        <a:xfrm>
+          <a:off x="0" y="0"/>
+          <a:ext cx="0" cy="0"/>
+          <a:chOff x="0" y="0"/>
+          <a:chExt cx="0" cy="0"/>
+        </a:xfrm>
+      </p:grpSpPr>
+      <p:sp>
+        <p:nvSpPr>
+          <p:cNvPr id="2" name="כותרת 1">
+            <a:extLst>
+              <a:ext uri="{FF2B5EF4-FFF2-40B4-BE49-F238E27FC236}">
+                <a16:creationId xmlns:a16="http://schemas.microsoft.com/office/drawing/2014/main" id="{8B6FA5E4-5DE8-4151-B116-721BDBBDD21A}"/>
+              </a:ext>
+            </a:extLst>
+          </p:cNvPr>
+          <p:cNvSpPr>
+            <a:spLocks noGrp="1"/>
+          </p:cNvSpPr>
+          <p:nvPr>
+            <p:ph type="title"/>
+          </p:nvPr>
+        </p:nvSpPr>
+        <p:spPr>
+          <a:xfrm>
+            <a:off x="1797817" y="-192919"/>
+            <a:ext cx="10058400" cy="1609344"/>
+          </a:xfrm>
+        </p:spPr>
+        <p:txBody>
+          <a:bodyPr/>
+          <a:lstStyle/>
+          <a:p>
+            <a:pPr algn="r"/>
+            <a:r>
+              <a:rPr lang="he-IL" dirty="0"/>
+              <a:t>היכרות עם הנתונים</a:t>
+            </a:r>
+          </a:p>
+        </p:txBody>
+      </p:sp>
+      <p:sp>
+        <p:nvSpPr>
+          <p:cNvPr id="3" name="מציין מיקום תוכן 2">
+            <a:extLst>
+              <a:ext uri="{FF2B5EF4-FFF2-40B4-BE49-F238E27FC236}">
+                <a16:creationId xmlns:a16="http://schemas.microsoft.com/office/drawing/2014/main" id="{F503CA34-A7B7-401C-BF52-FF4FF88F04B5}"/>
+              </a:ext>
+            </a:extLst>
+          </p:cNvPr>
+          <p:cNvSpPr>
+            <a:spLocks noGrp="1"/>
+          </p:cNvSpPr>
+          <p:nvPr>
+            <p:ph idx="1"/>
+          </p:nvPr>
+        </p:nvSpPr>
+        <p:spPr>
+          <a:xfrm>
+            <a:off x="1247402" y="1724133"/>
+            <a:ext cx="10058400" cy="4050792"/>
+          </a:xfrm>
+        </p:spPr>
+        <p:txBody>
+          <a:bodyPr>
+            <a:normAutofit/>
+          </a:bodyPr>
+          <a:lstStyle/>
+          <a:p>
+            <a:pPr marL="0" indent="0">
+              <a:lnSpc>
+                <a:spcPct val="110000"/>
+              </a:lnSpc>
+              <a:buNone/>
+            </a:pPr>
+            <a:endParaRPr lang="he-IL" dirty="0"/>
+          </a:p>
+          <a:p>
+            <a:pPr lvl="1">
+              <a:lnSpc>
+                <a:spcPct val="110000"/>
+              </a:lnSpc>
+            </a:pPr>
+            <a:endParaRPr lang="he-IL" dirty="0"/>
+          </a:p>
+          <a:p>
+            <a:endParaRPr lang="he-IL" dirty="0"/>
+          </a:p>
+        </p:txBody>
+      </p:sp>
+      <p:pic>
+        <p:nvPicPr>
+          <p:cNvPr id="5" name="תמונה 4">
+            <a:extLst>
+              <a:ext uri="{FF2B5EF4-FFF2-40B4-BE49-F238E27FC236}">
+                <a16:creationId xmlns:a16="http://schemas.microsoft.com/office/drawing/2014/main" id="{57DD3E93-ECA3-4E53-9676-F489B5F31110}"/>
+              </a:ext>
+            </a:extLst>
+          </p:cNvPr>
+          <p:cNvPicPr>
+            <a:picLocks noChangeAspect="1"/>
+          </p:cNvPicPr>
+          <p:nvPr/>
+        </p:nvPicPr>
+        <p:blipFill>
+          <a:blip r:embed="rId2"/>
+          <a:stretch>
+            <a:fillRect/>
+          </a:stretch>
+        </p:blipFill>
+        <p:spPr>
+          <a:xfrm>
+            <a:off x="2043674" y="1129683"/>
+            <a:ext cx="7868476" cy="3863498"/>
+          </a:xfrm>
+          <a:prstGeom prst="rect">
+            <a:avLst/>
+          </a:prstGeom>
+        </p:spPr>
+      </p:pic>
+    </p:spTree>
+    <p:extLst>
+      <p:ext uri="{BB962C8B-B14F-4D97-AF65-F5344CB8AC3E}">
+        <p14:creationId xmlns:p14="http://schemas.microsoft.com/office/powerpoint/2010/main" val="325414841"/>
+      </p:ext>
+    </p:extLst>
+  </p:cSld>
+  <p:clrMapOvr>
+    <a:masterClrMapping/>
+  </p:clrMapOvr>
+</p:sld>
+</file>
+
+<file path=ppt/slides/slide19.xml><?xml version="1.0" encoding="utf-8"?>
+<p:sld xmlns:a="http://schemas.openxmlformats.org/drawingml/2006/main" xmlns:r="http://schemas.openxmlformats.org/officeDocument/2006/relationships" xmlns:p="http://schemas.openxmlformats.org/presentationml/2006/main">
+  <p:cSld>
+    <p:spTree>
+      <p:nvGrpSpPr>
+        <p:cNvPr id="1" name=""/>
+        <p:cNvGrpSpPr/>
+        <p:nvPr/>
+      </p:nvGrpSpPr>
+      <p:grpSpPr>
+        <a:xfrm>
+          <a:off x="0" y="0"/>
+          <a:ext cx="0" cy="0"/>
+          <a:chOff x="0" y="0"/>
+          <a:chExt cx="0" cy="0"/>
+        </a:xfrm>
+      </p:grpSpPr>
+      <p:sp>
+        <p:nvSpPr>
+          <p:cNvPr id="2" name="כותרת 1">
+            <a:extLst>
+              <a:ext uri="{FF2B5EF4-FFF2-40B4-BE49-F238E27FC236}">
+                <a16:creationId xmlns:a16="http://schemas.microsoft.com/office/drawing/2014/main" id="{8B6FA5E4-5DE8-4151-B116-721BDBBDD21A}"/>
+              </a:ext>
+            </a:extLst>
+          </p:cNvPr>
+          <p:cNvSpPr>
+            <a:spLocks noGrp="1"/>
+          </p:cNvSpPr>
+          <p:nvPr>
+            <p:ph type="title"/>
+          </p:nvPr>
+        </p:nvSpPr>
+        <p:spPr>
+          <a:xfrm>
+            <a:off x="1963747" y="123739"/>
+            <a:ext cx="10058400" cy="1609344"/>
+          </a:xfrm>
+        </p:spPr>
+        <p:txBody>
+          <a:bodyPr/>
+          <a:lstStyle/>
+          <a:p>
+            <a:pPr algn="r"/>
+            <a:r>
+              <a:rPr lang="he-IL" dirty="0"/>
+              <a:t>היכרות  עם הנתונים	</a:t>
+            </a:r>
+          </a:p>
+        </p:txBody>
+      </p:sp>
+      <p:grpSp>
+        <p:nvGrpSpPr>
+          <p:cNvPr id="17" name="קבוצה 16">
+            <a:extLst>
+              <a:ext uri="{FF2B5EF4-FFF2-40B4-BE49-F238E27FC236}">
+                <a16:creationId xmlns:a16="http://schemas.microsoft.com/office/drawing/2014/main" id="{99F75F87-77FE-4BB8-9ADF-8530245EAC61}"/>
+              </a:ext>
+            </a:extLst>
+          </p:cNvPr>
+          <p:cNvGrpSpPr/>
+          <p:nvPr/>
+        </p:nvGrpSpPr>
+        <p:grpSpPr>
+          <a:xfrm>
+            <a:off x="169853" y="1067138"/>
+            <a:ext cx="6538303" cy="5395807"/>
+            <a:chOff x="169853" y="1067138"/>
+            <a:chExt cx="6538303" cy="5395807"/>
+          </a:xfrm>
+        </p:grpSpPr>
+        <p:pic>
+          <p:nvPicPr>
+            <p:cNvPr id="7" name="תמונה 6">
+              <a:extLst>
+                <a:ext uri="{FF2B5EF4-FFF2-40B4-BE49-F238E27FC236}">
+                  <a16:creationId xmlns:a16="http://schemas.microsoft.com/office/drawing/2014/main" id="{89307C3C-3973-407A-A4DC-1D495608D486}"/>
+                </a:ext>
+              </a:extLst>
+            </p:cNvPr>
+            <p:cNvPicPr>
+              <a:picLocks noChangeAspect="1"/>
+            </p:cNvPicPr>
+            <p:nvPr/>
+          </p:nvPicPr>
+          <p:blipFill>
+            <a:blip r:embed="rId2"/>
+            <a:stretch>
+              <a:fillRect/>
+            </a:stretch>
+          </p:blipFill>
+          <p:spPr>
+            <a:xfrm>
+              <a:off x="169853" y="1067138"/>
+              <a:ext cx="6538303" cy="5395807"/>
+            </a:xfrm>
+            <a:prstGeom prst="rect">
+              <a:avLst/>
+            </a:prstGeom>
+          </p:spPr>
+        </p:pic>
+        <p:pic>
+          <p:nvPicPr>
+            <p:cNvPr id="13" name="תמונה 12">
+              <a:extLst>
+                <a:ext uri="{FF2B5EF4-FFF2-40B4-BE49-F238E27FC236}">
+                  <a16:creationId xmlns:a16="http://schemas.microsoft.com/office/drawing/2014/main" id="{88262006-21AD-4450-9F7B-08E92A414037}"/>
+                </a:ext>
+              </a:extLst>
+            </p:cNvPr>
+            <p:cNvPicPr>
+              <a:picLocks noChangeAspect="1"/>
+            </p:cNvPicPr>
+            <p:nvPr/>
+          </p:nvPicPr>
+          <p:blipFill>
+            <a:blip r:embed="rId3"/>
+            <a:stretch>
+              <a:fillRect/>
+            </a:stretch>
+          </p:blipFill>
+          <p:spPr>
+            <a:xfrm>
+              <a:off x="5048250" y="2678701"/>
+              <a:ext cx="1047750" cy="733425"/>
+            </a:xfrm>
+            <a:prstGeom prst="rect">
+              <a:avLst/>
+            </a:prstGeom>
+          </p:spPr>
+        </p:pic>
+      </p:grpSp>
+      <p:grpSp>
+        <p:nvGrpSpPr>
+          <p:cNvPr id="16" name="קבוצה 15">
+            <a:extLst>
+              <a:ext uri="{FF2B5EF4-FFF2-40B4-BE49-F238E27FC236}">
+                <a16:creationId xmlns:a16="http://schemas.microsoft.com/office/drawing/2014/main" id="{E4092F69-2D69-4774-8133-E8734B2ED4CA}"/>
+              </a:ext>
+            </a:extLst>
+          </p:cNvPr>
+          <p:cNvGrpSpPr/>
+          <p:nvPr/>
+        </p:nvGrpSpPr>
+        <p:grpSpPr>
+          <a:xfrm>
+            <a:off x="6800771" y="3031870"/>
+            <a:ext cx="5169892" cy="3248318"/>
+            <a:chOff x="6852255" y="3311372"/>
+            <a:chExt cx="4567926" cy="3248318"/>
+          </a:xfrm>
+        </p:grpSpPr>
+        <p:pic>
+          <p:nvPicPr>
+            <p:cNvPr id="10" name="תמונה 9">
+              <a:extLst>
+                <a:ext uri="{FF2B5EF4-FFF2-40B4-BE49-F238E27FC236}">
+                  <a16:creationId xmlns:a16="http://schemas.microsoft.com/office/drawing/2014/main" id="{7330EA1C-09E7-4714-892E-BF85A03FF6F3}"/>
+                </a:ext>
+              </a:extLst>
+            </p:cNvPr>
+            <p:cNvPicPr>
+              <a:picLocks noChangeAspect="1"/>
+            </p:cNvPicPr>
+            <p:nvPr/>
+          </p:nvPicPr>
+          <p:blipFill>
+            <a:blip r:embed="rId4"/>
+            <a:stretch>
+              <a:fillRect/>
+            </a:stretch>
+          </p:blipFill>
+          <p:spPr>
+            <a:xfrm>
+              <a:off x="6852255" y="3311372"/>
+              <a:ext cx="4567926" cy="3248318"/>
+            </a:xfrm>
+            <a:prstGeom prst="rect">
+              <a:avLst/>
+            </a:prstGeom>
+          </p:spPr>
+        </p:pic>
+        <p:pic>
+          <p:nvPicPr>
+            <p:cNvPr id="15" name="תמונה 14">
+              <a:extLst>
+                <a:ext uri="{FF2B5EF4-FFF2-40B4-BE49-F238E27FC236}">
+                  <a16:creationId xmlns:a16="http://schemas.microsoft.com/office/drawing/2014/main" id="{B25F0BB0-3C09-40EF-9852-85DEBBB7190F}"/>
+                </a:ext>
+              </a:extLst>
+            </p:cNvPr>
+            <p:cNvPicPr>
+              <a:picLocks noChangeAspect="1"/>
+            </p:cNvPicPr>
+            <p:nvPr/>
+          </p:nvPicPr>
+          <p:blipFill>
+            <a:blip r:embed="rId5"/>
+            <a:stretch>
+              <a:fillRect/>
+            </a:stretch>
+          </p:blipFill>
+          <p:spPr>
+            <a:xfrm>
+              <a:off x="10963922" y="5699464"/>
+              <a:ext cx="456259" cy="498812"/>
+            </a:xfrm>
+            <a:prstGeom prst="rect">
+              <a:avLst/>
+            </a:prstGeom>
+          </p:spPr>
+        </p:pic>
+      </p:grpSp>
+      <p:sp>
+        <p:nvSpPr>
+          <p:cNvPr id="18" name="מלבן: פינות מעוגלות 17">
+            <a:extLst>
+              <a:ext uri="{FF2B5EF4-FFF2-40B4-BE49-F238E27FC236}">
+                <a16:creationId xmlns:a16="http://schemas.microsoft.com/office/drawing/2014/main" id="{735CC798-DBD5-4141-A0CC-7DD240C27FB9}"/>
+              </a:ext>
+            </a:extLst>
+          </p:cNvPr>
+          <p:cNvSpPr/>
+          <p:nvPr/>
+        </p:nvSpPr>
+        <p:spPr>
+          <a:xfrm>
+            <a:off x="8299831" y="2263805"/>
+            <a:ext cx="1065320" cy="592449"/>
+          </a:xfrm>
+          <a:prstGeom prst="roundRect">
+            <a:avLst/>
+          </a:prstGeom>
+        </p:spPr>
+        <p:style>
+          <a:lnRef idx="2">
+            <a:schemeClr val="accent6">
+              <a:shade val="50000"/>
+            </a:schemeClr>
+          </a:lnRef>
+          <a:fillRef idx="1">
+            <a:schemeClr val="accent6"/>
+          </a:fillRef>
+          <a:effectRef idx="0">
+            <a:schemeClr val="accent6"/>
+          </a:effectRef>
+          <a:fontRef idx="minor">
+            <a:schemeClr val="lt1"/>
+          </a:fontRef>
+        </p:style>
+        <p:txBody>
+          <a:bodyPr rtlCol="1" anchor="ctr"/>
+          <a:lstStyle/>
+          <a:p>
+            <a:pPr algn="ctr"/>
+            <a:r>
+              <a:rPr lang="he-IL" dirty="0"/>
+              <a:t>המשך של הגרף</a:t>
+            </a:r>
+          </a:p>
+        </p:txBody>
+      </p:sp>
+      <p:cxnSp>
+        <p:nvCxnSpPr>
+          <p:cNvPr id="20" name="מחבר חץ ישר 19">
+            <a:extLst>
+              <a:ext uri="{FF2B5EF4-FFF2-40B4-BE49-F238E27FC236}">
+                <a16:creationId xmlns:a16="http://schemas.microsoft.com/office/drawing/2014/main" id="{E3344DBA-07F6-4141-8D78-1188015A56A9}"/>
+              </a:ext>
+            </a:extLst>
+          </p:cNvPr>
+          <p:cNvCxnSpPr/>
+          <p:nvPr/>
+        </p:nvCxnSpPr>
+        <p:spPr>
+          <a:xfrm>
+            <a:off x="6951216" y="1553592"/>
+            <a:ext cx="1278384" cy="812162"/>
+          </a:xfrm>
+          <a:prstGeom prst="straightConnector1">
+            <a:avLst/>
+          </a:prstGeom>
+          <a:ln>
+            <a:tailEnd type="triangle"/>
+          </a:ln>
+        </p:spPr>
+        <p:style>
+          <a:lnRef idx="1">
+            <a:schemeClr val="accent1"/>
+          </a:lnRef>
+          <a:fillRef idx="0">
+            <a:schemeClr val="accent1"/>
+          </a:fillRef>
+          <a:effectRef idx="0">
+            <a:schemeClr val="accent1"/>
+          </a:effectRef>
+          <a:fontRef idx="minor">
+            <a:schemeClr val="tx1"/>
+          </a:fontRef>
+        </p:style>
+      </p:cxnSp>
+    </p:spTree>
+    <p:extLst>
+      <p:ext uri="{BB962C8B-B14F-4D97-AF65-F5344CB8AC3E}">
+        <p14:creationId xmlns:p14="http://schemas.microsoft.com/office/powerpoint/2010/main" val="4178321096"/>
       </p:ext>
     </p:extLst>
   </p:cSld>
@@ -4979,21 +6034,79 @@
             <p:ph idx="1"/>
           </p:nvPr>
         </p:nvSpPr>
-        <p:spPr/>
+        <p:spPr>
+          <a:xfrm>
+            <a:off x="1185258" y="1952733"/>
+            <a:ext cx="10058400" cy="4050792"/>
+          </a:xfrm>
+        </p:spPr>
         <p:txBody>
           <a:bodyPr/>
           <a:lstStyle/>
           <a:p>
+            <a:pPr>
+              <a:lnSpc>
+                <a:spcPct val="200000"/>
+              </a:lnSpc>
+            </a:pPr>
             <a:r>
               <a:rPr lang="he-IL" dirty="0"/>
-              <a:t>ניתוח נתוני מוקד קשר עם אוכלוסיית הגיל השלישי</a:t>
-            </a:r>
-          </a:p>
-          <a:p>
+              <a:t>ניתוח נתוני מוקד קשר-חירום  עם אוכלוסיית הגיל השלישי</a:t>
+            </a:r>
+          </a:p>
+          <a:p>
+            <a:pPr>
+              <a:lnSpc>
+                <a:spcPct val="200000"/>
+              </a:lnSpc>
+            </a:pPr>
             <a:r>
               <a:rPr lang="he-IL" dirty="0"/>
               <a:t>הנתונים נאספו ממוקד בעפולה</a:t>
             </a:r>
+          </a:p>
+          <a:p>
+            <a:pPr>
+              <a:lnSpc>
+                <a:spcPct val="200000"/>
+              </a:lnSpc>
+            </a:pPr>
+            <a:r>
+              <a:rPr lang="he-IL" dirty="0"/>
+              <a:t>נתונים נאספו בשנים </a:t>
+            </a:r>
+            <a:r>
+              <a:rPr lang="en-US" dirty="0"/>
+              <a:t>2012-2017</a:t>
+            </a:r>
+          </a:p>
+          <a:p>
+            <a:pPr>
+              <a:lnSpc>
+                <a:spcPct val="200000"/>
+              </a:lnSpc>
+            </a:pPr>
+            <a:r>
+              <a:rPr lang="he-IL" dirty="0"/>
+              <a:t>המוקד עובד 24/7</a:t>
+            </a:r>
+          </a:p>
+          <a:p>
+            <a:pPr>
+              <a:lnSpc>
+                <a:spcPct val="200000"/>
+              </a:lnSpc>
+            </a:pPr>
+            <a:r>
+              <a:rPr lang="he-IL" dirty="0"/>
+              <a:t>המוקד נותן שירותים לאוכלוסייה שגרה בקהילה וגם לאוכלוסייה בדיור מוגן</a:t>
+            </a:r>
+          </a:p>
+          <a:p>
+            <a:pPr marL="0" indent="0">
+              <a:buNone/>
+            </a:pPr>
+            <a:endParaRPr lang="he-IL" dirty="0"/>
           </a:p>
           <a:p>
             <a:endParaRPr lang="he-IL" dirty="0"/>
@@ -5004,6 +6117,312 @@
     <p:extLst>
       <p:ext uri="{BB962C8B-B14F-4D97-AF65-F5344CB8AC3E}">
         <p14:creationId xmlns:p14="http://schemas.microsoft.com/office/powerpoint/2010/main" val="2605973244"/>
+      </p:ext>
+    </p:extLst>
+  </p:cSld>
+  <p:clrMapOvr>
+    <a:masterClrMapping/>
+  </p:clrMapOvr>
+</p:sld>
+</file>
+
+<file path=ppt/slides/slide20.xml><?xml version="1.0" encoding="utf-8"?>
+<p:sld xmlns:a="http://schemas.openxmlformats.org/drawingml/2006/main" xmlns:r="http://schemas.openxmlformats.org/officeDocument/2006/relationships" xmlns:p="http://schemas.openxmlformats.org/presentationml/2006/main">
+  <p:cSld>
+    <p:spTree>
+      <p:nvGrpSpPr>
+        <p:cNvPr id="1" name=""/>
+        <p:cNvGrpSpPr/>
+        <p:nvPr/>
+      </p:nvGrpSpPr>
+      <p:grpSpPr>
+        <a:xfrm>
+          <a:off x="0" y="0"/>
+          <a:ext cx="0" cy="0"/>
+          <a:chOff x="0" y="0"/>
+          <a:chExt cx="0" cy="0"/>
+        </a:xfrm>
+      </p:grpSpPr>
+      <p:sp>
+        <p:nvSpPr>
+          <p:cNvPr id="2" name="כותרת 1">
+            <a:extLst>
+              <a:ext uri="{FF2B5EF4-FFF2-40B4-BE49-F238E27FC236}">
+                <a16:creationId xmlns:a16="http://schemas.microsoft.com/office/drawing/2014/main" id="{8B6FA5E4-5DE8-4151-B116-721BDBBDD21A}"/>
+              </a:ext>
+            </a:extLst>
+          </p:cNvPr>
+          <p:cNvSpPr>
+            <a:spLocks noGrp="1"/>
+          </p:cNvSpPr>
+          <p:nvPr>
+            <p:ph type="title"/>
+          </p:nvPr>
+        </p:nvSpPr>
+        <p:spPr>
+          <a:xfrm>
+            <a:off x="1655774" y="-414384"/>
+            <a:ext cx="10058400" cy="1609344"/>
+          </a:xfrm>
+        </p:spPr>
+        <p:txBody>
+          <a:bodyPr>
+            <a:normAutofit/>
+          </a:bodyPr>
+          <a:lstStyle/>
+          <a:p>
+            <a:pPr algn="r"/>
+            <a:r>
+              <a:rPr lang="he-IL" sz="4000" dirty="0"/>
+              <a:t>היכרות  עם הנתונים – ניתוח לפי כמות רשומות	</a:t>
+            </a:r>
+          </a:p>
+        </p:txBody>
+      </p:sp>
+      <p:pic>
+        <p:nvPicPr>
+          <p:cNvPr id="24" name="תמונה 23">
+            <a:extLst>
+              <a:ext uri="{FF2B5EF4-FFF2-40B4-BE49-F238E27FC236}">
+                <a16:creationId xmlns:a16="http://schemas.microsoft.com/office/drawing/2014/main" id="{CD7DC736-910F-4E42-A415-5053F3B6CD9A}"/>
+              </a:ext>
+            </a:extLst>
+          </p:cNvPr>
+          <p:cNvPicPr>
+            <a:picLocks noChangeAspect="1"/>
+          </p:cNvPicPr>
+          <p:nvPr/>
+        </p:nvPicPr>
+        <p:blipFill>
+          <a:blip r:embed="rId2"/>
+          <a:stretch>
+            <a:fillRect/>
+          </a:stretch>
+        </p:blipFill>
+        <p:spPr>
+          <a:xfrm>
+            <a:off x="4553666" y="3640774"/>
+            <a:ext cx="2734901" cy="3080771"/>
+          </a:xfrm>
+          <a:prstGeom prst="rect">
+            <a:avLst/>
+          </a:prstGeom>
+        </p:spPr>
+      </p:pic>
+      <p:pic>
+        <p:nvPicPr>
+          <p:cNvPr id="4" name="תמונה 3">
+            <a:extLst>
+              <a:ext uri="{FF2B5EF4-FFF2-40B4-BE49-F238E27FC236}">
+                <a16:creationId xmlns:a16="http://schemas.microsoft.com/office/drawing/2014/main" id="{3EBD05B3-8EF7-4630-B5FB-090A4007D3AC}"/>
+              </a:ext>
+            </a:extLst>
+          </p:cNvPr>
+          <p:cNvPicPr>
+            <a:picLocks noChangeAspect="1"/>
+          </p:cNvPicPr>
+          <p:nvPr/>
+        </p:nvPicPr>
+        <p:blipFill>
+          <a:blip r:embed="rId3"/>
+          <a:stretch>
+            <a:fillRect/>
+          </a:stretch>
+        </p:blipFill>
+        <p:spPr>
+          <a:xfrm>
+            <a:off x="8125276" y="795330"/>
+            <a:ext cx="2819400" cy="3048000"/>
+          </a:xfrm>
+          <a:prstGeom prst="rect">
+            <a:avLst/>
+          </a:prstGeom>
+        </p:spPr>
+      </p:pic>
+      <p:pic>
+        <p:nvPicPr>
+          <p:cNvPr id="6" name="תמונה 5">
+            <a:extLst>
+              <a:ext uri="{FF2B5EF4-FFF2-40B4-BE49-F238E27FC236}">
+                <a16:creationId xmlns:a16="http://schemas.microsoft.com/office/drawing/2014/main" id="{F0379176-DA48-4E07-8383-1966850D7AED}"/>
+              </a:ext>
+            </a:extLst>
+          </p:cNvPr>
+          <p:cNvPicPr>
+            <a:picLocks noChangeAspect="1"/>
+          </p:cNvPicPr>
+          <p:nvPr/>
+        </p:nvPicPr>
+        <p:blipFill>
+          <a:blip r:embed="rId4"/>
+          <a:stretch>
+            <a:fillRect/>
+          </a:stretch>
+        </p:blipFill>
+        <p:spPr>
+          <a:xfrm>
+            <a:off x="916607" y="3580959"/>
+            <a:ext cx="2800350" cy="3200400"/>
+          </a:xfrm>
+          <a:prstGeom prst="rect">
+            <a:avLst/>
+          </a:prstGeom>
+        </p:spPr>
+      </p:pic>
+      <p:pic>
+        <p:nvPicPr>
+          <p:cNvPr id="9" name="תמונה 8">
+            <a:extLst>
+              <a:ext uri="{FF2B5EF4-FFF2-40B4-BE49-F238E27FC236}">
+                <a16:creationId xmlns:a16="http://schemas.microsoft.com/office/drawing/2014/main" id="{44E506A3-3001-493D-BB0D-2806E2C2E1B7}"/>
+              </a:ext>
+            </a:extLst>
+          </p:cNvPr>
+          <p:cNvPicPr>
+            <a:picLocks noChangeAspect="1"/>
+          </p:cNvPicPr>
+          <p:nvPr/>
+        </p:nvPicPr>
+        <p:blipFill>
+          <a:blip r:embed="rId5"/>
+          <a:stretch>
+            <a:fillRect/>
+          </a:stretch>
+        </p:blipFill>
+        <p:spPr>
+          <a:xfrm>
+            <a:off x="477826" y="673037"/>
+            <a:ext cx="2774934" cy="2907921"/>
+          </a:xfrm>
+          <a:prstGeom prst="rect">
+            <a:avLst/>
+          </a:prstGeom>
+        </p:spPr>
+      </p:pic>
+      <p:pic>
+        <p:nvPicPr>
+          <p:cNvPr id="12" name="תמונה 11">
+            <a:extLst>
+              <a:ext uri="{FF2B5EF4-FFF2-40B4-BE49-F238E27FC236}">
+                <a16:creationId xmlns:a16="http://schemas.microsoft.com/office/drawing/2014/main" id="{04B2F7BF-EC26-4A70-A53B-2D798276190C}"/>
+              </a:ext>
+            </a:extLst>
+          </p:cNvPr>
+          <p:cNvPicPr>
+            <a:picLocks noChangeAspect="1"/>
+          </p:cNvPicPr>
+          <p:nvPr/>
+        </p:nvPicPr>
+        <p:blipFill>
+          <a:blip r:embed="rId6"/>
+          <a:stretch>
+            <a:fillRect/>
+          </a:stretch>
+        </p:blipFill>
+        <p:spPr>
+          <a:xfrm>
+            <a:off x="4413936" y="685623"/>
+            <a:ext cx="2550164" cy="2817241"/>
+          </a:xfrm>
+          <a:prstGeom prst="rect">
+            <a:avLst/>
+          </a:prstGeom>
+        </p:spPr>
+      </p:pic>
+      <p:pic>
+        <p:nvPicPr>
+          <p:cNvPr id="15" name="תמונה 14">
+            <a:extLst>
+              <a:ext uri="{FF2B5EF4-FFF2-40B4-BE49-F238E27FC236}">
+                <a16:creationId xmlns:a16="http://schemas.microsoft.com/office/drawing/2014/main" id="{4F1C5B1A-07AB-4C4C-9DFB-837252ED2BCD}"/>
+              </a:ext>
+            </a:extLst>
+          </p:cNvPr>
+          <p:cNvPicPr>
+            <a:picLocks noChangeAspect="1"/>
+          </p:cNvPicPr>
+          <p:nvPr/>
+        </p:nvPicPr>
+        <p:blipFill>
+          <a:blip r:embed="rId7"/>
+          <a:stretch>
+            <a:fillRect/>
+          </a:stretch>
+        </p:blipFill>
+        <p:spPr>
+          <a:xfrm>
+            <a:off x="7844255" y="3843330"/>
+            <a:ext cx="3438525" cy="2781300"/>
+          </a:xfrm>
+          <a:prstGeom prst="rect">
+            <a:avLst/>
+          </a:prstGeom>
+        </p:spPr>
+      </p:pic>
+      <p:pic>
+        <p:nvPicPr>
+          <p:cNvPr id="10" name="תמונה 9">
+            <a:extLst>
+              <a:ext uri="{FF2B5EF4-FFF2-40B4-BE49-F238E27FC236}">
+                <a16:creationId xmlns:a16="http://schemas.microsoft.com/office/drawing/2014/main" id="{791DADC5-4ADE-4D17-AAA8-0F19C7ADBA8B}"/>
+              </a:ext>
+            </a:extLst>
+          </p:cNvPr>
+          <p:cNvPicPr>
+            <a:picLocks noChangeAspect="1"/>
+          </p:cNvPicPr>
+          <p:nvPr/>
+        </p:nvPicPr>
+        <p:blipFill>
+          <a:blip r:embed="rId2"/>
+          <a:stretch>
+            <a:fillRect/>
+          </a:stretch>
+        </p:blipFill>
+        <p:spPr>
+          <a:xfrm>
+            <a:off x="4546279" y="3640774"/>
+            <a:ext cx="2734901" cy="3080771"/>
+          </a:xfrm>
+          <a:prstGeom prst="rect">
+            <a:avLst/>
+          </a:prstGeom>
+        </p:spPr>
+      </p:pic>
+      <p:pic>
+        <p:nvPicPr>
+          <p:cNvPr id="11" name="תמונה 10">
+            <a:extLst>
+              <a:ext uri="{FF2B5EF4-FFF2-40B4-BE49-F238E27FC236}">
+                <a16:creationId xmlns:a16="http://schemas.microsoft.com/office/drawing/2014/main" id="{1AAD2E49-01D7-4721-A633-95219A79F3F8}"/>
+              </a:ext>
+            </a:extLst>
+          </p:cNvPr>
+          <p:cNvPicPr>
+            <a:picLocks noChangeAspect="1"/>
+          </p:cNvPicPr>
+          <p:nvPr/>
+        </p:nvPicPr>
+        <p:blipFill>
+          <a:blip r:embed="rId4"/>
+          <a:stretch>
+            <a:fillRect/>
+          </a:stretch>
+        </p:blipFill>
+        <p:spPr>
+          <a:xfrm>
+            <a:off x="909220" y="3580959"/>
+            <a:ext cx="2800350" cy="3200400"/>
+          </a:xfrm>
+          <a:prstGeom prst="rect">
+            <a:avLst/>
+          </a:prstGeom>
+        </p:spPr>
+      </p:pic>
+    </p:spTree>
+    <p:extLst>
+      <p:ext uri="{BB962C8B-B14F-4D97-AF65-F5344CB8AC3E}">
+        <p14:creationId xmlns:p14="http://schemas.microsoft.com/office/powerpoint/2010/main" val="757037119"/>
       </p:ext>
     </p:extLst>
   </p:cSld>
@@ -5109,7 +6528,7 @@
             </a:pPr>
             <a:r>
               <a:rPr lang="he-IL" dirty="0"/>
-              <a:t>סה"כ נתונים על 862 קשישים (חלקם זוגות)</a:t>
+              <a:t>סה"כ נתונים על 862 אזרחים ותיקים (חלקם זוגות)</a:t>
             </a:r>
           </a:p>
           <a:p>
@@ -5120,7 +6539,7 @@
             </a:pPr>
             <a:r>
               <a:rPr lang="he-IL" dirty="0"/>
-              <a:t>כל יצירת קשר בין הקשיש למוקד (וגם הפוך) מתועדת ומקוטלגת</a:t>
+              <a:t>כל יצירת קשר בין אזרח ותיק למוקד (וגם הפוך) מתועדת ומקוטלגת</a:t>
             </a:r>
           </a:p>
           <a:p>
@@ -5294,15 +6713,7 @@
             </a:pPr>
             <a:r>
               <a:rPr lang="he-IL" dirty="0"/>
-              <a:t>הורדת סוגי אירוע שהם טכניים – לא סווגו בקטגוריה </a:t>
-            </a:r>
-            <a:r>
-              <a:rPr lang="he-IL" dirty="0" err="1"/>
-              <a:t>מסויימת</a:t>
-            </a:r>
-            <a:r>
-              <a:rPr lang="he-IL" dirty="0"/>
-              <a:t>  כפעולה ע"י המוקד –סוגי האירוע הבאים:</a:t>
+              <a:t>הורדת סוגי אירוע שהם טכניים – לא סווגו בקטגוריה מסוימת  כפעולה ע"י המוקד –סוגי האירוע הבאים:</a:t>
             </a:r>
           </a:p>
           <a:p>
@@ -5456,7 +6867,7 @@
         </p:spPr>
         <p:txBody>
           <a:bodyPr>
-            <a:normAutofit lnSpcReduction="10000"/>
+            <a:normAutofit/>
           </a:bodyPr>
           <a:lstStyle/>
           <a:p>
@@ -5488,10 +6899,9 @@
               </a:lnSpc>
             </a:pPr>
             <a:r>
-              <a:rPr lang="he-IL" sz="2000" dirty="0" err="1"/>
+              <a:rPr lang="he-IL" sz="2000" dirty="0"/>
               <a:t>איתחול</a:t>
             </a:r>
-            <a:endParaRPr lang="he-IL" sz="2000" dirty="0"/>
           </a:p>
           <a:p>
             <a:pPr>
@@ -5541,14 +6951,6 @@
                 <a:spcPct val="110000"/>
               </a:lnSpc>
             </a:pPr>
-            <a:endParaRPr lang="he-IL" dirty="0"/>
-          </a:p>
-          <a:p>
-            <a:pPr>
-              <a:lnSpc>
-                <a:spcPct val="110000"/>
-              </a:lnSpc>
-            </a:pPr>
             <a:r>
               <a:rPr lang="he-IL" dirty="0"/>
               <a:t>לאחר ניקוי הנתונים והכפילויות נשארים עם 25755 רשומות שהם  23.2% מכמות הרשומות המקורית</a:t>
@@ -5562,7 +6964,7 @@
             </a:pPr>
             <a:r>
               <a:rPr lang="he-IL" dirty="0"/>
-              <a:t>לאחר הניקוי נשארים נתונים של 789 קשישים</a:t>
+              <a:t>לאחר הניקוי נשארים נתונים של 789 אזרחים ותיקים</a:t>
             </a:r>
           </a:p>
           <a:p>
@@ -5659,7 +7061,7 @@
           <a:p>
             <a:pPr>
               <a:lnSpc>
-                <a:spcPct val="110000"/>
+                <a:spcPct val="150000"/>
               </a:lnSpc>
             </a:pPr>
             <a:r>
@@ -5668,31 +7070,56 @@
             </a:r>
           </a:p>
           <a:p>
+            <a:pPr marL="0" indent="0">
+              <a:lnSpc>
+                <a:spcPct val="150000"/>
+              </a:lnSpc>
+              <a:buNone/>
+            </a:pPr>
+            <a:endParaRPr lang="he-IL" dirty="0"/>
+          </a:p>
+          <a:p>
             <a:pPr lvl="1">
               <a:lnSpc>
-                <a:spcPct val="110000"/>
+                <a:spcPct val="150000"/>
               </a:lnSpc>
             </a:pPr>
             <a:r>
+              <a:rPr lang="he-IL" b="1" dirty="0"/>
+              <a:t>מגדר</a:t>
+            </a:r>
+            <a:r>
               <a:rPr lang="he-IL" dirty="0"/>
-              <a:t>מגדר – רשומות פגומות – מצאתי את המין ברשומות קיימות אחרות ,2 אנשים שלא היה את המגדר שלהם – השלמתי לפי השכיח</a:t>
+              <a:t> – רשומות פגומות – מצאתי את המין ברשומות קיימות אחרות ,2 אנשים שלא היה את המגדר שלהם – השלמתי לפי השכיח (המגדר השכיח כפי שניתן לראות בהמשך הוא נקבה)</a:t>
             </a:r>
           </a:p>
           <a:p>
             <a:pPr lvl="1">
               <a:lnSpc>
-                <a:spcPct val="110000"/>
+                <a:spcPct val="150000"/>
               </a:lnSpc>
             </a:pPr>
+            <a:endParaRPr lang="he-IL" dirty="0"/>
+          </a:p>
+          <a:p>
+            <a:pPr lvl="1">
+              <a:lnSpc>
+                <a:spcPct val="150000"/>
+              </a:lnSpc>
+            </a:pPr>
+            <a:r>
+              <a:rPr lang="he-IL" b="1" dirty="0"/>
+              <a:t>תיאור פעולה  </a:t>
+            </a:r>
             <a:r>
               <a:rPr lang="he-IL" dirty="0"/>
-              <a:t>תיאור פעולה  - קיימות 761 רשומות ללא תיאור פעולה.</a:t>
+              <a:t>- קיימות 761 רשומות ללא תיאור פעולה – לצורך הניתוח הראשוני החלטתי להוריד אותם.</a:t>
             </a:r>
           </a:p>
           <a:p>
             <a:pPr lvl="1">
               <a:lnSpc>
-                <a:spcPct val="110000"/>
+                <a:spcPct val="150000"/>
               </a:lnSpc>
             </a:pPr>
             <a:endParaRPr lang="he-IL" dirty="0"/>
@@ -5782,7 +7209,7 @@
         </p:nvSpPr>
         <p:spPr>
           <a:xfrm>
-            <a:off x="1282912" y="1677525"/>
+            <a:off x="1325008" y="1677525"/>
             <a:ext cx="10058400" cy="4050792"/>
           </a:xfrm>
         </p:spPr>
@@ -5794,18 +7221,18 @@
           <a:p>
             <a:pPr>
               <a:lnSpc>
-                <a:spcPct val="110000"/>
+                <a:spcPct val="150000"/>
               </a:lnSpc>
             </a:pPr>
             <a:r>
               <a:rPr lang="he-IL" dirty="0"/>
-              <a:t>יצירת עמודה שהיא כמות הפניות למוקד של הקשיש (כל הנתונים הם קטגוריאליים –יצירת מאפיין נומרי) </a:t>
+              <a:t>יצירת עמודה שהיא כמות הפניות למוקד של האזרח הוותיק (כל הנתונים הם קטגוריאליים –יצירת מאפיין נומרי) </a:t>
             </a:r>
           </a:p>
           <a:p>
             <a:pPr lvl="1">
               <a:lnSpc>
-                <a:spcPct val="110000"/>
+                <a:spcPct val="150000"/>
               </a:lnSpc>
             </a:pPr>
             <a:r>
@@ -5816,50 +7243,162 @@
           <a:p>
             <a:pPr lvl="2">
               <a:lnSpc>
-                <a:spcPct val="110000"/>
+                <a:spcPct val="150000"/>
               </a:lnSpc>
             </a:pPr>
             <a:r>
               <a:rPr lang="he-IL" dirty="0"/>
-              <a:t>סטיית תקן – בודקים מי נמצא מחוץ לתחום +- 3 סטיות תקן של כמות הפניות של הקשיש</a:t>
-            </a:r>
-          </a:p>
-          <a:p>
-            <a:pPr lvl="2">
-              <a:lnSpc>
-                <a:spcPct val="110000"/>
-              </a:lnSpc>
-            </a:pPr>
+              <a:t>סטיית תקן – בודקים מי נמצא מחוץ לתחום +- 3 סטיות תקן של כמות הפניות של האזרח הוותיק</a:t>
+            </a:r>
+          </a:p>
+        </p:txBody>
+      </p:sp>
+      <p:pic>
+        <p:nvPicPr>
+          <p:cNvPr id="9" name="תמונה 8">
+            <a:extLst>
+              <a:ext uri="{FF2B5EF4-FFF2-40B4-BE49-F238E27FC236}">
+                <a16:creationId xmlns:a16="http://schemas.microsoft.com/office/drawing/2014/main" id="{845E36D4-C545-4BC3-96F7-D703B96E07A6}"/>
+              </a:ext>
+            </a:extLst>
+          </p:cNvPr>
+          <p:cNvPicPr>
+            <a:picLocks noChangeAspect="1"/>
+          </p:cNvPicPr>
+          <p:nvPr/>
+        </p:nvPicPr>
+        <p:blipFill>
+          <a:blip r:embed="rId2"/>
+          <a:stretch>
+            <a:fillRect/>
+          </a:stretch>
+        </p:blipFill>
+        <p:spPr>
+          <a:xfrm>
+            <a:off x="603682" y="3698217"/>
+            <a:ext cx="3943920" cy="2791359"/>
+          </a:xfrm>
+          <a:prstGeom prst="rect">
+            <a:avLst/>
+          </a:prstGeom>
+        </p:spPr>
+      </p:pic>
+      <p:pic>
+        <p:nvPicPr>
+          <p:cNvPr id="5" name="תמונה 4">
+            <a:extLst>
+              <a:ext uri="{FF2B5EF4-FFF2-40B4-BE49-F238E27FC236}">
+                <a16:creationId xmlns:a16="http://schemas.microsoft.com/office/drawing/2014/main" id="{01262C10-E3FE-4B3F-98E6-230E6460FD67}"/>
+              </a:ext>
+            </a:extLst>
+          </p:cNvPr>
+          <p:cNvPicPr>
+            <a:picLocks noChangeAspect="1"/>
+          </p:cNvPicPr>
+          <p:nvPr/>
+        </p:nvPicPr>
+        <p:blipFill>
+          <a:blip r:embed="rId3"/>
+          <a:stretch>
+            <a:fillRect/>
+          </a:stretch>
+        </p:blipFill>
+        <p:spPr>
+          <a:xfrm>
+            <a:off x="4982915" y="3561567"/>
+            <a:ext cx="4054553" cy="3178840"/>
+          </a:xfrm>
+          <a:prstGeom prst="rect">
+            <a:avLst/>
+          </a:prstGeom>
+        </p:spPr>
+      </p:pic>
+      <p:cxnSp>
+        <p:nvCxnSpPr>
+          <p:cNvPr id="8" name="מחבר חץ ישר 7">
+            <a:extLst>
+              <a:ext uri="{FF2B5EF4-FFF2-40B4-BE49-F238E27FC236}">
+                <a16:creationId xmlns:a16="http://schemas.microsoft.com/office/drawing/2014/main" id="{73C2295E-3534-4BA7-9192-5E4874ACCCD4}"/>
+              </a:ext>
+            </a:extLst>
+          </p:cNvPr>
+          <p:cNvCxnSpPr>
+            <a:cxnSpLocks/>
+          </p:cNvCxnSpPr>
+          <p:nvPr/>
+        </p:nvCxnSpPr>
+        <p:spPr>
+          <a:xfrm flipV="1">
+            <a:off x="9241654" y="4687410"/>
+            <a:ext cx="552957" cy="463579"/>
+          </a:xfrm>
+          <a:prstGeom prst="straightConnector1">
+            <a:avLst/>
+          </a:prstGeom>
+          <a:ln>
+            <a:tailEnd type="triangle"/>
+          </a:ln>
+        </p:spPr>
+        <p:style>
+          <a:lnRef idx="1">
+            <a:schemeClr val="accent1"/>
+          </a:lnRef>
+          <a:fillRef idx="0">
+            <a:schemeClr val="accent1"/>
+          </a:fillRef>
+          <a:effectRef idx="0">
+            <a:schemeClr val="accent1"/>
+          </a:effectRef>
+          <a:fontRef idx="minor">
+            <a:schemeClr val="tx1"/>
+          </a:fontRef>
+        </p:style>
+      </p:cxnSp>
+      <p:sp>
+        <p:nvSpPr>
+          <p:cNvPr id="11" name="מלבן: פינות מעוגלות 10">
+            <a:extLst>
+              <a:ext uri="{FF2B5EF4-FFF2-40B4-BE49-F238E27FC236}">
+                <a16:creationId xmlns:a16="http://schemas.microsoft.com/office/drawing/2014/main" id="{A2155CE9-D0A8-466E-BE4F-48B32F6E785F}"/>
+              </a:ext>
+            </a:extLst>
+          </p:cNvPr>
+          <p:cNvSpPr/>
+          <p:nvPr/>
+        </p:nvSpPr>
+        <p:spPr>
+          <a:xfrm>
+            <a:off x="9761641" y="3581308"/>
+            <a:ext cx="1588797" cy="1125843"/>
+          </a:xfrm>
+          <a:prstGeom prst="roundRect">
+            <a:avLst/>
+          </a:prstGeom>
+        </p:spPr>
+        <p:style>
+          <a:lnRef idx="2">
+            <a:schemeClr val="accent4">
+              <a:shade val="50000"/>
+            </a:schemeClr>
+          </a:lnRef>
+          <a:fillRef idx="1">
+            <a:schemeClr val="accent4"/>
+          </a:fillRef>
+          <a:effectRef idx="0">
+            <a:schemeClr val="accent4"/>
+          </a:effectRef>
+          <a:fontRef idx="minor">
+            <a:schemeClr val="lt1"/>
+          </a:fontRef>
+        </p:style>
+        <p:txBody>
+          <a:bodyPr rtlCol="1" anchor="ctr"/>
+          <a:lstStyle/>
+          <a:p>
+            <a:pPr algn="ctr"/>
             <a:r>
               <a:rPr lang="he-IL" dirty="0"/>
-              <a:t>אחוזונים- הפרש בין אחוזון 75 לאחוזון 25 כפול בקבוע </a:t>
-            </a:r>
-            <a:r>
-              <a:rPr lang="en-US" dirty="0"/>
-              <a:t>k</a:t>
-            </a:r>
-            <a:r>
-              <a:rPr lang="he-IL" dirty="0"/>
-              <a:t> מחסירים את הערך </a:t>
-            </a:r>
-            <a:r>
-              <a:rPr lang="he-IL" dirty="0" err="1"/>
-              <a:t>הנל</a:t>
-            </a:r>
-            <a:r>
-              <a:rPr lang="he-IL" dirty="0"/>
-              <a:t> מהאחוזון 25 ומוסיפים את הערך לאחוזון 75 ובודקים מי מחוץ לתחום הנ"ל</a:t>
-            </a:r>
-          </a:p>
-          <a:p>
-            <a:pPr>
-              <a:lnSpc>
-                <a:spcPct val="110000"/>
-              </a:lnSpc>
-            </a:pPr>
-            <a:r>
-              <a:rPr lang="he-IL" dirty="0"/>
-              <a:t>לאחר הסרת החריגים נשארו 23650 רשומות – ירדו הקשישים בעלי כמות הפניות הגבוהה ביותר ומעט קשישים הורידו את רוב הרשומות.</a:t>
+              <a:t>סה"כ שני אזרחים ותיקים ירדו ירדו</a:t>
             </a:r>
           </a:p>
         </p:txBody>
@@ -5867,7 +7406,7 @@
     </p:spTree>
     <p:extLst>
       <p:ext uri="{BB962C8B-B14F-4D97-AF65-F5344CB8AC3E}">
-        <p14:creationId xmlns:p14="http://schemas.microsoft.com/office/powerpoint/2010/main" val="3502584498"/>
+        <p14:creationId xmlns:p14="http://schemas.microsoft.com/office/powerpoint/2010/main" val="2028608344"/>
       </p:ext>
     </p:extLst>
   </p:cSld>
@@ -5910,7 +7449,12 @@
             <p:ph type="title"/>
           </p:nvPr>
         </p:nvSpPr>
-        <p:spPr/>
+        <p:spPr>
+          <a:xfrm>
+            <a:off x="1396893" y="129525"/>
+            <a:ext cx="10058400" cy="1609344"/>
+          </a:xfrm>
+        </p:spPr>
         <p:txBody>
           <a:bodyPr/>
           <a:lstStyle/>
@@ -5918,7 +7462,7 @@
             <a:pPr algn="r"/>
             <a:r>
               <a:rPr lang="he-IL" dirty="0"/>
-              <a:t>היכרות עם הנתונים</a:t>
+              <a:t>הסרת ערכים חריגים</a:t>
             </a:r>
           </a:p>
         </p:txBody>
@@ -5941,7 +7485,7 @@
         </p:nvSpPr>
         <p:spPr>
           <a:xfrm>
-            <a:off x="1282912" y="1677525"/>
+            <a:off x="1396893" y="1330565"/>
             <a:ext cx="10058400" cy="4050792"/>
           </a:xfrm>
         </p:spPr>
@@ -5951,43 +7495,80 @@
           </a:bodyPr>
           <a:lstStyle/>
           <a:p>
-            <a:pPr>
-              <a:lnSpc>
-                <a:spcPct val="110000"/>
+            <a:pPr lvl="1">
+              <a:lnSpc>
+                <a:spcPct val="150000"/>
               </a:lnSpc>
             </a:pPr>
             <a:r>
               <a:rPr lang="he-IL" dirty="0"/>
-              <a:t>פרופורציית הרשומות לפי מגדר בסט:</a:t>
-            </a:r>
-          </a:p>
-          <a:p>
-            <a:pPr>
-              <a:lnSpc>
-                <a:spcPct val="110000"/>
+              <a:t>אחוזונים- הפרש בין אחוזון 75 לאחוזון 25 כפול בקבוע </a:t>
+            </a:r>
+            <a:r>
+              <a:rPr lang="en-US" dirty="0"/>
+              <a:t>k</a:t>
+            </a:r>
+            <a:r>
+              <a:rPr lang="he-IL" dirty="0"/>
+              <a:t> מחסירים את הערך </a:t>
+            </a:r>
+            <a:r>
+              <a:rPr lang="he-IL" dirty="0" err="1"/>
+              <a:t>הנל</a:t>
+            </a:r>
+            <a:r>
+              <a:rPr lang="he-IL" dirty="0"/>
+              <a:t> מהאחוזון 25 ומוסיפים את הערך לאחוזון 75 ובודקים מי מחוץ לתחום הנ"ל</a:t>
+            </a:r>
+          </a:p>
+          <a:p>
+            <a:pPr lvl="1">
+              <a:lnSpc>
+                <a:spcPct val="150000"/>
               </a:lnSpc>
             </a:pPr>
             <a:endParaRPr lang="he-IL" dirty="0"/>
           </a:p>
           <a:p>
-            <a:pPr lvl="1">
-              <a:lnSpc>
-                <a:spcPct val="110000"/>
+            <a:pPr>
+              <a:lnSpc>
+                <a:spcPct val="150000"/>
               </a:lnSpc>
             </a:pPr>
             <a:endParaRPr lang="he-IL" dirty="0"/>
           </a:p>
           <a:p>
+            <a:pPr>
+              <a:lnSpc>
+                <a:spcPct val="150000"/>
+              </a:lnSpc>
+            </a:pPr>
+            <a:endParaRPr lang="he-IL" dirty="0"/>
+          </a:p>
+          <a:p>
+            <a:pPr>
+              <a:lnSpc>
+                <a:spcPct val="150000"/>
+              </a:lnSpc>
+            </a:pPr>
+            <a:endParaRPr lang="he-IL" dirty="0"/>
+          </a:p>
+          <a:p>
+            <a:pPr>
+              <a:lnSpc>
+                <a:spcPct val="150000"/>
+              </a:lnSpc>
+            </a:pPr>
             <a:endParaRPr lang="he-IL" dirty="0"/>
           </a:p>
         </p:txBody>
       </p:sp>
       <p:pic>
         <p:nvPicPr>
-          <p:cNvPr id="5" name="תמונה 4">
+          <p:cNvPr id="7" name="תמונה 6">
             <a:extLst>
               <a:ext uri="{FF2B5EF4-FFF2-40B4-BE49-F238E27FC236}">
-                <a16:creationId xmlns:a16="http://schemas.microsoft.com/office/drawing/2014/main" id="{B4DBD480-38A9-4A03-A74D-CF72AF80EF22}"/>
+                <a16:creationId xmlns:a16="http://schemas.microsoft.com/office/drawing/2014/main" id="{4AC8F4FC-CE8A-4782-B713-DB15DADC58D7}"/>
               </a:ext>
             </a:extLst>
           </p:cNvPr>
@@ -6004,8 +7585,8 @@
         </p:blipFill>
         <p:spPr>
           <a:xfrm>
-            <a:off x="6312024" y="2123099"/>
-            <a:ext cx="3981265" cy="4250269"/>
+            <a:off x="210550" y="2443037"/>
+            <a:ext cx="5715017" cy="2530015"/>
           </a:xfrm>
           <a:prstGeom prst="rect">
             <a:avLst/>
@@ -6014,10 +7595,10 @@
       </p:pic>
       <p:pic>
         <p:nvPicPr>
-          <p:cNvPr id="9" name="תמונה 8">
+          <p:cNvPr id="11" name="תמונה 10">
             <a:extLst>
               <a:ext uri="{FF2B5EF4-FFF2-40B4-BE49-F238E27FC236}">
-                <a16:creationId xmlns:a16="http://schemas.microsoft.com/office/drawing/2014/main" id="{6608F7B1-6D87-406D-AB25-F851B6CE004E}"/>
+                <a16:creationId xmlns:a16="http://schemas.microsoft.com/office/drawing/2014/main" id="{5349C7E6-4487-4077-B147-08B030CE2D38}"/>
               </a:ext>
             </a:extLst>
           </p:cNvPr>
@@ -6034,18 +7615,449 @@
         </p:blipFill>
         <p:spPr>
           <a:xfrm>
-            <a:off x="1392684" y="2399293"/>
-            <a:ext cx="3797347" cy="3651550"/>
+            <a:off x="6008144" y="2191798"/>
+            <a:ext cx="3737499" cy="2959191"/>
           </a:xfrm>
           <a:prstGeom prst="rect">
             <a:avLst/>
           </a:prstGeom>
         </p:spPr>
       </p:pic>
+      <p:sp>
+        <p:nvSpPr>
+          <p:cNvPr id="12" name="מציין מיקום תוכן 2">
+            <a:extLst>
+              <a:ext uri="{FF2B5EF4-FFF2-40B4-BE49-F238E27FC236}">
+                <a16:creationId xmlns:a16="http://schemas.microsoft.com/office/drawing/2014/main" id="{DA4E5C60-E209-4F26-9BBF-C8D85A9F2841}"/>
+              </a:ext>
+            </a:extLst>
+          </p:cNvPr>
+          <p:cNvSpPr txBox="1">
+            <a:spLocks/>
+          </p:cNvSpPr>
+          <p:nvPr/>
+        </p:nvSpPr>
+        <p:spPr>
+          <a:xfrm>
+            <a:off x="1503565" y="4973053"/>
+            <a:ext cx="10058399" cy="1443857"/>
+          </a:xfrm>
+          <a:prstGeom prst="rect">
+            <a:avLst/>
+          </a:prstGeom>
+        </p:spPr>
+        <p:txBody>
+          <a:bodyPr vert="horz" lIns="91440" tIns="45720" rIns="91440" bIns="45720" rtlCol="0">
+            <a:normAutofit/>
+          </a:bodyPr>
+          <a:lstStyle>
+            <a:lvl1pPr marL="182880" indent="-182880" algn="r" defTabSz="914400" rtl="1" eaLnBrk="1" latinLnBrk="0" hangingPunct="1">
+              <a:lnSpc>
+                <a:spcPct val="90000"/>
+              </a:lnSpc>
+              <a:spcBef>
+                <a:spcPts val="1200"/>
+              </a:spcBef>
+              <a:buClr>
+                <a:schemeClr val="accent1">
+                  <a:lumMod val="75000"/>
+                </a:schemeClr>
+              </a:buClr>
+              <a:buSzPct val="85000"/>
+              <a:buFont typeface="Wingdings" pitchFamily="2" charset="2"/>
+              <a:buChar char="§"/>
+              <a:defRPr sz="2000" kern="1200">
+                <a:solidFill>
+                  <a:schemeClr val="tx1"/>
+                </a:solidFill>
+                <a:latin typeface="+mn-lt"/>
+                <a:ea typeface="+mn-ea"/>
+                <a:cs typeface="+mn-cs"/>
+              </a:defRPr>
+            </a:lvl1pPr>
+            <a:lvl2pPr marL="457200" indent="-182880" algn="r" defTabSz="914400" rtl="1" eaLnBrk="1" latinLnBrk="0" hangingPunct="1">
+              <a:lnSpc>
+                <a:spcPct val="90000"/>
+              </a:lnSpc>
+              <a:spcBef>
+                <a:spcPts val="400"/>
+              </a:spcBef>
+              <a:spcAft>
+                <a:spcPts val="200"/>
+              </a:spcAft>
+              <a:buClr>
+                <a:schemeClr val="accent1">
+                  <a:lumMod val="75000"/>
+                </a:schemeClr>
+              </a:buClr>
+              <a:buSzPct val="85000"/>
+              <a:buFont typeface="Wingdings" pitchFamily="2" charset="2"/>
+              <a:buChar char="§"/>
+              <a:defRPr sz="1800" kern="1200">
+                <a:solidFill>
+                  <a:schemeClr val="tx1"/>
+                </a:solidFill>
+                <a:latin typeface="+mn-lt"/>
+                <a:ea typeface="+mn-ea"/>
+                <a:cs typeface="+mn-cs"/>
+              </a:defRPr>
+            </a:lvl2pPr>
+            <a:lvl3pPr marL="731520" indent="-182880" algn="r" defTabSz="914400" rtl="1" eaLnBrk="1" latinLnBrk="0" hangingPunct="1">
+              <a:lnSpc>
+                <a:spcPct val="90000"/>
+              </a:lnSpc>
+              <a:spcBef>
+                <a:spcPts val="400"/>
+              </a:spcBef>
+              <a:spcAft>
+                <a:spcPts val="200"/>
+              </a:spcAft>
+              <a:buClr>
+                <a:schemeClr val="accent1">
+                  <a:lumMod val="75000"/>
+                </a:schemeClr>
+              </a:buClr>
+              <a:buSzPct val="85000"/>
+              <a:buFont typeface="Wingdings" pitchFamily="2" charset="2"/>
+              <a:buChar char="§"/>
+              <a:defRPr sz="1600" kern="1200">
+                <a:solidFill>
+                  <a:schemeClr val="tx1"/>
+                </a:solidFill>
+                <a:latin typeface="+mn-lt"/>
+                <a:ea typeface="+mn-ea"/>
+                <a:cs typeface="+mn-cs"/>
+              </a:defRPr>
+            </a:lvl3pPr>
+            <a:lvl4pPr marL="1005840" indent="-182880" algn="r" defTabSz="914400" rtl="1" eaLnBrk="1" latinLnBrk="0" hangingPunct="1">
+              <a:lnSpc>
+                <a:spcPct val="90000"/>
+              </a:lnSpc>
+              <a:spcBef>
+                <a:spcPts val="400"/>
+              </a:spcBef>
+              <a:spcAft>
+                <a:spcPts val="200"/>
+              </a:spcAft>
+              <a:buClr>
+                <a:schemeClr val="accent1">
+                  <a:lumMod val="75000"/>
+                </a:schemeClr>
+              </a:buClr>
+              <a:buSzPct val="85000"/>
+              <a:buFont typeface="Wingdings" pitchFamily="2" charset="2"/>
+              <a:buChar char="§"/>
+              <a:defRPr sz="1600" kern="1200">
+                <a:solidFill>
+                  <a:schemeClr val="tx1"/>
+                </a:solidFill>
+                <a:latin typeface="+mn-lt"/>
+                <a:ea typeface="+mn-ea"/>
+                <a:cs typeface="+mn-cs"/>
+              </a:defRPr>
+            </a:lvl4pPr>
+            <a:lvl5pPr marL="1280160" indent="-182880" algn="r" defTabSz="914400" rtl="1" eaLnBrk="1" latinLnBrk="0" hangingPunct="1">
+              <a:lnSpc>
+                <a:spcPct val="90000"/>
+              </a:lnSpc>
+              <a:spcBef>
+                <a:spcPts val="400"/>
+              </a:spcBef>
+              <a:spcAft>
+                <a:spcPts val="200"/>
+              </a:spcAft>
+              <a:buClr>
+                <a:schemeClr val="accent1">
+                  <a:lumMod val="75000"/>
+                </a:schemeClr>
+              </a:buClr>
+              <a:buSzPct val="85000"/>
+              <a:buFont typeface="Wingdings" pitchFamily="2" charset="2"/>
+              <a:buChar char="§"/>
+              <a:defRPr sz="1600" kern="1200">
+                <a:solidFill>
+                  <a:schemeClr val="tx1"/>
+                </a:solidFill>
+                <a:latin typeface="+mn-lt"/>
+                <a:ea typeface="+mn-ea"/>
+                <a:cs typeface="+mn-cs"/>
+              </a:defRPr>
+            </a:lvl5pPr>
+            <a:lvl6pPr marL="1600000" indent="-228600" algn="r" defTabSz="914400" rtl="1" eaLnBrk="1" latinLnBrk="0" hangingPunct="1">
+              <a:lnSpc>
+                <a:spcPct val="90000"/>
+              </a:lnSpc>
+              <a:spcBef>
+                <a:spcPts val="400"/>
+              </a:spcBef>
+              <a:spcAft>
+                <a:spcPts val="200"/>
+              </a:spcAft>
+              <a:buClr>
+                <a:schemeClr val="accent1">
+                  <a:lumMod val="75000"/>
+                </a:schemeClr>
+              </a:buClr>
+              <a:buSzPct val="85000"/>
+              <a:buFont typeface="Wingdings" pitchFamily="2" charset="2"/>
+              <a:buChar char="§"/>
+              <a:defRPr sz="1600" kern="1200">
+                <a:solidFill>
+                  <a:schemeClr val="tx1"/>
+                </a:solidFill>
+                <a:latin typeface="+mn-lt"/>
+                <a:ea typeface="+mn-ea"/>
+                <a:cs typeface="+mn-cs"/>
+              </a:defRPr>
+            </a:lvl6pPr>
+            <a:lvl7pPr marL="1900000" indent="-228600" algn="r" defTabSz="914400" rtl="1" eaLnBrk="1" latinLnBrk="0" hangingPunct="1">
+              <a:lnSpc>
+                <a:spcPct val="90000"/>
+              </a:lnSpc>
+              <a:spcBef>
+                <a:spcPts val="400"/>
+              </a:spcBef>
+              <a:spcAft>
+                <a:spcPts val="200"/>
+              </a:spcAft>
+              <a:buClr>
+                <a:schemeClr val="accent1">
+                  <a:lumMod val="75000"/>
+                </a:schemeClr>
+              </a:buClr>
+              <a:buSzPct val="85000"/>
+              <a:buFont typeface="Wingdings" pitchFamily="2" charset="2"/>
+              <a:buChar char="§"/>
+              <a:defRPr sz="1600" kern="1200">
+                <a:solidFill>
+                  <a:schemeClr val="tx1"/>
+                </a:solidFill>
+                <a:latin typeface="+mn-lt"/>
+                <a:ea typeface="+mn-ea"/>
+                <a:cs typeface="+mn-cs"/>
+              </a:defRPr>
+            </a:lvl7pPr>
+            <a:lvl8pPr marL="2200000" indent="-228600" algn="r" defTabSz="914400" rtl="1" eaLnBrk="1" latinLnBrk="0" hangingPunct="1">
+              <a:lnSpc>
+                <a:spcPct val="90000"/>
+              </a:lnSpc>
+              <a:spcBef>
+                <a:spcPts val="400"/>
+              </a:spcBef>
+              <a:spcAft>
+                <a:spcPts val="200"/>
+              </a:spcAft>
+              <a:buClr>
+                <a:schemeClr val="accent1">
+                  <a:lumMod val="75000"/>
+                </a:schemeClr>
+              </a:buClr>
+              <a:buSzPct val="85000"/>
+              <a:buFont typeface="Wingdings" pitchFamily="2" charset="2"/>
+              <a:buChar char="§"/>
+              <a:defRPr sz="1600" kern="1200">
+                <a:solidFill>
+                  <a:schemeClr val="tx1"/>
+                </a:solidFill>
+                <a:latin typeface="+mn-lt"/>
+                <a:ea typeface="+mn-ea"/>
+                <a:cs typeface="+mn-cs"/>
+              </a:defRPr>
+            </a:lvl8pPr>
+            <a:lvl9pPr marL="2500000" indent="-228600" algn="r" defTabSz="914400" rtl="1" eaLnBrk="1" latinLnBrk="0" hangingPunct="1">
+              <a:lnSpc>
+                <a:spcPct val="90000"/>
+              </a:lnSpc>
+              <a:spcBef>
+                <a:spcPts val="400"/>
+              </a:spcBef>
+              <a:spcAft>
+                <a:spcPts val="200"/>
+              </a:spcAft>
+              <a:buClr>
+                <a:schemeClr val="accent1">
+                  <a:lumMod val="75000"/>
+                </a:schemeClr>
+              </a:buClr>
+              <a:buSzPct val="85000"/>
+              <a:buFont typeface="Wingdings" pitchFamily="2" charset="2"/>
+              <a:buChar char="§"/>
+              <a:defRPr sz="1600" kern="1200">
+                <a:solidFill>
+                  <a:schemeClr val="tx1"/>
+                </a:solidFill>
+                <a:latin typeface="+mn-lt"/>
+                <a:ea typeface="+mn-ea"/>
+                <a:cs typeface="+mn-cs"/>
+              </a:defRPr>
+            </a:lvl9pPr>
+          </a:lstStyle>
+          <a:p>
+            <a:pPr lvl="1">
+              <a:lnSpc>
+                <a:spcPct val="150000"/>
+              </a:lnSpc>
+            </a:pPr>
+            <a:r>
+              <a:rPr lang="he-IL" dirty="0"/>
+              <a:t>סה"כ ב-2 השיטות ירדו 8 אזרחים ותיקים</a:t>
+            </a:r>
+          </a:p>
+          <a:p>
+            <a:pPr lvl="1">
+              <a:lnSpc>
+                <a:spcPct val="150000"/>
+              </a:lnSpc>
+            </a:pPr>
+            <a:r>
+              <a:rPr lang="he-IL" dirty="0"/>
+              <a:t>לאחר הסרת החריגים נשארו 23650 רשומות – ירדו אזרחים ותיקים בעלי כמות הפניות הגבוהה ביותר ומעט אזרחים ותיקים הורידו את רוב הרשומות.</a:t>
+            </a:r>
+          </a:p>
+          <a:p>
+            <a:pPr lvl="1">
+              <a:lnSpc>
+                <a:spcPct val="150000"/>
+              </a:lnSpc>
+            </a:pPr>
+            <a:endParaRPr lang="he-IL" dirty="0"/>
+          </a:p>
+          <a:p>
+            <a:pPr lvl="1">
+              <a:lnSpc>
+                <a:spcPct val="150000"/>
+              </a:lnSpc>
+            </a:pPr>
+            <a:endParaRPr lang="he-IL" dirty="0"/>
+          </a:p>
+          <a:p>
+            <a:pPr>
+              <a:lnSpc>
+                <a:spcPct val="150000"/>
+              </a:lnSpc>
+            </a:pPr>
+            <a:endParaRPr lang="he-IL" dirty="0"/>
+          </a:p>
+          <a:p>
+            <a:pPr>
+              <a:lnSpc>
+                <a:spcPct val="150000"/>
+              </a:lnSpc>
+            </a:pPr>
+            <a:endParaRPr lang="he-IL" dirty="0"/>
+          </a:p>
+          <a:p>
+            <a:pPr>
+              <a:lnSpc>
+                <a:spcPct val="150000"/>
+              </a:lnSpc>
+            </a:pPr>
+            <a:endParaRPr lang="he-IL" dirty="0"/>
+          </a:p>
+          <a:p>
+            <a:pPr>
+              <a:lnSpc>
+                <a:spcPct val="150000"/>
+              </a:lnSpc>
+            </a:pPr>
+            <a:endParaRPr lang="he-IL" dirty="0"/>
+          </a:p>
+        </p:txBody>
+      </p:sp>
+      <p:cxnSp>
+        <p:nvCxnSpPr>
+          <p:cNvPr id="13" name="מחבר חץ ישר 12">
+            <a:extLst>
+              <a:ext uri="{FF2B5EF4-FFF2-40B4-BE49-F238E27FC236}">
+                <a16:creationId xmlns:a16="http://schemas.microsoft.com/office/drawing/2014/main" id="{04C79A2A-4212-462C-B90E-EE7E19084B98}"/>
+              </a:ext>
+            </a:extLst>
+          </p:cNvPr>
+          <p:cNvCxnSpPr>
+            <a:cxnSpLocks/>
+          </p:cNvCxnSpPr>
+          <p:nvPr/>
+        </p:nvCxnSpPr>
+        <p:spPr>
+          <a:xfrm flipV="1">
+            <a:off x="9801185" y="3490539"/>
+            <a:ext cx="552957" cy="463579"/>
+          </a:xfrm>
+          <a:prstGeom prst="straightConnector1">
+            <a:avLst/>
+          </a:prstGeom>
+          <a:ln>
+            <a:tailEnd type="triangle"/>
+          </a:ln>
+        </p:spPr>
+        <p:style>
+          <a:lnRef idx="1">
+            <a:schemeClr val="accent1"/>
+          </a:lnRef>
+          <a:fillRef idx="0">
+            <a:schemeClr val="accent1"/>
+          </a:fillRef>
+          <a:effectRef idx="0">
+            <a:schemeClr val="accent1"/>
+          </a:effectRef>
+          <a:fontRef idx="minor">
+            <a:schemeClr val="tx1"/>
+          </a:fontRef>
+        </p:style>
+      </p:cxnSp>
+      <p:sp>
+        <p:nvSpPr>
+          <p:cNvPr id="14" name="מלבן: פינות מעוגלות 13">
+            <a:extLst>
+              <a:ext uri="{FF2B5EF4-FFF2-40B4-BE49-F238E27FC236}">
+                <a16:creationId xmlns:a16="http://schemas.microsoft.com/office/drawing/2014/main" id="{F8BD48CE-6ACA-42D7-A310-2E91C938A053}"/>
+              </a:ext>
+            </a:extLst>
+          </p:cNvPr>
+          <p:cNvSpPr/>
+          <p:nvPr/>
+        </p:nvSpPr>
+        <p:spPr>
+          <a:xfrm>
+            <a:off x="10409685" y="2596486"/>
+            <a:ext cx="1588797" cy="1125843"/>
+          </a:xfrm>
+          <a:prstGeom prst="roundRect">
+            <a:avLst/>
+          </a:prstGeom>
+        </p:spPr>
+        <p:style>
+          <a:lnRef idx="2">
+            <a:schemeClr val="accent4">
+              <a:shade val="50000"/>
+            </a:schemeClr>
+          </a:lnRef>
+          <a:fillRef idx="1">
+            <a:schemeClr val="accent4"/>
+          </a:fillRef>
+          <a:effectRef idx="0">
+            <a:schemeClr val="accent4"/>
+          </a:effectRef>
+          <a:fontRef idx="minor">
+            <a:schemeClr val="lt1"/>
+          </a:fontRef>
+        </p:style>
+        <p:txBody>
+          <a:bodyPr rtlCol="1" anchor="ctr"/>
+          <a:lstStyle/>
+          <a:p>
+            <a:pPr algn="ctr"/>
+            <a:r>
+              <a:rPr lang="he-IL" dirty="0"/>
+              <a:t>סה"כ שישה אזרחים ותיקים ירדו ירדו</a:t>
+            </a:r>
+          </a:p>
+        </p:txBody>
+      </p:sp>
     </p:spTree>
     <p:extLst>
       <p:ext uri="{BB962C8B-B14F-4D97-AF65-F5344CB8AC3E}">
-        <p14:creationId xmlns:p14="http://schemas.microsoft.com/office/powerpoint/2010/main" val="2300717755"/>
+        <p14:creationId xmlns:p14="http://schemas.microsoft.com/office/powerpoint/2010/main" val="3502584498"/>
       </p:ext>
     </p:extLst>
   </p:cSld>
@@ -6088,12 +8100,7 @@
             <p:ph type="title"/>
           </p:nvPr>
         </p:nvSpPr>
-        <p:spPr>
-          <a:xfrm>
-            <a:off x="1655774" y="-414384"/>
-            <a:ext cx="10058400" cy="1609344"/>
-          </a:xfrm>
-        </p:spPr>
+        <p:spPr/>
         <p:txBody>
           <a:bodyPr/>
           <a:lstStyle/>
@@ -6101,17 +8108,76 @@
             <a:pPr algn="r"/>
             <a:r>
               <a:rPr lang="he-IL" dirty="0"/>
-              <a:t>היכרות  עם הנתונים	</a:t>
-            </a:r>
+              <a:t>היכרות עם הנתונים</a:t>
+            </a:r>
+          </a:p>
+        </p:txBody>
+      </p:sp>
+      <p:sp>
+        <p:nvSpPr>
+          <p:cNvPr id="3" name="מציין מיקום תוכן 2">
+            <a:extLst>
+              <a:ext uri="{FF2B5EF4-FFF2-40B4-BE49-F238E27FC236}">
+                <a16:creationId xmlns:a16="http://schemas.microsoft.com/office/drawing/2014/main" id="{F503CA34-A7B7-401C-BF52-FF4FF88F04B5}"/>
+              </a:ext>
+            </a:extLst>
+          </p:cNvPr>
+          <p:cNvSpPr>
+            <a:spLocks noGrp="1"/>
+          </p:cNvSpPr>
+          <p:nvPr>
+            <p:ph idx="1"/>
+          </p:nvPr>
+        </p:nvSpPr>
+        <p:spPr>
+          <a:xfrm>
+            <a:off x="1282912" y="1677525"/>
+            <a:ext cx="10058400" cy="4050792"/>
+          </a:xfrm>
+        </p:spPr>
+        <p:txBody>
+          <a:bodyPr>
+            <a:normAutofit/>
+          </a:bodyPr>
+          <a:lstStyle/>
+          <a:p>
+            <a:pPr>
+              <a:lnSpc>
+                <a:spcPct val="110000"/>
+              </a:lnSpc>
+            </a:pPr>
+            <a:r>
+              <a:rPr lang="he-IL" dirty="0"/>
+              <a:t>התפלגות מגדר האוכלוסייה</a:t>
+            </a:r>
+          </a:p>
+          <a:p>
+            <a:pPr>
+              <a:lnSpc>
+                <a:spcPct val="110000"/>
+              </a:lnSpc>
+            </a:pPr>
+            <a:endParaRPr lang="he-IL" dirty="0"/>
+          </a:p>
+          <a:p>
+            <a:pPr lvl="1">
+              <a:lnSpc>
+                <a:spcPct val="110000"/>
+              </a:lnSpc>
+            </a:pPr>
+            <a:endParaRPr lang="he-IL" dirty="0"/>
+          </a:p>
+          <a:p>
+            <a:endParaRPr lang="he-IL" dirty="0"/>
           </a:p>
         </p:txBody>
       </p:sp>
       <p:pic>
         <p:nvPicPr>
-          <p:cNvPr id="24" name="תמונה 23">
+          <p:cNvPr id="6" name="תמונה 5">
             <a:extLst>
               <a:ext uri="{FF2B5EF4-FFF2-40B4-BE49-F238E27FC236}">
-                <a16:creationId xmlns:a16="http://schemas.microsoft.com/office/drawing/2014/main" id="{CD7DC736-910F-4E42-A415-5053F3B6CD9A}"/>
+                <a16:creationId xmlns:a16="http://schemas.microsoft.com/office/drawing/2014/main" id="{86B17FE4-6248-4349-B935-4AF94C587FFA}"/>
               </a:ext>
             </a:extLst>
           </p:cNvPr>
@@ -6128,158 +8194,8 @@
         </p:blipFill>
         <p:spPr>
           <a:xfrm>
-            <a:off x="4553666" y="3640774"/>
-            <a:ext cx="2734901" cy="3080771"/>
-          </a:xfrm>
-          <a:prstGeom prst="rect">
-            <a:avLst/>
-          </a:prstGeom>
-        </p:spPr>
-      </p:pic>
-      <p:pic>
-        <p:nvPicPr>
-          <p:cNvPr id="4" name="תמונה 3">
-            <a:extLst>
-              <a:ext uri="{FF2B5EF4-FFF2-40B4-BE49-F238E27FC236}">
-                <a16:creationId xmlns:a16="http://schemas.microsoft.com/office/drawing/2014/main" id="{3EBD05B3-8EF7-4630-B5FB-090A4007D3AC}"/>
-              </a:ext>
-            </a:extLst>
-          </p:cNvPr>
-          <p:cNvPicPr>
-            <a:picLocks noChangeAspect="1"/>
-          </p:cNvPicPr>
-          <p:nvPr/>
-        </p:nvPicPr>
-        <p:blipFill>
-          <a:blip r:embed="rId3"/>
-          <a:stretch>
-            <a:fillRect/>
-          </a:stretch>
-        </p:blipFill>
-        <p:spPr>
-          <a:xfrm>
-            <a:off x="8125276" y="795330"/>
-            <a:ext cx="2819400" cy="3048000"/>
-          </a:xfrm>
-          <a:prstGeom prst="rect">
-            <a:avLst/>
-          </a:prstGeom>
-        </p:spPr>
-      </p:pic>
-      <p:pic>
-        <p:nvPicPr>
-          <p:cNvPr id="6" name="תמונה 5">
-            <a:extLst>
-              <a:ext uri="{FF2B5EF4-FFF2-40B4-BE49-F238E27FC236}">
-                <a16:creationId xmlns:a16="http://schemas.microsoft.com/office/drawing/2014/main" id="{F0379176-DA48-4E07-8383-1966850D7AED}"/>
-              </a:ext>
-            </a:extLst>
-          </p:cNvPr>
-          <p:cNvPicPr>
-            <a:picLocks noChangeAspect="1"/>
-          </p:cNvPicPr>
-          <p:nvPr/>
-        </p:nvPicPr>
-        <p:blipFill>
-          <a:blip r:embed="rId4"/>
-          <a:stretch>
-            <a:fillRect/>
-          </a:stretch>
-        </p:blipFill>
-        <p:spPr>
-          <a:xfrm>
-            <a:off x="916607" y="3580959"/>
-            <a:ext cx="2800350" cy="3200400"/>
-          </a:xfrm>
-          <a:prstGeom prst="rect">
-            <a:avLst/>
-          </a:prstGeom>
-        </p:spPr>
-      </p:pic>
-      <p:pic>
-        <p:nvPicPr>
-          <p:cNvPr id="9" name="תמונה 8">
-            <a:extLst>
-              <a:ext uri="{FF2B5EF4-FFF2-40B4-BE49-F238E27FC236}">
-                <a16:creationId xmlns:a16="http://schemas.microsoft.com/office/drawing/2014/main" id="{44E506A3-3001-493D-BB0D-2806E2C2E1B7}"/>
-              </a:ext>
-            </a:extLst>
-          </p:cNvPr>
-          <p:cNvPicPr>
-            <a:picLocks noChangeAspect="1"/>
-          </p:cNvPicPr>
-          <p:nvPr/>
-        </p:nvPicPr>
-        <p:blipFill>
-          <a:blip r:embed="rId5"/>
-          <a:stretch>
-            <a:fillRect/>
-          </a:stretch>
-        </p:blipFill>
-        <p:spPr>
-          <a:xfrm>
-            <a:off x="477826" y="360627"/>
-            <a:ext cx="3073058" cy="3220332"/>
-          </a:xfrm>
-          <a:prstGeom prst="rect">
-            <a:avLst/>
-          </a:prstGeom>
-        </p:spPr>
-      </p:pic>
-      <p:pic>
-        <p:nvPicPr>
-          <p:cNvPr id="12" name="תמונה 11">
-            <a:extLst>
-              <a:ext uri="{FF2B5EF4-FFF2-40B4-BE49-F238E27FC236}">
-                <a16:creationId xmlns:a16="http://schemas.microsoft.com/office/drawing/2014/main" id="{04B2F7BF-EC26-4A70-A53B-2D798276190C}"/>
-              </a:ext>
-            </a:extLst>
-          </p:cNvPr>
-          <p:cNvPicPr>
-            <a:picLocks noChangeAspect="1"/>
-          </p:cNvPicPr>
-          <p:nvPr/>
-        </p:nvPicPr>
-        <p:blipFill>
-          <a:blip r:embed="rId6"/>
-          <a:stretch>
-            <a:fillRect/>
-          </a:stretch>
-        </p:blipFill>
-        <p:spPr>
-          <a:xfrm>
-            <a:off x="4413936" y="685623"/>
-            <a:ext cx="2550164" cy="2817241"/>
-          </a:xfrm>
-          <a:prstGeom prst="rect">
-            <a:avLst/>
-          </a:prstGeom>
-        </p:spPr>
-      </p:pic>
-      <p:pic>
-        <p:nvPicPr>
-          <p:cNvPr id="15" name="תמונה 14">
-            <a:extLst>
-              <a:ext uri="{FF2B5EF4-FFF2-40B4-BE49-F238E27FC236}">
-                <a16:creationId xmlns:a16="http://schemas.microsoft.com/office/drawing/2014/main" id="{4F1C5B1A-07AB-4C4C-9DFB-837252ED2BCD}"/>
-              </a:ext>
-            </a:extLst>
-          </p:cNvPr>
-          <p:cNvPicPr>
-            <a:picLocks noChangeAspect="1"/>
-          </p:cNvPicPr>
-          <p:nvPr/>
-        </p:nvPicPr>
-        <p:blipFill>
-          <a:blip r:embed="rId7"/>
-          <a:stretch>
-            <a:fillRect/>
-          </a:stretch>
-        </p:blipFill>
-        <p:spPr>
-          <a:xfrm>
-            <a:off x="7815713" y="3843330"/>
-            <a:ext cx="3438525" cy="2781300"/>
+            <a:off x="1282912" y="2106142"/>
+            <a:ext cx="8006228" cy="4267226"/>
           </a:xfrm>
           <a:prstGeom prst="rect">
             <a:avLst/>
@@ -6289,7 +8205,7 @@
     </p:spTree>
     <p:extLst>
       <p:ext uri="{BB962C8B-B14F-4D97-AF65-F5344CB8AC3E}">
-        <p14:creationId xmlns:p14="http://schemas.microsoft.com/office/powerpoint/2010/main" val="757037119"/>
+        <p14:creationId xmlns:p14="http://schemas.microsoft.com/office/powerpoint/2010/main" val="2091674879"/>
       </p:ext>
     </p:extLst>
   </p:cSld>
